--- a/Documentation/MidtermPresentation07182019.pptx
+++ b/Documentation/MidtermPresentation07182019.pptx
@@ -8,10 +8,14 @@
     <p:sldId id="256" r:id="rId2"/>
     <p:sldId id="258" r:id="rId3"/>
     <p:sldId id="257" r:id="rId4"/>
-    <p:sldId id="259" r:id="rId5"/>
-    <p:sldId id="260" r:id="rId6"/>
-    <p:sldId id="261" r:id="rId7"/>
-    <p:sldId id="262" r:id="rId8"/>
+    <p:sldId id="263" r:id="rId5"/>
+    <p:sldId id="264" r:id="rId6"/>
+    <p:sldId id="265" r:id="rId7"/>
+    <p:sldId id="266" r:id="rId8"/>
+    <p:sldId id="267" r:id="rId9"/>
+    <p:sldId id="259" r:id="rId10"/>
+    <p:sldId id="261" r:id="rId11"/>
+    <p:sldId id="262" r:id="rId12"/>
   </p:sldIdLst>
   <p:sldSz cx="12192000" cy="6858000"/>
   <p:notesSz cx="6858000" cy="9144000"/>
@@ -116,6 +120,3034 @@
     </p:ext>
   </p:extLst>
 </p:presentation>
+</file>
+
+<file path=ppt/diagrams/colors1.xml><?xml version="1.0" encoding="utf-8"?>
+<dgm:colorsDef xmlns:dgm="http://schemas.openxmlformats.org/drawingml/2006/diagram" xmlns:a="http://schemas.openxmlformats.org/drawingml/2006/main" uniqueId="urn:microsoft.com/office/officeart/2005/8/colors/accent1_2">
+  <dgm:title val=""/>
+  <dgm:desc val=""/>
+  <dgm:catLst>
+    <dgm:cat type="accent1" pri="11200"/>
+  </dgm:catLst>
+  <dgm:styleLbl name="node0">
+    <dgm:fillClrLst meth="repeat">
+      <a:schemeClr val="accent1"/>
+    </dgm:fillClrLst>
+    <dgm:linClrLst meth="repeat">
+      <a:schemeClr val="lt1"/>
+    </dgm:linClrLst>
+    <dgm:effectClrLst/>
+    <dgm:txLinClrLst/>
+    <dgm:txFillClrLst/>
+    <dgm:txEffectClrLst/>
+  </dgm:styleLbl>
+  <dgm:styleLbl name="alignNode1">
+    <dgm:fillClrLst meth="repeat">
+      <a:schemeClr val="accent1"/>
+    </dgm:fillClrLst>
+    <dgm:linClrLst meth="repeat">
+      <a:schemeClr val="accent1"/>
+    </dgm:linClrLst>
+    <dgm:effectClrLst/>
+    <dgm:txLinClrLst/>
+    <dgm:txFillClrLst/>
+    <dgm:txEffectClrLst/>
+  </dgm:styleLbl>
+  <dgm:styleLbl name="node1">
+    <dgm:fillClrLst meth="repeat">
+      <a:schemeClr val="accent1"/>
+    </dgm:fillClrLst>
+    <dgm:linClrLst meth="repeat">
+      <a:schemeClr val="lt1"/>
+    </dgm:linClrLst>
+    <dgm:effectClrLst/>
+    <dgm:txLinClrLst/>
+    <dgm:txFillClrLst/>
+    <dgm:txEffectClrLst/>
+  </dgm:styleLbl>
+  <dgm:styleLbl name="lnNode1">
+    <dgm:fillClrLst meth="repeat">
+      <a:schemeClr val="accent1"/>
+    </dgm:fillClrLst>
+    <dgm:linClrLst meth="repeat">
+      <a:schemeClr val="lt1"/>
+    </dgm:linClrLst>
+    <dgm:effectClrLst/>
+    <dgm:txLinClrLst/>
+    <dgm:txFillClrLst/>
+    <dgm:txEffectClrLst/>
+  </dgm:styleLbl>
+  <dgm:styleLbl name="vennNode1">
+    <dgm:fillClrLst meth="repeat">
+      <a:schemeClr val="accent1">
+        <a:alpha val="50000"/>
+      </a:schemeClr>
+    </dgm:fillClrLst>
+    <dgm:linClrLst meth="repeat">
+      <a:schemeClr val="lt1"/>
+    </dgm:linClrLst>
+    <dgm:effectClrLst/>
+    <dgm:txLinClrLst/>
+    <dgm:txFillClrLst/>
+    <dgm:txEffectClrLst/>
+  </dgm:styleLbl>
+  <dgm:styleLbl name="node2">
+    <dgm:fillClrLst meth="repeat">
+      <a:schemeClr val="accent1"/>
+    </dgm:fillClrLst>
+    <dgm:linClrLst meth="repeat">
+      <a:schemeClr val="lt1"/>
+    </dgm:linClrLst>
+    <dgm:effectClrLst/>
+    <dgm:txLinClrLst/>
+    <dgm:txFillClrLst/>
+    <dgm:txEffectClrLst/>
+  </dgm:styleLbl>
+  <dgm:styleLbl name="node3">
+    <dgm:fillClrLst meth="repeat">
+      <a:schemeClr val="accent1"/>
+    </dgm:fillClrLst>
+    <dgm:linClrLst meth="repeat">
+      <a:schemeClr val="lt1"/>
+    </dgm:linClrLst>
+    <dgm:effectClrLst/>
+    <dgm:txLinClrLst/>
+    <dgm:txFillClrLst/>
+    <dgm:txEffectClrLst/>
+  </dgm:styleLbl>
+  <dgm:styleLbl name="node4">
+    <dgm:fillClrLst meth="repeat">
+      <a:schemeClr val="accent1"/>
+    </dgm:fillClrLst>
+    <dgm:linClrLst meth="repeat">
+      <a:schemeClr val="lt1"/>
+    </dgm:linClrLst>
+    <dgm:effectClrLst/>
+    <dgm:txLinClrLst/>
+    <dgm:txFillClrLst/>
+    <dgm:txEffectClrLst/>
+  </dgm:styleLbl>
+  <dgm:styleLbl name="fgImgPlace1">
+    <dgm:fillClrLst meth="repeat">
+      <a:schemeClr val="accent1">
+        <a:tint val="50000"/>
+      </a:schemeClr>
+    </dgm:fillClrLst>
+    <dgm:linClrLst meth="repeat">
+      <a:schemeClr val="lt1"/>
+    </dgm:linClrLst>
+    <dgm:effectClrLst/>
+    <dgm:txLinClrLst/>
+    <dgm:txFillClrLst meth="repeat">
+      <a:schemeClr val="lt1"/>
+    </dgm:txFillClrLst>
+    <dgm:txEffectClrLst/>
+  </dgm:styleLbl>
+  <dgm:styleLbl name="alignImgPlace1">
+    <dgm:fillClrLst meth="repeat">
+      <a:schemeClr val="accent1">
+        <a:tint val="50000"/>
+      </a:schemeClr>
+    </dgm:fillClrLst>
+    <dgm:linClrLst meth="repeat">
+      <a:schemeClr val="lt1"/>
+    </dgm:linClrLst>
+    <dgm:effectClrLst/>
+    <dgm:txLinClrLst/>
+    <dgm:txFillClrLst meth="repeat">
+      <a:schemeClr val="lt1"/>
+    </dgm:txFillClrLst>
+    <dgm:txEffectClrLst/>
+  </dgm:styleLbl>
+  <dgm:styleLbl name="bgImgPlace1">
+    <dgm:fillClrLst meth="repeat">
+      <a:schemeClr val="accent1">
+        <a:tint val="50000"/>
+      </a:schemeClr>
+    </dgm:fillClrLst>
+    <dgm:linClrLst meth="repeat">
+      <a:schemeClr val="lt1"/>
+    </dgm:linClrLst>
+    <dgm:effectClrLst/>
+    <dgm:txLinClrLst/>
+    <dgm:txFillClrLst meth="repeat">
+      <a:schemeClr val="lt1"/>
+    </dgm:txFillClrLst>
+    <dgm:txEffectClrLst/>
+  </dgm:styleLbl>
+  <dgm:styleLbl name="sibTrans2D1">
+    <dgm:fillClrLst meth="repeat">
+      <a:schemeClr val="accent1">
+        <a:tint val="60000"/>
+      </a:schemeClr>
+    </dgm:fillClrLst>
+    <dgm:linClrLst meth="repeat">
+      <a:schemeClr val="accent1">
+        <a:tint val="60000"/>
+      </a:schemeClr>
+    </dgm:linClrLst>
+    <dgm:effectClrLst/>
+    <dgm:txLinClrLst/>
+    <dgm:txFillClrLst/>
+    <dgm:txEffectClrLst/>
+  </dgm:styleLbl>
+  <dgm:styleLbl name="fgSibTrans2D1">
+    <dgm:fillClrLst meth="repeat">
+      <a:schemeClr val="accent1">
+        <a:tint val="60000"/>
+      </a:schemeClr>
+    </dgm:fillClrLst>
+    <dgm:linClrLst meth="repeat">
+      <a:schemeClr val="accent1">
+        <a:tint val="60000"/>
+      </a:schemeClr>
+    </dgm:linClrLst>
+    <dgm:effectClrLst/>
+    <dgm:txLinClrLst/>
+    <dgm:txFillClrLst/>
+    <dgm:txEffectClrLst/>
+  </dgm:styleLbl>
+  <dgm:styleLbl name="bgSibTrans2D1">
+    <dgm:fillClrLst meth="repeat">
+      <a:schemeClr val="accent1">
+        <a:tint val="60000"/>
+      </a:schemeClr>
+    </dgm:fillClrLst>
+    <dgm:linClrLst meth="repeat">
+      <a:schemeClr val="accent1">
+        <a:tint val="60000"/>
+      </a:schemeClr>
+    </dgm:linClrLst>
+    <dgm:effectClrLst/>
+    <dgm:txLinClrLst/>
+    <dgm:txFillClrLst/>
+    <dgm:txEffectClrLst/>
+  </dgm:styleLbl>
+  <dgm:styleLbl name="sibTrans1D1">
+    <dgm:fillClrLst meth="repeat">
+      <a:schemeClr val="accent1"/>
+    </dgm:fillClrLst>
+    <dgm:linClrLst meth="repeat">
+      <a:schemeClr val="accent1"/>
+    </dgm:linClrLst>
+    <dgm:effectClrLst/>
+    <dgm:txLinClrLst/>
+    <dgm:txFillClrLst meth="repeat">
+      <a:schemeClr val="tx1"/>
+    </dgm:txFillClrLst>
+    <dgm:txEffectClrLst/>
+  </dgm:styleLbl>
+  <dgm:styleLbl name="callout">
+    <dgm:fillClrLst meth="repeat">
+      <a:schemeClr val="accent1"/>
+    </dgm:fillClrLst>
+    <dgm:linClrLst meth="repeat">
+      <a:schemeClr val="accent1">
+        <a:tint val="50000"/>
+      </a:schemeClr>
+    </dgm:linClrLst>
+    <dgm:effectClrLst/>
+    <dgm:txLinClrLst/>
+    <dgm:txFillClrLst meth="repeat">
+      <a:schemeClr val="tx1"/>
+    </dgm:txFillClrLst>
+    <dgm:txEffectClrLst/>
+  </dgm:styleLbl>
+  <dgm:styleLbl name="asst0">
+    <dgm:fillClrLst meth="repeat">
+      <a:schemeClr val="accent1"/>
+    </dgm:fillClrLst>
+    <dgm:linClrLst meth="repeat">
+      <a:schemeClr val="lt1"/>
+    </dgm:linClrLst>
+    <dgm:effectClrLst/>
+    <dgm:txLinClrLst/>
+    <dgm:txFillClrLst/>
+    <dgm:txEffectClrLst/>
+  </dgm:styleLbl>
+  <dgm:styleLbl name="asst1">
+    <dgm:fillClrLst meth="repeat">
+      <a:schemeClr val="accent1"/>
+    </dgm:fillClrLst>
+    <dgm:linClrLst meth="repeat">
+      <a:schemeClr val="lt1"/>
+    </dgm:linClrLst>
+    <dgm:effectClrLst/>
+    <dgm:txLinClrLst/>
+    <dgm:txFillClrLst/>
+    <dgm:txEffectClrLst/>
+  </dgm:styleLbl>
+  <dgm:styleLbl name="asst2">
+    <dgm:fillClrLst meth="repeat">
+      <a:schemeClr val="accent1"/>
+    </dgm:fillClrLst>
+    <dgm:linClrLst meth="repeat">
+      <a:schemeClr val="lt1"/>
+    </dgm:linClrLst>
+    <dgm:effectClrLst/>
+    <dgm:txLinClrLst/>
+    <dgm:txFillClrLst/>
+    <dgm:txEffectClrLst/>
+  </dgm:styleLbl>
+  <dgm:styleLbl name="asst3">
+    <dgm:fillClrLst meth="repeat">
+      <a:schemeClr val="accent1"/>
+    </dgm:fillClrLst>
+    <dgm:linClrLst meth="repeat">
+      <a:schemeClr val="lt1"/>
+    </dgm:linClrLst>
+    <dgm:effectClrLst/>
+    <dgm:txLinClrLst/>
+    <dgm:txFillClrLst/>
+    <dgm:txEffectClrLst/>
+  </dgm:styleLbl>
+  <dgm:styleLbl name="asst4">
+    <dgm:fillClrLst meth="repeat">
+      <a:schemeClr val="accent1"/>
+    </dgm:fillClrLst>
+    <dgm:linClrLst meth="repeat">
+      <a:schemeClr val="lt1"/>
+    </dgm:linClrLst>
+    <dgm:effectClrLst/>
+    <dgm:txLinClrLst/>
+    <dgm:txFillClrLst/>
+    <dgm:txEffectClrLst/>
+  </dgm:styleLbl>
+  <dgm:styleLbl name="parChTrans2D1">
+    <dgm:fillClrLst meth="repeat">
+      <a:schemeClr val="accent1">
+        <a:tint val="60000"/>
+      </a:schemeClr>
+    </dgm:fillClrLst>
+    <dgm:linClrLst meth="repeat">
+      <a:schemeClr val="accent1">
+        <a:tint val="60000"/>
+      </a:schemeClr>
+    </dgm:linClrLst>
+    <dgm:effectClrLst/>
+    <dgm:txLinClrLst/>
+    <dgm:txFillClrLst meth="repeat">
+      <a:schemeClr val="lt1"/>
+    </dgm:txFillClrLst>
+    <dgm:txEffectClrLst/>
+  </dgm:styleLbl>
+  <dgm:styleLbl name="parChTrans2D2">
+    <dgm:fillClrLst meth="repeat">
+      <a:schemeClr val="accent1"/>
+    </dgm:fillClrLst>
+    <dgm:linClrLst meth="repeat">
+      <a:schemeClr val="accent1"/>
+    </dgm:linClrLst>
+    <dgm:effectClrLst/>
+    <dgm:txLinClrLst/>
+    <dgm:txFillClrLst meth="repeat">
+      <a:schemeClr val="lt1"/>
+    </dgm:txFillClrLst>
+    <dgm:txEffectClrLst/>
+  </dgm:styleLbl>
+  <dgm:styleLbl name="parChTrans2D3">
+    <dgm:fillClrLst meth="repeat">
+      <a:schemeClr val="accent1"/>
+    </dgm:fillClrLst>
+    <dgm:linClrLst meth="repeat">
+      <a:schemeClr val="accent1"/>
+    </dgm:linClrLst>
+    <dgm:effectClrLst/>
+    <dgm:txLinClrLst/>
+    <dgm:txFillClrLst meth="repeat">
+      <a:schemeClr val="lt1"/>
+    </dgm:txFillClrLst>
+    <dgm:txEffectClrLst/>
+  </dgm:styleLbl>
+  <dgm:styleLbl name="parChTrans2D4">
+    <dgm:fillClrLst meth="repeat">
+      <a:schemeClr val="accent1"/>
+    </dgm:fillClrLst>
+    <dgm:linClrLst meth="repeat">
+      <a:schemeClr val="accent1"/>
+    </dgm:linClrLst>
+    <dgm:effectClrLst/>
+    <dgm:txLinClrLst/>
+    <dgm:txFillClrLst meth="repeat">
+      <a:schemeClr val="lt1"/>
+    </dgm:txFillClrLst>
+    <dgm:txEffectClrLst/>
+  </dgm:styleLbl>
+  <dgm:styleLbl name="parChTrans1D1">
+    <dgm:fillClrLst meth="repeat">
+      <a:schemeClr val="accent1"/>
+    </dgm:fillClrLst>
+    <dgm:linClrLst meth="repeat">
+      <a:schemeClr val="accent1">
+        <a:shade val="60000"/>
+      </a:schemeClr>
+    </dgm:linClrLst>
+    <dgm:effectClrLst/>
+    <dgm:txLinClrLst/>
+    <dgm:txFillClrLst meth="repeat">
+      <a:schemeClr val="tx1"/>
+    </dgm:txFillClrLst>
+    <dgm:txEffectClrLst/>
+  </dgm:styleLbl>
+  <dgm:styleLbl name="parChTrans1D2">
+    <dgm:fillClrLst meth="repeat">
+      <a:schemeClr val="accent1"/>
+    </dgm:fillClrLst>
+    <dgm:linClrLst meth="repeat">
+      <a:schemeClr val="accent1">
+        <a:shade val="60000"/>
+      </a:schemeClr>
+    </dgm:linClrLst>
+    <dgm:effectClrLst/>
+    <dgm:txLinClrLst/>
+    <dgm:txFillClrLst meth="repeat">
+      <a:schemeClr val="tx1"/>
+    </dgm:txFillClrLst>
+    <dgm:txEffectClrLst/>
+  </dgm:styleLbl>
+  <dgm:styleLbl name="parChTrans1D3">
+    <dgm:fillClrLst meth="repeat">
+      <a:schemeClr val="accent1"/>
+    </dgm:fillClrLst>
+    <dgm:linClrLst meth="repeat">
+      <a:schemeClr val="accent1">
+        <a:shade val="80000"/>
+      </a:schemeClr>
+    </dgm:linClrLst>
+    <dgm:effectClrLst/>
+    <dgm:txLinClrLst/>
+    <dgm:txFillClrLst meth="repeat">
+      <a:schemeClr val="tx1"/>
+    </dgm:txFillClrLst>
+    <dgm:txEffectClrLst/>
+  </dgm:styleLbl>
+  <dgm:styleLbl name="parChTrans1D4">
+    <dgm:fillClrLst meth="repeat">
+      <a:schemeClr val="accent1"/>
+    </dgm:fillClrLst>
+    <dgm:linClrLst meth="repeat">
+      <a:schemeClr val="accent1">
+        <a:shade val="80000"/>
+      </a:schemeClr>
+    </dgm:linClrLst>
+    <dgm:effectClrLst/>
+    <dgm:txLinClrLst/>
+    <dgm:txFillClrLst meth="repeat">
+      <a:schemeClr val="tx1"/>
+    </dgm:txFillClrLst>
+    <dgm:txEffectClrLst/>
+  </dgm:styleLbl>
+  <dgm:styleLbl name="fgAcc1">
+    <dgm:fillClrLst meth="repeat">
+      <a:schemeClr val="lt1">
+        <a:alpha val="90000"/>
+      </a:schemeClr>
+    </dgm:fillClrLst>
+    <dgm:linClrLst meth="repeat">
+      <a:schemeClr val="accent1"/>
+    </dgm:linClrLst>
+    <dgm:effectClrLst/>
+    <dgm:txLinClrLst/>
+    <dgm:txFillClrLst meth="repeat">
+      <a:schemeClr val="dk1"/>
+    </dgm:txFillClrLst>
+    <dgm:txEffectClrLst/>
+  </dgm:styleLbl>
+  <dgm:styleLbl name="conFgAcc1">
+    <dgm:fillClrLst meth="repeat">
+      <a:schemeClr val="lt1">
+        <a:alpha val="90000"/>
+      </a:schemeClr>
+    </dgm:fillClrLst>
+    <dgm:linClrLst meth="repeat">
+      <a:schemeClr val="accent1"/>
+    </dgm:linClrLst>
+    <dgm:effectClrLst/>
+    <dgm:txLinClrLst/>
+    <dgm:txFillClrLst meth="repeat">
+      <a:schemeClr val="dk1"/>
+    </dgm:txFillClrLst>
+    <dgm:txEffectClrLst/>
+  </dgm:styleLbl>
+  <dgm:styleLbl name="alignAcc1">
+    <dgm:fillClrLst meth="repeat">
+      <a:schemeClr val="lt1">
+        <a:alpha val="90000"/>
+      </a:schemeClr>
+    </dgm:fillClrLst>
+    <dgm:linClrLst meth="repeat">
+      <a:schemeClr val="accent1"/>
+    </dgm:linClrLst>
+    <dgm:effectClrLst/>
+    <dgm:txLinClrLst/>
+    <dgm:txFillClrLst meth="repeat">
+      <a:schemeClr val="dk1"/>
+    </dgm:txFillClrLst>
+    <dgm:txEffectClrLst/>
+  </dgm:styleLbl>
+  <dgm:styleLbl name="trAlignAcc1">
+    <dgm:fillClrLst meth="repeat">
+      <a:schemeClr val="lt1">
+        <a:alpha val="40000"/>
+      </a:schemeClr>
+    </dgm:fillClrLst>
+    <dgm:linClrLst meth="repeat">
+      <a:schemeClr val="accent1"/>
+    </dgm:linClrLst>
+    <dgm:effectClrLst/>
+    <dgm:txLinClrLst/>
+    <dgm:txFillClrLst meth="repeat">
+      <a:schemeClr val="dk1"/>
+    </dgm:txFillClrLst>
+    <dgm:txEffectClrLst/>
+  </dgm:styleLbl>
+  <dgm:styleLbl name="bgAcc1">
+    <dgm:fillClrLst meth="repeat">
+      <a:schemeClr val="lt1">
+        <a:alpha val="90000"/>
+      </a:schemeClr>
+    </dgm:fillClrLst>
+    <dgm:linClrLst meth="repeat">
+      <a:schemeClr val="accent1"/>
+    </dgm:linClrLst>
+    <dgm:effectClrLst/>
+    <dgm:txLinClrLst/>
+    <dgm:txFillClrLst meth="repeat">
+      <a:schemeClr val="dk1"/>
+    </dgm:txFillClrLst>
+    <dgm:txEffectClrLst/>
+  </dgm:styleLbl>
+  <dgm:styleLbl name="solidFgAcc1">
+    <dgm:fillClrLst meth="repeat">
+      <a:schemeClr val="lt1"/>
+    </dgm:fillClrLst>
+    <dgm:linClrLst meth="repeat">
+      <a:schemeClr val="accent1"/>
+    </dgm:linClrLst>
+    <dgm:effectClrLst/>
+    <dgm:txLinClrLst/>
+    <dgm:txFillClrLst meth="repeat">
+      <a:schemeClr val="dk1"/>
+    </dgm:txFillClrLst>
+    <dgm:txEffectClrLst/>
+  </dgm:styleLbl>
+  <dgm:styleLbl name="solidAlignAcc1">
+    <dgm:fillClrLst meth="repeat">
+      <a:schemeClr val="lt1"/>
+    </dgm:fillClrLst>
+    <dgm:linClrLst meth="repeat">
+      <a:schemeClr val="accent1"/>
+    </dgm:linClrLst>
+    <dgm:effectClrLst/>
+    <dgm:txLinClrLst/>
+    <dgm:txFillClrLst meth="repeat">
+      <a:schemeClr val="dk1"/>
+    </dgm:txFillClrLst>
+    <dgm:txEffectClrLst/>
+  </dgm:styleLbl>
+  <dgm:styleLbl name="solidBgAcc1">
+    <dgm:fillClrLst meth="repeat">
+      <a:schemeClr val="lt1"/>
+    </dgm:fillClrLst>
+    <dgm:linClrLst meth="repeat">
+      <a:schemeClr val="accent1"/>
+    </dgm:linClrLst>
+    <dgm:effectClrLst/>
+    <dgm:txLinClrLst/>
+    <dgm:txFillClrLst meth="repeat">
+      <a:schemeClr val="dk1"/>
+    </dgm:txFillClrLst>
+    <dgm:txEffectClrLst/>
+  </dgm:styleLbl>
+  <dgm:styleLbl name="fgAccFollowNode1">
+    <dgm:fillClrLst meth="repeat">
+      <a:schemeClr val="accent1">
+        <a:alpha val="90000"/>
+        <a:tint val="40000"/>
+      </a:schemeClr>
+    </dgm:fillClrLst>
+    <dgm:linClrLst meth="repeat">
+      <a:schemeClr val="accent1">
+        <a:alpha val="90000"/>
+        <a:tint val="40000"/>
+      </a:schemeClr>
+    </dgm:linClrLst>
+    <dgm:effectClrLst/>
+    <dgm:txLinClrLst/>
+    <dgm:txFillClrLst meth="repeat">
+      <a:schemeClr val="dk1"/>
+    </dgm:txFillClrLst>
+    <dgm:txEffectClrLst/>
+  </dgm:styleLbl>
+  <dgm:styleLbl name="alignAccFollowNode1">
+    <dgm:fillClrLst meth="repeat">
+      <a:schemeClr val="accent1">
+        <a:alpha val="90000"/>
+        <a:tint val="40000"/>
+      </a:schemeClr>
+    </dgm:fillClrLst>
+    <dgm:linClrLst meth="repeat">
+      <a:schemeClr val="accent1">
+        <a:alpha val="90000"/>
+        <a:tint val="40000"/>
+      </a:schemeClr>
+    </dgm:linClrLst>
+    <dgm:effectClrLst/>
+    <dgm:txLinClrLst/>
+    <dgm:txFillClrLst meth="repeat">
+      <a:schemeClr val="dk1"/>
+    </dgm:txFillClrLst>
+    <dgm:txEffectClrLst/>
+  </dgm:styleLbl>
+  <dgm:styleLbl name="bgAccFollowNode1">
+    <dgm:fillClrLst meth="repeat">
+      <a:schemeClr val="accent1">
+        <a:alpha val="90000"/>
+        <a:tint val="40000"/>
+      </a:schemeClr>
+    </dgm:fillClrLst>
+    <dgm:linClrLst meth="repeat">
+      <a:schemeClr val="accent1">
+        <a:alpha val="90000"/>
+        <a:tint val="40000"/>
+      </a:schemeClr>
+    </dgm:linClrLst>
+    <dgm:effectClrLst/>
+    <dgm:txLinClrLst/>
+    <dgm:txFillClrLst meth="repeat">
+      <a:schemeClr val="dk1"/>
+    </dgm:txFillClrLst>
+    <dgm:txEffectClrLst/>
+  </dgm:styleLbl>
+  <dgm:styleLbl name="fgAcc0">
+    <dgm:fillClrLst meth="repeat">
+      <a:schemeClr val="lt1">
+        <a:alpha val="90000"/>
+      </a:schemeClr>
+    </dgm:fillClrLst>
+    <dgm:linClrLst meth="repeat">
+      <a:schemeClr val="accent1"/>
+    </dgm:linClrLst>
+    <dgm:effectClrLst/>
+    <dgm:txLinClrLst/>
+    <dgm:txFillClrLst meth="repeat">
+      <a:schemeClr val="dk1"/>
+    </dgm:txFillClrLst>
+    <dgm:txEffectClrLst/>
+  </dgm:styleLbl>
+  <dgm:styleLbl name="fgAcc2">
+    <dgm:fillClrLst meth="repeat">
+      <a:schemeClr val="lt1">
+        <a:alpha val="90000"/>
+      </a:schemeClr>
+    </dgm:fillClrLst>
+    <dgm:linClrLst meth="repeat">
+      <a:schemeClr val="accent1"/>
+    </dgm:linClrLst>
+    <dgm:effectClrLst/>
+    <dgm:txLinClrLst/>
+    <dgm:txFillClrLst meth="repeat">
+      <a:schemeClr val="dk1"/>
+    </dgm:txFillClrLst>
+    <dgm:txEffectClrLst/>
+  </dgm:styleLbl>
+  <dgm:styleLbl name="fgAcc3">
+    <dgm:fillClrLst meth="repeat">
+      <a:schemeClr val="lt1">
+        <a:alpha val="90000"/>
+      </a:schemeClr>
+    </dgm:fillClrLst>
+    <dgm:linClrLst meth="repeat">
+      <a:schemeClr val="accent1"/>
+    </dgm:linClrLst>
+    <dgm:effectClrLst/>
+    <dgm:txLinClrLst/>
+    <dgm:txFillClrLst meth="repeat">
+      <a:schemeClr val="dk1"/>
+    </dgm:txFillClrLst>
+    <dgm:txEffectClrLst/>
+  </dgm:styleLbl>
+  <dgm:styleLbl name="fgAcc4">
+    <dgm:fillClrLst meth="repeat">
+      <a:schemeClr val="lt1">
+        <a:alpha val="90000"/>
+      </a:schemeClr>
+    </dgm:fillClrLst>
+    <dgm:linClrLst meth="repeat">
+      <a:schemeClr val="accent1"/>
+    </dgm:linClrLst>
+    <dgm:effectClrLst/>
+    <dgm:txLinClrLst/>
+    <dgm:txFillClrLst meth="repeat">
+      <a:schemeClr val="dk1"/>
+    </dgm:txFillClrLst>
+    <dgm:txEffectClrLst/>
+  </dgm:styleLbl>
+  <dgm:styleLbl name="bgShp">
+    <dgm:fillClrLst meth="repeat">
+      <a:schemeClr val="accent1">
+        <a:tint val="40000"/>
+      </a:schemeClr>
+    </dgm:fillClrLst>
+    <dgm:linClrLst meth="repeat">
+      <a:schemeClr val="accent1"/>
+    </dgm:linClrLst>
+    <dgm:effectClrLst/>
+    <dgm:txLinClrLst/>
+    <dgm:txFillClrLst meth="repeat">
+      <a:schemeClr val="dk1"/>
+    </dgm:txFillClrLst>
+    <dgm:txEffectClrLst/>
+  </dgm:styleLbl>
+  <dgm:styleLbl name="dkBgShp">
+    <dgm:fillClrLst meth="repeat">
+      <a:schemeClr val="accent1">
+        <a:shade val="80000"/>
+      </a:schemeClr>
+    </dgm:fillClrLst>
+    <dgm:linClrLst meth="repeat">
+      <a:schemeClr val="accent1"/>
+    </dgm:linClrLst>
+    <dgm:effectClrLst/>
+    <dgm:txLinClrLst/>
+    <dgm:txFillClrLst meth="repeat">
+      <a:schemeClr val="lt1"/>
+    </dgm:txFillClrLst>
+    <dgm:txEffectClrLst/>
+  </dgm:styleLbl>
+  <dgm:styleLbl name="trBgShp">
+    <dgm:fillClrLst meth="repeat">
+      <a:schemeClr val="accent1">
+        <a:tint val="50000"/>
+        <a:alpha val="40000"/>
+      </a:schemeClr>
+    </dgm:fillClrLst>
+    <dgm:linClrLst meth="repeat">
+      <a:schemeClr val="accent1"/>
+    </dgm:linClrLst>
+    <dgm:effectClrLst/>
+    <dgm:txLinClrLst/>
+    <dgm:txFillClrLst meth="repeat">
+      <a:schemeClr val="lt1"/>
+    </dgm:txFillClrLst>
+    <dgm:txEffectClrLst/>
+  </dgm:styleLbl>
+  <dgm:styleLbl name="fgShp">
+    <dgm:fillClrLst meth="repeat">
+      <a:schemeClr val="accent1">
+        <a:tint val="60000"/>
+      </a:schemeClr>
+    </dgm:fillClrLst>
+    <dgm:linClrLst meth="repeat">
+      <a:schemeClr val="lt1"/>
+    </dgm:linClrLst>
+    <dgm:effectClrLst/>
+    <dgm:txLinClrLst/>
+    <dgm:txFillClrLst meth="repeat">
+      <a:schemeClr val="dk1"/>
+    </dgm:txFillClrLst>
+    <dgm:txEffectClrLst/>
+  </dgm:styleLbl>
+  <dgm:styleLbl name="revTx">
+    <dgm:fillClrLst meth="repeat">
+      <a:schemeClr val="lt1">
+        <a:alpha val="0"/>
+      </a:schemeClr>
+    </dgm:fillClrLst>
+    <dgm:linClrLst meth="repeat">
+      <a:schemeClr val="dk1">
+        <a:alpha val="0"/>
+      </a:schemeClr>
+    </dgm:linClrLst>
+    <dgm:effectClrLst/>
+    <dgm:txLinClrLst/>
+    <dgm:txFillClrLst meth="repeat">
+      <a:schemeClr val="tx1"/>
+    </dgm:txFillClrLst>
+    <dgm:txEffectClrLst/>
+  </dgm:styleLbl>
+</dgm:colorsDef>
+</file>
+
+<file path=ppt/diagrams/data1.xml><?xml version="1.0" encoding="utf-8"?>
+<dgm:dataModel xmlns:dgm="http://schemas.openxmlformats.org/drawingml/2006/diagram" xmlns:a="http://schemas.openxmlformats.org/drawingml/2006/main">
+  <dgm:ptLst>
+    <dgm:pt modelId="{DCFD859E-B377-434A-A94D-076BFBA2769F}" type="doc">
+      <dgm:prSet loTypeId="urn:microsoft.com/office/officeart/2005/8/layout/bProcess3" loCatId="" qsTypeId="urn:microsoft.com/office/officeart/2005/8/quickstyle/simple1" qsCatId="simple" csTypeId="urn:microsoft.com/office/officeart/2005/8/colors/accent1_2" csCatId="accent1" phldr="1"/>
+      <dgm:spPr/>
+      <dgm:t>
+        <a:bodyPr/>
+        <a:lstStyle/>
+        <a:p>
+          <a:endParaRPr lang="en-US"/>
+        </a:p>
+      </dgm:t>
+    </dgm:pt>
+    <dgm:pt modelId="{D6F1BB4C-AAAC-6543-9DD3-D15844092795}">
+      <dgm:prSet phldrT="[Text]"/>
+      <dgm:spPr/>
+      <dgm:t>
+        <a:bodyPr/>
+        <a:lstStyle/>
+        <a:p>
+          <a:r>
+            <a:rPr lang="en-US" dirty="0"/>
+            <a:t>Load data in Amazon S3 Bucket (using either </a:t>
+          </a:r>
+          <a:r>
+            <a:rPr lang="en-US" dirty="0" err="1"/>
+            <a:t>flatfile</a:t>
+          </a:r>
+          <a:r>
+            <a:rPr lang="en-US" dirty="0"/>
+            <a:t> or API call)</a:t>
+          </a:r>
+        </a:p>
+      </dgm:t>
+    </dgm:pt>
+    <dgm:pt modelId="{D895DF4B-6CBF-B947-AA37-3198D65CFB97}" type="parTrans" cxnId="{B992BA0A-E522-1548-8BF7-A752BE276522}">
+      <dgm:prSet/>
+      <dgm:spPr/>
+      <dgm:t>
+        <a:bodyPr/>
+        <a:lstStyle/>
+        <a:p>
+          <a:endParaRPr lang="en-US"/>
+        </a:p>
+      </dgm:t>
+    </dgm:pt>
+    <dgm:pt modelId="{3516A11D-0A83-434A-9057-5D319ABE10AC}" type="sibTrans" cxnId="{B992BA0A-E522-1548-8BF7-A752BE276522}">
+      <dgm:prSet/>
+      <dgm:spPr/>
+      <dgm:t>
+        <a:bodyPr/>
+        <a:lstStyle/>
+        <a:p>
+          <a:endParaRPr lang="en-US"/>
+        </a:p>
+      </dgm:t>
+    </dgm:pt>
+    <dgm:pt modelId="{F82B542C-42F9-BB44-AE58-FDB2369C28FC}">
+      <dgm:prSet phldrT="[Text]"/>
+      <dgm:spPr/>
+      <dgm:t>
+        <a:bodyPr/>
+        <a:lstStyle/>
+        <a:p>
+          <a:r>
+            <a:rPr lang="en-US" dirty="0"/>
+            <a:t>Parse and aggregate data using Amazon Athena/DynamoDB</a:t>
+          </a:r>
+        </a:p>
+      </dgm:t>
+    </dgm:pt>
+    <dgm:pt modelId="{54CEDB2B-E7BC-8043-B511-D490FF28586A}" type="parTrans" cxnId="{AA6F33B1-7A2D-8146-9D3B-5FA838ACEA88}">
+      <dgm:prSet/>
+      <dgm:spPr/>
+      <dgm:t>
+        <a:bodyPr/>
+        <a:lstStyle/>
+        <a:p>
+          <a:endParaRPr lang="en-US"/>
+        </a:p>
+      </dgm:t>
+    </dgm:pt>
+    <dgm:pt modelId="{B0DCA3E5-70F5-964A-B3F2-3AE175CE806B}" type="sibTrans" cxnId="{AA6F33B1-7A2D-8146-9D3B-5FA838ACEA88}">
+      <dgm:prSet/>
+      <dgm:spPr/>
+      <dgm:t>
+        <a:bodyPr/>
+        <a:lstStyle/>
+        <a:p>
+          <a:endParaRPr lang="en-US"/>
+        </a:p>
+      </dgm:t>
+    </dgm:pt>
+    <dgm:pt modelId="{F14CF929-9168-5242-B9D5-A6EEFB721676}">
+      <dgm:prSet phldrT="[Text]"/>
+      <dgm:spPr/>
+      <dgm:t>
+        <a:bodyPr/>
+        <a:lstStyle/>
+        <a:p>
+          <a:r>
+            <a:rPr lang="en-US" dirty="0"/>
+            <a:t>Develop Spatial Analyses using Amazon EC2 Instance</a:t>
+          </a:r>
+        </a:p>
+      </dgm:t>
+    </dgm:pt>
+    <dgm:pt modelId="{3E84035D-3822-C24E-AD8B-0E4B1A8A8DB1}" type="parTrans" cxnId="{CA634D38-11B0-B843-A2BB-56094A27CA7C}">
+      <dgm:prSet/>
+      <dgm:spPr/>
+      <dgm:t>
+        <a:bodyPr/>
+        <a:lstStyle/>
+        <a:p>
+          <a:endParaRPr lang="en-US"/>
+        </a:p>
+      </dgm:t>
+    </dgm:pt>
+    <dgm:pt modelId="{7074001B-0651-544F-BEFC-6AA67C74C27A}" type="sibTrans" cxnId="{CA634D38-11B0-B843-A2BB-56094A27CA7C}">
+      <dgm:prSet/>
+      <dgm:spPr/>
+      <dgm:t>
+        <a:bodyPr/>
+        <a:lstStyle/>
+        <a:p>
+          <a:endParaRPr lang="en-US"/>
+        </a:p>
+      </dgm:t>
+    </dgm:pt>
+    <dgm:pt modelId="{32544A79-82E8-CC4F-AE7F-63450302DCF1}">
+      <dgm:prSet phldrT="[Text]"/>
+      <dgm:spPr/>
+      <dgm:t>
+        <a:bodyPr/>
+        <a:lstStyle/>
+        <a:p>
+          <a:r>
+            <a:rPr lang="en-US" dirty="0"/>
+            <a:t>Design SPA in another EC2 Bucket</a:t>
+          </a:r>
+        </a:p>
+      </dgm:t>
+    </dgm:pt>
+    <dgm:pt modelId="{0CC1956B-AAF1-BB44-92AC-4E6E1B14E9C2}" type="parTrans" cxnId="{691639E7-9A55-094D-ACF6-7E6A4CDC5EC3}">
+      <dgm:prSet/>
+      <dgm:spPr/>
+      <dgm:t>
+        <a:bodyPr/>
+        <a:lstStyle/>
+        <a:p>
+          <a:endParaRPr lang="en-US"/>
+        </a:p>
+      </dgm:t>
+    </dgm:pt>
+    <dgm:pt modelId="{C8024AC4-8447-3741-96B9-7961BE1718BB}" type="sibTrans" cxnId="{691639E7-9A55-094D-ACF6-7E6A4CDC5EC3}">
+      <dgm:prSet/>
+      <dgm:spPr/>
+      <dgm:t>
+        <a:bodyPr/>
+        <a:lstStyle/>
+        <a:p>
+          <a:endParaRPr lang="en-US"/>
+        </a:p>
+      </dgm:t>
+    </dgm:pt>
+    <dgm:pt modelId="{8E9D4F4A-1ED3-5741-A294-7EE12982F252}">
+      <dgm:prSet phldrT="[Text]"/>
+      <dgm:spPr/>
+      <dgm:t>
+        <a:bodyPr/>
+        <a:lstStyle/>
+        <a:p>
+          <a:r>
+            <a:rPr lang="en-US" dirty="0"/>
+            <a:t>Publish SPA</a:t>
+          </a:r>
+        </a:p>
+      </dgm:t>
+    </dgm:pt>
+    <dgm:pt modelId="{3215A4D9-7E61-F34C-A36D-92FC26BD7D74}" type="parTrans" cxnId="{3A033070-9208-4E45-8966-0D233D217BE0}">
+      <dgm:prSet/>
+      <dgm:spPr/>
+      <dgm:t>
+        <a:bodyPr/>
+        <a:lstStyle/>
+        <a:p>
+          <a:endParaRPr lang="en-US"/>
+        </a:p>
+      </dgm:t>
+    </dgm:pt>
+    <dgm:pt modelId="{93716BAF-9C99-5C45-BD53-4993CD080024}" type="sibTrans" cxnId="{3A033070-9208-4E45-8966-0D233D217BE0}">
+      <dgm:prSet/>
+      <dgm:spPr/>
+      <dgm:t>
+        <a:bodyPr/>
+        <a:lstStyle/>
+        <a:p>
+          <a:endParaRPr lang="en-US"/>
+        </a:p>
+      </dgm:t>
+    </dgm:pt>
+    <dgm:pt modelId="{E918F8DF-90E5-884F-82C7-5CFB0CBE1E83}" type="pres">
+      <dgm:prSet presAssocID="{DCFD859E-B377-434A-A94D-076BFBA2769F}" presName="Name0" presStyleCnt="0">
+        <dgm:presLayoutVars>
+          <dgm:dir/>
+          <dgm:resizeHandles val="exact"/>
+        </dgm:presLayoutVars>
+      </dgm:prSet>
+      <dgm:spPr/>
+    </dgm:pt>
+    <dgm:pt modelId="{88E1B3C3-44B5-AC4D-B26A-88F8CE9F8096}" type="pres">
+      <dgm:prSet presAssocID="{D6F1BB4C-AAAC-6543-9DD3-D15844092795}" presName="node" presStyleLbl="node1" presStyleIdx="0" presStyleCnt="5">
+        <dgm:presLayoutVars>
+          <dgm:bulletEnabled val="1"/>
+        </dgm:presLayoutVars>
+      </dgm:prSet>
+      <dgm:spPr/>
+    </dgm:pt>
+    <dgm:pt modelId="{AFA311FB-FC4B-E341-87C4-A08510047537}" type="pres">
+      <dgm:prSet presAssocID="{3516A11D-0A83-434A-9057-5D319ABE10AC}" presName="sibTrans" presStyleLbl="sibTrans1D1" presStyleIdx="0" presStyleCnt="4"/>
+      <dgm:spPr/>
+    </dgm:pt>
+    <dgm:pt modelId="{B1545034-786C-964D-895E-B1D9CF8AC730}" type="pres">
+      <dgm:prSet presAssocID="{3516A11D-0A83-434A-9057-5D319ABE10AC}" presName="connectorText" presStyleLbl="sibTrans1D1" presStyleIdx="0" presStyleCnt="4"/>
+      <dgm:spPr/>
+    </dgm:pt>
+    <dgm:pt modelId="{3BD604CD-F8C0-2A4A-B179-4098A702BC82}" type="pres">
+      <dgm:prSet presAssocID="{F82B542C-42F9-BB44-AE58-FDB2369C28FC}" presName="node" presStyleLbl="node1" presStyleIdx="1" presStyleCnt="5">
+        <dgm:presLayoutVars>
+          <dgm:bulletEnabled val="1"/>
+        </dgm:presLayoutVars>
+      </dgm:prSet>
+      <dgm:spPr/>
+    </dgm:pt>
+    <dgm:pt modelId="{43CA368D-1B62-A749-81D2-6B056B248E47}" type="pres">
+      <dgm:prSet presAssocID="{B0DCA3E5-70F5-964A-B3F2-3AE175CE806B}" presName="sibTrans" presStyleLbl="sibTrans1D1" presStyleIdx="1" presStyleCnt="4"/>
+      <dgm:spPr/>
+    </dgm:pt>
+    <dgm:pt modelId="{B1AB7748-5400-834E-94F9-03F0E3BD32E9}" type="pres">
+      <dgm:prSet presAssocID="{B0DCA3E5-70F5-964A-B3F2-3AE175CE806B}" presName="connectorText" presStyleLbl="sibTrans1D1" presStyleIdx="1" presStyleCnt="4"/>
+      <dgm:spPr/>
+    </dgm:pt>
+    <dgm:pt modelId="{5849679F-3A7F-9841-A8CF-586780AE1B87}" type="pres">
+      <dgm:prSet presAssocID="{F14CF929-9168-5242-B9D5-A6EEFB721676}" presName="node" presStyleLbl="node1" presStyleIdx="2" presStyleCnt="5">
+        <dgm:presLayoutVars>
+          <dgm:bulletEnabled val="1"/>
+        </dgm:presLayoutVars>
+      </dgm:prSet>
+      <dgm:spPr/>
+    </dgm:pt>
+    <dgm:pt modelId="{82E4C3C3-3D38-DF42-85A1-32D621B58B58}" type="pres">
+      <dgm:prSet presAssocID="{7074001B-0651-544F-BEFC-6AA67C74C27A}" presName="sibTrans" presStyleLbl="sibTrans1D1" presStyleIdx="2" presStyleCnt="4"/>
+      <dgm:spPr/>
+    </dgm:pt>
+    <dgm:pt modelId="{ABC7B8D8-D486-3346-B53F-E4BC25BD00F1}" type="pres">
+      <dgm:prSet presAssocID="{7074001B-0651-544F-BEFC-6AA67C74C27A}" presName="connectorText" presStyleLbl="sibTrans1D1" presStyleIdx="2" presStyleCnt="4"/>
+      <dgm:spPr/>
+    </dgm:pt>
+    <dgm:pt modelId="{2B4B8C54-180B-5843-9413-1476117EC3AB}" type="pres">
+      <dgm:prSet presAssocID="{32544A79-82E8-CC4F-AE7F-63450302DCF1}" presName="node" presStyleLbl="node1" presStyleIdx="3" presStyleCnt="5">
+        <dgm:presLayoutVars>
+          <dgm:bulletEnabled val="1"/>
+        </dgm:presLayoutVars>
+      </dgm:prSet>
+      <dgm:spPr/>
+    </dgm:pt>
+    <dgm:pt modelId="{29D3301D-2082-AE4D-88FD-F67C6BCCBA65}" type="pres">
+      <dgm:prSet presAssocID="{C8024AC4-8447-3741-96B9-7961BE1718BB}" presName="sibTrans" presStyleLbl="sibTrans1D1" presStyleIdx="3" presStyleCnt="4"/>
+      <dgm:spPr/>
+    </dgm:pt>
+    <dgm:pt modelId="{DF735ED3-A102-524B-9F6A-6065E64A5D3B}" type="pres">
+      <dgm:prSet presAssocID="{C8024AC4-8447-3741-96B9-7961BE1718BB}" presName="connectorText" presStyleLbl="sibTrans1D1" presStyleIdx="3" presStyleCnt="4"/>
+      <dgm:spPr/>
+    </dgm:pt>
+    <dgm:pt modelId="{0174BBD8-7853-7341-803E-EF66126AD601}" type="pres">
+      <dgm:prSet presAssocID="{8E9D4F4A-1ED3-5741-A294-7EE12982F252}" presName="node" presStyleLbl="node1" presStyleIdx="4" presStyleCnt="5">
+        <dgm:presLayoutVars>
+          <dgm:bulletEnabled val="1"/>
+        </dgm:presLayoutVars>
+      </dgm:prSet>
+      <dgm:spPr/>
+    </dgm:pt>
+  </dgm:ptLst>
+  <dgm:cxnLst>
+    <dgm:cxn modelId="{776DFA00-D907-8840-AA41-2203D66543BA}" type="presOf" srcId="{B0DCA3E5-70F5-964A-B3F2-3AE175CE806B}" destId="{43CA368D-1B62-A749-81D2-6B056B248E47}" srcOrd="0" destOrd="0" presId="urn:microsoft.com/office/officeart/2005/8/layout/bProcess3"/>
+    <dgm:cxn modelId="{B992BA0A-E522-1548-8BF7-A752BE276522}" srcId="{DCFD859E-B377-434A-A94D-076BFBA2769F}" destId="{D6F1BB4C-AAAC-6543-9DD3-D15844092795}" srcOrd="0" destOrd="0" parTransId="{D895DF4B-6CBF-B947-AA37-3198D65CFB97}" sibTransId="{3516A11D-0A83-434A-9057-5D319ABE10AC}"/>
+    <dgm:cxn modelId="{8A4C5915-92C7-414B-A473-E9713CD3D070}" type="presOf" srcId="{C8024AC4-8447-3741-96B9-7961BE1718BB}" destId="{DF735ED3-A102-524B-9F6A-6065E64A5D3B}" srcOrd="1" destOrd="0" presId="urn:microsoft.com/office/officeart/2005/8/layout/bProcess3"/>
+    <dgm:cxn modelId="{25335C19-A216-2B4A-84E1-80665FBA98AC}" type="presOf" srcId="{F82B542C-42F9-BB44-AE58-FDB2369C28FC}" destId="{3BD604CD-F8C0-2A4A-B179-4098A702BC82}" srcOrd="0" destOrd="0" presId="urn:microsoft.com/office/officeart/2005/8/layout/bProcess3"/>
+    <dgm:cxn modelId="{652F082D-5F76-5B48-9F79-0027B7A16F34}" type="presOf" srcId="{32544A79-82E8-CC4F-AE7F-63450302DCF1}" destId="{2B4B8C54-180B-5843-9413-1476117EC3AB}" srcOrd="0" destOrd="0" presId="urn:microsoft.com/office/officeart/2005/8/layout/bProcess3"/>
+    <dgm:cxn modelId="{CA634D38-11B0-B843-A2BB-56094A27CA7C}" srcId="{DCFD859E-B377-434A-A94D-076BFBA2769F}" destId="{F14CF929-9168-5242-B9D5-A6EEFB721676}" srcOrd="2" destOrd="0" parTransId="{3E84035D-3822-C24E-AD8B-0E4B1A8A8DB1}" sibTransId="{7074001B-0651-544F-BEFC-6AA67C74C27A}"/>
+    <dgm:cxn modelId="{93328739-B8B4-AB4D-9094-40633C293D32}" type="presOf" srcId="{3516A11D-0A83-434A-9057-5D319ABE10AC}" destId="{B1545034-786C-964D-895E-B1D9CF8AC730}" srcOrd="1" destOrd="0" presId="urn:microsoft.com/office/officeart/2005/8/layout/bProcess3"/>
+    <dgm:cxn modelId="{BED67642-48A1-6641-A97A-DC1BAC7090EB}" type="presOf" srcId="{B0DCA3E5-70F5-964A-B3F2-3AE175CE806B}" destId="{B1AB7748-5400-834E-94F9-03F0E3BD32E9}" srcOrd="1" destOrd="0" presId="urn:microsoft.com/office/officeart/2005/8/layout/bProcess3"/>
+    <dgm:cxn modelId="{B136FD58-1B96-8340-BDD1-C116BA06A3D5}" type="presOf" srcId="{7074001B-0651-544F-BEFC-6AA67C74C27A}" destId="{82E4C3C3-3D38-DF42-85A1-32D621B58B58}" srcOrd="0" destOrd="0" presId="urn:microsoft.com/office/officeart/2005/8/layout/bProcess3"/>
+    <dgm:cxn modelId="{3A033070-9208-4E45-8966-0D233D217BE0}" srcId="{DCFD859E-B377-434A-A94D-076BFBA2769F}" destId="{8E9D4F4A-1ED3-5741-A294-7EE12982F252}" srcOrd="4" destOrd="0" parTransId="{3215A4D9-7E61-F34C-A36D-92FC26BD7D74}" sibTransId="{93716BAF-9C99-5C45-BD53-4993CD080024}"/>
+    <dgm:cxn modelId="{D1626875-38B0-B744-8F6C-009DA027A86F}" type="presOf" srcId="{DCFD859E-B377-434A-A94D-076BFBA2769F}" destId="{E918F8DF-90E5-884F-82C7-5CFB0CBE1E83}" srcOrd="0" destOrd="0" presId="urn:microsoft.com/office/officeart/2005/8/layout/bProcess3"/>
+    <dgm:cxn modelId="{B58A6D8C-43CF-E441-B88B-3E7053ADA089}" type="presOf" srcId="{7074001B-0651-544F-BEFC-6AA67C74C27A}" destId="{ABC7B8D8-D486-3346-B53F-E4BC25BD00F1}" srcOrd="1" destOrd="0" presId="urn:microsoft.com/office/officeart/2005/8/layout/bProcess3"/>
+    <dgm:cxn modelId="{EF624FA0-FD8D-1E40-8985-B71FA7C249F9}" type="presOf" srcId="{8E9D4F4A-1ED3-5741-A294-7EE12982F252}" destId="{0174BBD8-7853-7341-803E-EF66126AD601}" srcOrd="0" destOrd="0" presId="urn:microsoft.com/office/officeart/2005/8/layout/bProcess3"/>
+    <dgm:cxn modelId="{CBD6B2A2-BF70-9143-B11C-C1CD80FDCF1D}" type="presOf" srcId="{F14CF929-9168-5242-B9D5-A6EEFB721676}" destId="{5849679F-3A7F-9841-A8CF-586780AE1B87}" srcOrd="0" destOrd="0" presId="urn:microsoft.com/office/officeart/2005/8/layout/bProcess3"/>
+    <dgm:cxn modelId="{AA6F33B1-7A2D-8146-9D3B-5FA838ACEA88}" srcId="{DCFD859E-B377-434A-A94D-076BFBA2769F}" destId="{F82B542C-42F9-BB44-AE58-FDB2369C28FC}" srcOrd="1" destOrd="0" parTransId="{54CEDB2B-E7BC-8043-B511-D490FF28586A}" sibTransId="{B0DCA3E5-70F5-964A-B3F2-3AE175CE806B}"/>
+    <dgm:cxn modelId="{995F78BE-0F4C-174C-BECF-39233D0D0F03}" type="presOf" srcId="{C8024AC4-8447-3741-96B9-7961BE1718BB}" destId="{29D3301D-2082-AE4D-88FD-F67C6BCCBA65}" srcOrd="0" destOrd="0" presId="urn:microsoft.com/office/officeart/2005/8/layout/bProcess3"/>
+    <dgm:cxn modelId="{B62DA5D9-7EB5-2348-B3B2-CB7E20F97CD4}" type="presOf" srcId="{D6F1BB4C-AAAC-6543-9DD3-D15844092795}" destId="{88E1B3C3-44B5-AC4D-B26A-88F8CE9F8096}" srcOrd="0" destOrd="0" presId="urn:microsoft.com/office/officeart/2005/8/layout/bProcess3"/>
+    <dgm:cxn modelId="{691639E7-9A55-094D-ACF6-7E6A4CDC5EC3}" srcId="{DCFD859E-B377-434A-A94D-076BFBA2769F}" destId="{32544A79-82E8-CC4F-AE7F-63450302DCF1}" srcOrd="3" destOrd="0" parTransId="{0CC1956B-AAF1-BB44-92AC-4E6E1B14E9C2}" sibTransId="{C8024AC4-8447-3741-96B9-7961BE1718BB}"/>
+    <dgm:cxn modelId="{F67BF0F1-6BC4-014D-A241-62635AA46212}" type="presOf" srcId="{3516A11D-0A83-434A-9057-5D319ABE10AC}" destId="{AFA311FB-FC4B-E341-87C4-A08510047537}" srcOrd="0" destOrd="0" presId="urn:microsoft.com/office/officeart/2005/8/layout/bProcess3"/>
+    <dgm:cxn modelId="{84D036E3-50DA-044E-A32F-55B4409EB827}" type="presParOf" srcId="{E918F8DF-90E5-884F-82C7-5CFB0CBE1E83}" destId="{88E1B3C3-44B5-AC4D-B26A-88F8CE9F8096}" srcOrd="0" destOrd="0" presId="urn:microsoft.com/office/officeart/2005/8/layout/bProcess3"/>
+    <dgm:cxn modelId="{107E17C6-5BA1-2B43-AF77-E57D7B2538B5}" type="presParOf" srcId="{E918F8DF-90E5-884F-82C7-5CFB0CBE1E83}" destId="{AFA311FB-FC4B-E341-87C4-A08510047537}" srcOrd="1" destOrd="0" presId="urn:microsoft.com/office/officeart/2005/8/layout/bProcess3"/>
+    <dgm:cxn modelId="{320C5B4F-2F9A-EA43-97CA-9A89B148F124}" type="presParOf" srcId="{AFA311FB-FC4B-E341-87C4-A08510047537}" destId="{B1545034-786C-964D-895E-B1D9CF8AC730}" srcOrd="0" destOrd="0" presId="urn:microsoft.com/office/officeart/2005/8/layout/bProcess3"/>
+    <dgm:cxn modelId="{AE9492E7-08D4-834E-8F43-B8C407800E4D}" type="presParOf" srcId="{E918F8DF-90E5-884F-82C7-5CFB0CBE1E83}" destId="{3BD604CD-F8C0-2A4A-B179-4098A702BC82}" srcOrd="2" destOrd="0" presId="urn:microsoft.com/office/officeart/2005/8/layout/bProcess3"/>
+    <dgm:cxn modelId="{BEDC0A2D-0162-854F-93EE-6F243145434D}" type="presParOf" srcId="{E918F8DF-90E5-884F-82C7-5CFB0CBE1E83}" destId="{43CA368D-1B62-A749-81D2-6B056B248E47}" srcOrd="3" destOrd="0" presId="urn:microsoft.com/office/officeart/2005/8/layout/bProcess3"/>
+    <dgm:cxn modelId="{41C5AC2A-80BD-AA4B-9A69-65893D9CCD9F}" type="presParOf" srcId="{43CA368D-1B62-A749-81D2-6B056B248E47}" destId="{B1AB7748-5400-834E-94F9-03F0E3BD32E9}" srcOrd="0" destOrd="0" presId="urn:microsoft.com/office/officeart/2005/8/layout/bProcess3"/>
+    <dgm:cxn modelId="{B31D18FD-DDED-2B4B-A512-96DCAEF57F10}" type="presParOf" srcId="{E918F8DF-90E5-884F-82C7-5CFB0CBE1E83}" destId="{5849679F-3A7F-9841-A8CF-586780AE1B87}" srcOrd="4" destOrd="0" presId="urn:microsoft.com/office/officeart/2005/8/layout/bProcess3"/>
+    <dgm:cxn modelId="{C641C382-27F5-6947-AFF8-8A48719117A8}" type="presParOf" srcId="{E918F8DF-90E5-884F-82C7-5CFB0CBE1E83}" destId="{82E4C3C3-3D38-DF42-85A1-32D621B58B58}" srcOrd="5" destOrd="0" presId="urn:microsoft.com/office/officeart/2005/8/layout/bProcess3"/>
+    <dgm:cxn modelId="{C5CA0649-8D05-F946-9B06-D3516A71356A}" type="presParOf" srcId="{82E4C3C3-3D38-DF42-85A1-32D621B58B58}" destId="{ABC7B8D8-D486-3346-B53F-E4BC25BD00F1}" srcOrd="0" destOrd="0" presId="urn:microsoft.com/office/officeart/2005/8/layout/bProcess3"/>
+    <dgm:cxn modelId="{AE251DE2-FF6B-FC41-8F33-213EB8DFC486}" type="presParOf" srcId="{E918F8DF-90E5-884F-82C7-5CFB0CBE1E83}" destId="{2B4B8C54-180B-5843-9413-1476117EC3AB}" srcOrd="6" destOrd="0" presId="urn:microsoft.com/office/officeart/2005/8/layout/bProcess3"/>
+    <dgm:cxn modelId="{FE04448D-4AC6-FF43-8445-492B6296DB0B}" type="presParOf" srcId="{E918F8DF-90E5-884F-82C7-5CFB0CBE1E83}" destId="{29D3301D-2082-AE4D-88FD-F67C6BCCBA65}" srcOrd="7" destOrd="0" presId="urn:microsoft.com/office/officeart/2005/8/layout/bProcess3"/>
+    <dgm:cxn modelId="{A1C98BFB-CC97-9E4F-981F-14943C6A914B}" type="presParOf" srcId="{29D3301D-2082-AE4D-88FD-F67C6BCCBA65}" destId="{DF735ED3-A102-524B-9F6A-6065E64A5D3B}" srcOrd="0" destOrd="0" presId="urn:microsoft.com/office/officeart/2005/8/layout/bProcess3"/>
+    <dgm:cxn modelId="{462DC11A-9A4E-1E47-ABCD-BE5F35E0F180}" type="presParOf" srcId="{E918F8DF-90E5-884F-82C7-5CFB0CBE1E83}" destId="{0174BBD8-7853-7341-803E-EF66126AD601}" srcOrd="8" destOrd="0" presId="urn:microsoft.com/office/officeart/2005/8/layout/bProcess3"/>
+  </dgm:cxnLst>
+  <dgm:bg/>
+  <dgm:whole/>
+  <dgm:extLst>
+    <a:ext uri="http://schemas.microsoft.com/office/drawing/2008/diagram">
+      <dsp:dataModelExt xmlns:dsp="http://schemas.microsoft.com/office/drawing/2008/diagram" relId="rId6" minVer="http://schemas.openxmlformats.org/drawingml/2006/diagram"/>
+    </a:ext>
+  </dgm:extLst>
+</dgm:dataModel>
+</file>
+
+<file path=ppt/diagrams/drawing1.xml><?xml version="1.0" encoding="utf-8"?>
+<dsp:drawing xmlns:dgm="http://schemas.openxmlformats.org/drawingml/2006/diagram" xmlns:dsp="http://schemas.microsoft.com/office/drawing/2008/diagram" xmlns:a="http://schemas.openxmlformats.org/drawingml/2006/main">
+  <dsp:spTree>
+    <dsp:nvGrpSpPr>
+      <dsp:cNvPr id="0" name=""/>
+      <dsp:cNvGrpSpPr/>
+    </dsp:nvGrpSpPr>
+    <dsp:grpSpPr/>
+    <dsp:sp modelId="{AFA311FB-FC4B-E341-87C4-A08510047537}">
+      <dsp:nvSpPr>
+        <dsp:cNvPr id="0" name=""/>
+        <dsp:cNvSpPr/>
+      </dsp:nvSpPr>
+      <dsp:spPr>
+        <a:xfrm>
+          <a:off x="2485463" y="865518"/>
+          <a:ext cx="539955" cy="91440"/>
+        </a:xfrm>
+        <a:custGeom>
+          <a:avLst/>
+          <a:gdLst/>
+          <a:ahLst/>
+          <a:cxnLst/>
+          <a:rect l="0" t="0" r="0" b="0"/>
+          <a:pathLst>
+            <a:path>
+              <a:moveTo>
+                <a:pt x="0" y="45720"/>
+              </a:moveTo>
+              <a:lnTo>
+                <a:pt x="539955" y="45720"/>
+              </a:lnTo>
+            </a:path>
+          </a:pathLst>
+        </a:custGeom>
+        <a:noFill/>
+        <a:ln w="12700" cap="rnd" cmpd="sng" algn="ctr">
+          <a:solidFill>
+            <a:schemeClr val="accent1">
+              <a:hueOff val="0"/>
+              <a:satOff val="0"/>
+              <a:lumOff val="0"/>
+              <a:alphaOff val="0"/>
+            </a:schemeClr>
+          </a:solidFill>
+          <a:prstDash val="solid"/>
+          <a:tailEnd type="arrow"/>
+        </a:ln>
+        <a:effectLst/>
+      </dsp:spPr>
+      <dsp:style>
+        <a:lnRef idx="1">
+          <a:scrgbClr r="0" g="0" b="0"/>
+        </a:lnRef>
+        <a:fillRef idx="0">
+          <a:scrgbClr r="0" g="0" b="0"/>
+        </a:fillRef>
+        <a:effectRef idx="0">
+          <a:scrgbClr r="0" g="0" b="0"/>
+        </a:effectRef>
+        <a:fontRef idx="minor"/>
+      </dsp:style>
+      <dsp:txBody>
+        <a:bodyPr spcFirstLastPara="0" vert="horz" wrap="square" lIns="12700" tIns="0" rIns="12700" bIns="0" numCol="1" spcCol="1270" anchor="ctr" anchorCtr="0">
+          <a:noAutofit/>
+        </a:bodyPr>
+        <a:lstStyle/>
+        <a:p>
+          <a:pPr marL="0" lvl="0" indent="0" algn="ctr" defTabSz="222250">
+            <a:lnSpc>
+              <a:spcPct val="90000"/>
+            </a:lnSpc>
+            <a:spcBef>
+              <a:spcPct val="0"/>
+            </a:spcBef>
+            <a:spcAft>
+              <a:spcPct val="35000"/>
+            </a:spcAft>
+            <a:buNone/>
+          </a:pPr>
+          <a:endParaRPr lang="en-US" sz="500" kern="1200"/>
+        </a:p>
+      </dsp:txBody>
+      <dsp:txXfrm>
+        <a:off x="2741177" y="908386"/>
+        <a:ext cx="28527" cy="5705"/>
+      </dsp:txXfrm>
+    </dsp:sp>
+    <dsp:sp modelId="{88E1B3C3-44B5-AC4D-B26A-88F8CE9F8096}">
+      <dsp:nvSpPr>
+        <dsp:cNvPr id="0" name=""/>
+        <dsp:cNvSpPr/>
+      </dsp:nvSpPr>
+      <dsp:spPr>
+        <a:xfrm>
+          <a:off x="6589" y="167036"/>
+          <a:ext cx="2480674" cy="1488404"/>
+        </a:xfrm>
+        <a:prstGeom prst="rect">
+          <a:avLst/>
+        </a:prstGeom>
+        <a:solidFill>
+          <a:schemeClr val="accent1">
+            <a:hueOff val="0"/>
+            <a:satOff val="0"/>
+            <a:lumOff val="0"/>
+            <a:alphaOff val="0"/>
+          </a:schemeClr>
+        </a:solidFill>
+        <a:ln w="19050" cap="rnd" cmpd="sng" algn="ctr">
+          <a:solidFill>
+            <a:schemeClr val="lt1">
+              <a:hueOff val="0"/>
+              <a:satOff val="0"/>
+              <a:lumOff val="0"/>
+              <a:alphaOff val="0"/>
+            </a:schemeClr>
+          </a:solidFill>
+          <a:prstDash val="solid"/>
+        </a:ln>
+        <a:effectLst/>
+      </dsp:spPr>
+      <dsp:style>
+        <a:lnRef idx="2">
+          <a:scrgbClr r="0" g="0" b="0"/>
+        </a:lnRef>
+        <a:fillRef idx="1">
+          <a:scrgbClr r="0" g="0" b="0"/>
+        </a:fillRef>
+        <a:effectRef idx="0">
+          <a:scrgbClr r="0" g="0" b="0"/>
+        </a:effectRef>
+        <a:fontRef idx="minor">
+          <a:schemeClr val="lt1"/>
+        </a:fontRef>
+      </dsp:style>
+      <dsp:txBody>
+        <a:bodyPr spcFirstLastPara="0" vert="horz" wrap="square" lIns="142240" tIns="142240" rIns="142240" bIns="142240" numCol="1" spcCol="1270" anchor="ctr" anchorCtr="0">
+          <a:noAutofit/>
+        </a:bodyPr>
+        <a:lstStyle/>
+        <a:p>
+          <a:pPr marL="0" lvl="0" indent="0" algn="ctr" defTabSz="889000">
+            <a:lnSpc>
+              <a:spcPct val="90000"/>
+            </a:lnSpc>
+            <a:spcBef>
+              <a:spcPct val="0"/>
+            </a:spcBef>
+            <a:spcAft>
+              <a:spcPct val="35000"/>
+            </a:spcAft>
+            <a:buNone/>
+          </a:pPr>
+          <a:r>
+            <a:rPr lang="en-US" sz="2000" kern="1200" dirty="0"/>
+            <a:t>Load data in Amazon S3 Bucket (using either </a:t>
+          </a:r>
+          <a:r>
+            <a:rPr lang="en-US" sz="2000" kern="1200" dirty="0" err="1"/>
+            <a:t>flatfile</a:t>
+          </a:r>
+          <a:r>
+            <a:rPr lang="en-US" sz="2000" kern="1200" dirty="0"/>
+            <a:t> or API call)</a:t>
+          </a:r>
+        </a:p>
+      </dsp:txBody>
+      <dsp:txXfrm>
+        <a:off x="6589" y="167036"/>
+        <a:ext cx="2480674" cy="1488404"/>
+      </dsp:txXfrm>
+    </dsp:sp>
+    <dsp:sp modelId="{43CA368D-1B62-A749-81D2-6B056B248E47}">
+      <dsp:nvSpPr>
+        <dsp:cNvPr id="0" name=""/>
+        <dsp:cNvSpPr/>
+      </dsp:nvSpPr>
+      <dsp:spPr>
+        <a:xfrm>
+          <a:off x="5536693" y="865518"/>
+          <a:ext cx="539955" cy="91440"/>
+        </a:xfrm>
+        <a:custGeom>
+          <a:avLst/>
+          <a:gdLst/>
+          <a:ahLst/>
+          <a:cxnLst/>
+          <a:rect l="0" t="0" r="0" b="0"/>
+          <a:pathLst>
+            <a:path>
+              <a:moveTo>
+                <a:pt x="0" y="45720"/>
+              </a:moveTo>
+              <a:lnTo>
+                <a:pt x="539955" y="45720"/>
+              </a:lnTo>
+            </a:path>
+          </a:pathLst>
+        </a:custGeom>
+        <a:noFill/>
+        <a:ln w="12700" cap="rnd" cmpd="sng" algn="ctr">
+          <a:solidFill>
+            <a:schemeClr val="accent1">
+              <a:hueOff val="0"/>
+              <a:satOff val="0"/>
+              <a:lumOff val="0"/>
+              <a:alphaOff val="0"/>
+            </a:schemeClr>
+          </a:solidFill>
+          <a:prstDash val="solid"/>
+          <a:tailEnd type="arrow"/>
+        </a:ln>
+        <a:effectLst/>
+      </dsp:spPr>
+      <dsp:style>
+        <a:lnRef idx="1">
+          <a:scrgbClr r="0" g="0" b="0"/>
+        </a:lnRef>
+        <a:fillRef idx="0">
+          <a:scrgbClr r="0" g="0" b="0"/>
+        </a:fillRef>
+        <a:effectRef idx="0">
+          <a:scrgbClr r="0" g="0" b="0"/>
+        </a:effectRef>
+        <a:fontRef idx="minor"/>
+      </dsp:style>
+      <dsp:txBody>
+        <a:bodyPr spcFirstLastPara="0" vert="horz" wrap="square" lIns="12700" tIns="0" rIns="12700" bIns="0" numCol="1" spcCol="1270" anchor="ctr" anchorCtr="0">
+          <a:noAutofit/>
+        </a:bodyPr>
+        <a:lstStyle/>
+        <a:p>
+          <a:pPr marL="0" lvl="0" indent="0" algn="ctr" defTabSz="222250">
+            <a:lnSpc>
+              <a:spcPct val="90000"/>
+            </a:lnSpc>
+            <a:spcBef>
+              <a:spcPct val="0"/>
+            </a:spcBef>
+            <a:spcAft>
+              <a:spcPct val="35000"/>
+            </a:spcAft>
+            <a:buNone/>
+          </a:pPr>
+          <a:endParaRPr lang="en-US" sz="500" kern="1200"/>
+        </a:p>
+      </dsp:txBody>
+      <dsp:txXfrm>
+        <a:off x="5792406" y="908386"/>
+        <a:ext cx="28527" cy="5705"/>
+      </dsp:txXfrm>
+    </dsp:sp>
+    <dsp:sp modelId="{3BD604CD-F8C0-2A4A-B179-4098A702BC82}">
+      <dsp:nvSpPr>
+        <dsp:cNvPr id="0" name=""/>
+        <dsp:cNvSpPr/>
+      </dsp:nvSpPr>
+      <dsp:spPr>
+        <a:xfrm>
+          <a:off x="3057818" y="167036"/>
+          <a:ext cx="2480674" cy="1488404"/>
+        </a:xfrm>
+        <a:prstGeom prst="rect">
+          <a:avLst/>
+        </a:prstGeom>
+        <a:solidFill>
+          <a:schemeClr val="accent1">
+            <a:hueOff val="0"/>
+            <a:satOff val="0"/>
+            <a:lumOff val="0"/>
+            <a:alphaOff val="0"/>
+          </a:schemeClr>
+        </a:solidFill>
+        <a:ln w="19050" cap="rnd" cmpd="sng" algn="ctr">
+          <a:solidFill>
+            <a:schemeClr val="lt1">
+              <a:hueOff val="0"/>
+              <a:satOff val="0"/>
+              <a:lumOff val="0"/>
+              <a:alphaOff val="0"/>
+            </a:schemeClr>
+          </a:solidFill>
+          <a:prstDash val="solid"/>
+        </a:ln>
+        <a:effectLst/>
+      </dsp:spPr>
+      <dsp:style>
+        <a:lnRef idx="2">
+          <a:scrgbClr r="0" g="0" b="0"/>
+        </a:lnRef>
+        <a:fillRef idx="1">
+          <a:scrgbClr r="0" g="0" b="0"/>
+        </a:fillRef>
+        <a:effectRef idx="0">
+          <a:scrgbClr r="0" g="0" b="0"/>
+        </a:effectRef>
+        <a:fontRef idx="minor">
+          <a:schemeClr val="lt1"/>
+        </a:fontRef>
+      </dsp:style>
+      <dsp:txBody>
+        <a:bodyPr spcFirstLastPara="0" vert="horz" wrap="square" lIns="142240" tIns="142240" rIns="142240" bIns="142240" numCol="1" spcCol="1270" anchor="ctr" anchorCtr="0">
+          <a:noAutofit/>
+        </a:bodyPr>
+        <a:lstStyle/>
+        <a:p>
+          <a:pPr marL="0" lvl="0" indent="0" algn="ctr" defTabSz="889000">
+            <a:lnSpc>
+              <a:spcPct val="90000"/>
+            </a:lnSpc>
+            <a:spcBef>
+              <a:spcPct val="0"/>
+            </a:spcBef>
+            <a:spcAft>
+              <a:spcPct val="35000"/>
+            </a:spcAft>
+            <a:buNone/>
+          </a:pPr>
+          <a:r>
+            <a:rPr lang="en-US" sz="2000" kern="1200" dirty="0"/>
+            <a:t>Parse and aggregate data using Amazon Athena/DynamoDB</a:t>
+          </a:r>
+        </a:p>
+      </dsp:txBody>
+      <dsp:txXfrm>
+        <a:off x="3057818" y="167036"/>
+        <a:ext cx="2480674" cy="1488404"/>
+      </dsp:txXfrm>
+    </dsp:sp>
+    <dsp:sp modelId="{82E4C3C3-3D38-DF42-85A1-32D621B58B58}">
+      <dsp:nvSpPr>
+        <dsp:cNvPr id="0" name=""/>
+        <dsp:cNvSpPr/>
+      </dsp:nvSpPr>
+      <dsp:spPr>
+        <a:xfrm>
+          <a:off x="1246926" y="1653640"/>
+          <a:ext cx="6102458" cy="539955"/>
+        </a:xfrm>
+        <a:custGeom>
+          <a:avLst/>
+          <a:gdLst/>
+          <a:ahLst/>
+          <a:cxnLst/>
+          <a:rect l="0" t="0" r="0" b="0"/>
+          <a:pathLst>
+            <a:path>
+              <a:moveTo>
+                <a:pt x="6102458" y="0"/>
+              </a:moveTo>
+              <a:lnTo>
+                <a:pt x="6102458" y="287077"/>
+              </a:lnTo>
+              <a:lnTo>
+                <a:pt x="0" y="287077"/>
+              </a:lnTo>
+              <a:lnTo>
+                <a:pt x="0" y="539955"/>
+              </a:lnTo>
+            </a:path>
+          </a:pathLst>
+        </a:custGeom>
+        <a:noFill/>
+        <a:ln w="12700" cap="rnd" cmpd="sng" algn="ctr">
+          <a:solidFill>
+            <a:schemeClr val="accent1">
+              <a:hueOff val="0"/>
+              <a:satOff val="0"/>
+              <a:lumOff val="0"/>
+              <a:alphaOff val="0"/>
+            </a:schemeClr>
+          </a:solidFill>
+          <a:prstDash val="solid"/>
+          <a:tailEnd type="arrow"/>
+        </a:ln>
+        <a:effectLst/>
+      </dsp:spPr>
+      <dsp:style>
+        <a:lnRef idx="1">
+          <a:scrgbClr r="0" g="0" b="0"/>
+        </a:lnRef>
+        <a:fillRef idx="0">
+          <a:scrgbClr r="0" g="0" b="0"/>
+        </a:fillRef>
+        <a:effectRef idx="0">
+          <a:scrgbClr r="0" g="0" b="0"/>
+        </a:effectRef>
+        <a:fontRef idx="minor"/>
+      </dsp:style>
+      <dsp:txBody>
+        <a:bodyPr spcFirstLastPara="0" vert="horz" wrap="square" lIns="12700" tIns="0" rIns="12700" bIns="0" numCol="1" spcCol="1270" anchor="ctr" anchorCtr="0">
+          <a:noAutofit/>
+        </a:bodyPr>
+        <a:lstStyle/>
+        <a:p>
+          <a:pPr marL="0" lvl="0" indent="0" algn="ctr" defTabSz="222250">
+            <a:lnSpc>
+              <a:spcPct val="90000"/>
+            </a:lnSpc>
+            <a:spcBef>
+              <a:spcPct val="0"/>
+            </a:spcBef>
+            <a:spcAft>
+              <a:spcPct val="35000"/>
+            </a:spcAft>
+            <a:buNone/>
+          </a:pPr>
+          <a:endParaRPr lang="en-US" sz="500" kern="1200"/>
+        </a:p>
+      </dsp:txBody>
+      <dsp:txXfrm>
+        <a:off x="4144929" y="1920765"/>
+        <a:ext cx="306453" cy="5705"/>
+      </dsp:txXfrm>
+    </dsp:sp>
+    <dsp:sp modelId="{5849679F-3A7F-9841-A8CF-586780AE1B87}">
+      <dsp:nvSpPr>
+        <dsp:cNvPr id="0" name=""/>
+        <dsp:cNvSpPr/>
+      </dsp:nvSpPr>
+      <dsp:spPr>
+        <a:xfrm>
+          <a:off x="6109048" y="167036"/>
+          <a:ext cx="2480674" cy="1488404"/>
+        </a:xfrm>
+        <a:prstGeom prst="rect">
+          <a:avLst/>
+        </a:prstGeom>
+        <a:solidFill>
+          <a:schemeClr val="accent1">
+            <a:hueOff val="0"/>
+            <a:satOff val="0"/>
+            <a:lumOff val="0"/>
+            <a:alphaOff val="0"/>
+          </a:schemeClr>
+        </a:solidFill>
+        <a:ln w="19050" cap="rnd" cmpd="sng" algn="ctr">
+          <a:solidFill>
+            <a:schemeClr val="lt1">
+              <a:hueOff val="0"/>
+              <a:satOff val="0"/>
+              <a:lumOff val="0"/>
+              <a:alphaOff val="0"/>
+            </a:schemeClr>
+          </a:solidFill>
+          <a:prstDash val="solid"/>
+        </a:ln>
+        <a:effectLst/>
+      </dsp:spPr>
+      <dsp:style>
+        <a:lnRef idx="2">
+          <a:scrgbClr r="0" g="0" b="0"/>
+        </a:lnRef>
+        <a:fillRef idx="1">
+          <a:scrgbClr r="0" g="0" b="0"/>
+        </a:fillRef>
+        <a:effectRef idx="0">
+          <a:scrgbClr r="0" g="0" b="0"/>
+        </a:effectRef>
+        <a:fontRef idx="minor">
+          <a:schemeClr val="lt1"/>
+        </a:fontRef>
+      </dsp:style>
+      <dsp:txBody>
+        <a:bodyPr spcFirstLastPara="0" vert="horz" wrap="square" lIns="142240" tIns="142240" rIns="142240" bIns="142240" numCol="1" spcCol="1270" anchor="ctr" anchorCtr="0">
+          <a:noAutofit/>
+        </a:bodyPr>
+        <a:lstStyle/>
+        <a:p>
+          <a:pPr marL="0" lvl="0" indent="0" algn="ctr" defTabSz="889000">
+            <a:lnSpc>
+              <a:spcPct val="90000"/>
+            </a:lnSpc>
+            <a:spcBef>
+              <a:spcPct val="0"/>
+            </a:spcBef>
+            <a:spcAft>
+              <a:spcPct val="35000"/>
+            </a:spcAft>
+            <a:buNone/>
+          </a:pPr>
+          <a:r>
+            <a:rPr lang="en-US" sz="2000" kern="1200" dirty="0"/>
+            <a:t>Develop Spatial Analyses using Amazon EC2 Instance</a:t>
+          </a:r>
+        </a:p>
+      </dsp:txBody>
+      <dsp:txXfrm>
+        <a:off x="6109048" y="167036"/>
+        <a:ext cx="2480674" cy="1488404"/>
+      </dsp:txXfrm>
+    </dsp:sp>
+    <dsp:sp modelId="{29D3301D-2082-AE4D-88FD-F67C6BCCBA65}">
+      <dsp:nvSpPr>
+        <dsp:cNvPr id="0" name=""/>
+        <dsp:cNvSpPr/>
+      </dsp:nvSpPr>
+      <dsp:spPr>
+        <a:xfrm>
+          <a:off x="2485463" y="2924478"/>
+          <a:ext cx="539955" cy="91440"/>
+        </a:xfrm>
+        <a:custGeom>
+          <a:avLst/>
+          <a:gdLst/>
+          <a:ahLst/>
+          <a:cxnLst/>
+          <a:rect l="0" t="0" r="0" b="0"/>
+          <a:pathLst>
+            <a:path>
+              <a:moveTo>
+                <a:pt x="0" y="45720"/>
+              </a:moveTo>
+              <a:lnTo>
+                <a:pt x="539955" y="45720"/>
+              </a:lnTo>
+            </a:path>
+          </a:pathLst>
+        </a:custGeom>
+        <a:noFill/>
+        <a:ln w="12700" cap="rnd" cmpd="sng" algn="ctr">
+          <a:solidFill>
+            <a:schemeClr val="accent1">
+              <a:hueOff val="0"/>
+              <a:satOff val="0"/>
+              <a:lumOff val="0"/>
+              <a:alphaOff val="0"/>
+            </a:schemeClr>
+          </a:solidFill>
+          <a:prstDash val="solid"/>
+          <a:tailEnd type="arrow"/>
+        </a:ln>
+        <a:effectLst/>
+      </dsp:spPr>
+      <dsp:style>
+        <a:lnRef idx="1">
+          <a:scrgbClr r="0" g="0" b="0"/>
+        </a:lnRef>
+        <a:fillRef idx="0">
+          <a:scrgbClr r="0" g="0" b="0"/>
+        </a:fillRef>
+        <a:effectRef idx="0">
+          <a:scrgbClr r="0" g="0" b="0"/>
+        </a:effectRef>
+        <a:fontRef idx="minor"/>
+      </dsp:style>
+      <dsp:txBody>
+        <a:bodyPr spcFirstLastPara="0" vert="horz" wrap="square" lIns="12700" tIns="0" rIns="12700" bIns="0" numCol="1" spcCol="1270" anchor="ctr" anchorCtr="0">
+          <a:noAutofit/>
+        </a:bodyPr>
+        <a:lstStyle/>
+        <a:p>
+          <a:pPr marL="0" lvl="0" indent="0" algn="ctr" defTabSz="222250">
+            <a:lnSpc>
+              <a:spcPct val="90000"/>
+            </a:lnSpc>
+            <a:spcBef>
+              <a:spcPct val="0"/>
+            </a:spcBef>
+            <a:spcAft>
+              <a:spcPct val="35000"/>
+            </a:spcAft>
+            <a:buNone/>
+          </a:pPr>
+          <a:endParaRPr lang="en-US" sz="500" kern="1200"/>
+        </a:p>
+      </dsp:txBody>
+      <dsp:txXfrm>
+        <a:off x="2741177" y="2967345"/>
+        <a:ext cx="28527" cy="5705"/>
+      </dsp:txXfrm>
+    </dsp:sp>
+    <dsp:sp modelId="{2B4B8C54-180B-5843-9413-1476117EC3AB}">
+      <dsp:nvSpPr>
+        <dsp:cNvPr id="0" name=""/>
+        <dsp:cNvSpPr/>
+      </dsp:nvSpPr>
+      <dsp:spPr>
+        <a:xfrm>
+          <a:off x="6589" y="2225996"/>
+          <a:ext cx="2480674" cy="1488404"/>
+        </a:xfrm>
+        <a:prstGeom prst="rect">
+          <a:avLst/>
+        </a:prstGeom>
+        <a:solidFill>
+          <a:schemeClr val="accent1">
+            <a:hueOff val="0"/>
+            <a:satOff val="0"/>
+            <a:lumOff val="0"/>
+            <a:alphaOff val="0"/>
+          </a:schemeClr>
+        </a:solidFill>
+        <a:ln w="19050" cap="rnd" cmpd="sng" algn="ctr">
+          <a:solidFill>
+            <a:schemeClr val="lt1">
+              <a:hueOff val="0"/>
+              <a:satOff val="0"/>
+              <a:lumOff val="0"/>
+              <a:alphaOff val="0"/>
+            </a:schemeClr>
+          </a:solidFill>
+          <a:prstDash val="solid"/>
+        </a:ln>
+        <a:effectLst/>
+      </dsp:spPr>
+      <dsp:style>
+        <a:lnRef idx="2">
+          <a:scrgbClr r="0" g="0" b="0"/>
+        </a:lnRef>
+        <a:fillRef idx="1">
+          <a:scrgbClr r="0" g="0" b="0"/>
+        </a:fillRef>
+        <a:effectRef idx="0">
+          <a:scrgbClr r="0" g="0" b="0"/>
+        </a:effectRef>
+        <a:fontRef idx="minor">
+          <a:schemeClr val="lt1"/>
+        </a:fontRef>
+      </dsp:style>
+      <dsp:txBody>
+        <a:bodyPr spcFirstLastPara="0" vert="horz" wrap="square" lIns="142240" tIns="142240" rIns="142240" bIns="142240" numCol="1" spcCol="1270" anchor="ctr" anchorCtr="0">
+          <a:noAutofit/>
+        </a:bodyPr>
+        <a:lstStyle/>
+        <a:p>
+          <a:pPr marL="0" lvl="0" indent="0" algn="ctr" defTabSz="889000">
+            <a:lnSpc>
+              <a:spcPct val="90000"/>
+            </a:lnSpc>
+            <a:spcBef>
+              <a:spcPct val="0"/>
+            </a:spcBef>
+            <a:spcAft>
+              <a:spcPct val="35000"/>
+            </a:spcAft>
+            <a:buNone/>
+          </a:pPr>
+          <a:r>
+            <a:rPr lang="en-US" sz="2000" kern="1200" dirty="0"/>
+            <a:t>Design SPA in another EC2 Bucket</a:t>
+          </a:r>
+        </a:p>
+      </dsp:txBody>
+      <dsp:txXfrm>
+        <a:off x="6589" y="2225996"/>
+        <a:ext cx="2480674" cy="1488404"/>
+      </dsp:txXfrm>
+    </dsp:sp>
+    <dsp:sp modelId="{0174BBD8-7853-7341-803E-EF66126AD601}">
+      <dsp:nvSpPr>
+        <dsp:cNvPr id="0" name=""/>
+        <dsp:cNvSpPr/>
+      </dsp:nvSpPr>
+      <dsp:spPr>
+        <a:xfrm>
+          <a:off x="3057818" y="2225996"/>
+          <a:ext cx="2480674" cy="1488404"/>
+        </a:xfrm>
+        <a:prstGeom prst="rect">
+          <a:avLst/>
+        </a:prstGeom>
+        <a:solidFill>
+          <a:schemeClr val="accent1">
+            <a:hueOff val="0"/>
+            <a:satOff val="0"/>
+            <a:lumOff val="0"/>
+            <a:alphaOff val="0"/>
+          </a:schemeClr>
+        </a:solidFill>
+        <a:ln w="19050" cap="rnd" cmpd="sng" algn="ctr">
+          <a:solidFill>
+            <a:schemeClr val="lt1">
+              <a:hueOff val="0"/>
+              <a:satOff val="0"/>
+              <a:lumOff val="0"/>
+              <a:alphaOff val="0"/>
+            </a:schemeClr>
+          </a:solidFill>
+          <a:prstDash val="solid"/>
+        </a:ln>
+        <a:effectLst/>
+      </dsp:spPr>
+      <dsp:style>
+        <a:lnRef idx="2">
+          <a:scrgbClr r="0" g="0" b="0"/>
+        </a:lnRef>
+        <a:fillRef idx="1">
+          <a:scrgbClr r="0" g="0" b="0"/>
+        </a:fillRef>
+        <a:effectRef idx="0">
+          <a:scrgbClr r="0" g="0" b="0"/>
+        </a:effectRef>
+        <a:fontRef idx="minor">
+          <a:schemeClr val="lt1"/>
+        </a:fontRef>
+      </dsp:style>
+      <dsp:txBody>
+        <a:bodyPr spcFirstLastPara="0" vert="horz" wrap="square" lIns="142240" tIns="142240" rIns="142240" bIns="142240" numCol="1" spcCol="1270" anchor="ctr" anchorCtr="0">
+          <a:noAutofit/>
+        </a:bodyPr>
+        <a:lstStyle/>
+        <a:p>
+          <a:pPr marL="0" lvl="0" indent="0" algn="ctr" defTabSz="889000">
+            <a:lnSpc>
+              <a:spcPct val="90000"/>
+            </a:lnSpc>
+            <a:spcBef>
+              <a:spcPct val="0"/>
+            </a:spcBef>
+            <a:spcAft>
+              <a:spcPct val="35000"/>
+            </a:spcAft>
+            <a:buNone/>
+          </a:pPr>
+          <a:r>
+            <a:rPr lang="en-US" sz="2000" kern="1200" dirty="0"/>
+            <a:t>Publish SPA</a:t>
+          </a:r>
+        </a:p>
+      </dsp:txBody>
+      <dsp:txXfrm>
+        <a:off x="3057818" y="2225996"/>
+        <a:ext cx="2480674" cy="1488404"/>
+      </dsp:txXfrm>
+    </dsp:sp>
+  </dsp:spTree>
+</dsp:drawing>
+</file>
+
+<file path=ppt/diagrams/layout1.xml><?xml version="1.0" encoding="utf-8"?>
+<dgm:layoutDef xmlns:dgm="http://schemas.openxmlformats.org/drawingml/2006/diagram" xmlns:a="http://schemas.openxmlformats.org/drawingml/2006/main" uniqueId="urn:microsoft.com/office/officeart/2005/8/layout/bProcess3">
+  <dgm:title val=""/>
+  <dgm:desc val=""/>
+  <dgm:catLst>
+    <dgm:cat type="process" pri="18000"/>
+  </dgm:catLst>
+  <dgm:sampData>
+    <dgm:dataModel>
+      <dgm:ptLst>
+        <dgm:pt modelId="0" type="doc"/>
+        <dgm:pt modelId="1">
+          <dgm:prSet phldr="1"/>
+        </dgm:pt>
+        <dgm:pt modelId="2">
+          <dgm:prSet phldr="1"/>
+        </dgm:pt>
+        <dgm:pt modelId="3">
+          <dgm:prSet phldr="1"/>
+        </dgm:pt>
+        <dgm:pt modelId="4">
+          <dgm:prSet phldr="1"/>
+        </dgm:pt>
+        <dgm:pt modelId="5">
+          <dgm:prSet phldr="1"/>
+        </dgm:pt>
+      </dgm:ptLst>
+      <dgm:cxnLst>
+        <dgm:cxn modelId="7" srcId="0" destId="1" srcOrd="0" destOrd="0"/>
+        <dgm:cxn modelId="8" srcId="0" destId="2" srcOrd="1" destOrd="0"/>
+        <dgm:cxn modelId="9" srcId="0" destId="3" srcOrd="2" destOrd="0"/>
+        <dgm:cxn modelId="10" srcId="0" destId="4" srcOrd="3" destOrd="0"/>
+        <dgm:cxn modelId="11" srcId="0" destId="5" srcOrd="4" destOrd="0"/>
+      </dgm:cxnLst>
+      <dgm:bg/>
+      <dgm:whole/>
+    </dgm:dataModel>
+  </dgm:sampData>
+  <dgm:styleData>
+    <dgm:dataModel>
+      <dgm:ptLst>
+        <dgm:pt modelId="0" type="doc"/>
+        <dgm:pt modelId="1"/>
+        <dgm:pt modelId="2"/>
+      </dgm:ptLst>
+      <dgm:cxnLst>
+        <dgm:cxn modelId="3" srcId="0" destId="1" srcOrd="0" destOrd="0"/>
+        <dgm:cxn modelId="4" srcId="0" destId="2" srcOrd="1" destOrd="0"/>
+      </dgm:cxnLst>
+      <dgm:bg/>
+      <dgm:whole/>
+    </dgm:dataModel>
+  </dgm:styleData>
+  <dgm:clrData>
+    <dgm:dataModel>
+      <dgm:ptLst>
+        <dgm:pt modelId="0" type="doc"/>
+        <dgm:pt modelId="1"/>
+        <dgm:pt modelId="2"/>
+        <dgm:pt modelId="3"/>
+        <dgm:pt modelId="4"/>
+      </dgm:ptLst>
+      <dgm:cxnLst>
+        <dgm:cxn modelId="5" srcId="0" destId="1" srcOrd="0" destOrd="0"/>
+        <dgm:cxn modelId="6" srcId="0" destId="2" srcOrd="1" destOrd="0"/>
+        <dgm:cxn modelId="7" srcId="0" destId="3" srcOrd="2" destOrd="0"/>
+        <dgm:cxn modelId="8" srcId="0" destId="4" srcOrd="3" destOrd="0"/>
+      </dgm:cxnLst>
+      <dgm:bg/>
+      <dgm:whole/>
+    </dgm:dataModel>
+  </dgm:clrData>
+  <dgm:layoutNode name="Name0">
+    <dgm:varLst>
+      <dgm:dir/>
+      <dgm:resizeHandles val="exact"/>
+    </dgm:varLst>
+    <dgm:choose name="Name1">
+      <dgm:if name="Name2" axis="self" func="var" arg="dir" op="equ" val="norm">
+        <dgm:alg type="snake">
+          <dgm:param type="grDir" val="tL"/>
+          <dgm:param type="flowDir" val="row"/>
+          <dgm:param type="contDir" val="sameDir"/>
+          <dgm:param type="bkpt" val="endCnv"/>
+        </dgm:alg>
+      </dgm:if>
+      <dgm:else name="Name3">
+        <dgm:alg type="snake">
+          <dgm:param type="grDir" val="tR"/>
+          <dgm:param type="flowDir" val="row"/>
+          <dgm:param type="contDir" val="sameDir"/>
+          <dgm:param type="bkpt" val="endCnv"/>
+        </dgm:alg>
+      </dgm:else>
+    </dgm:choose>
+    <dgm:shape xmlns:r="http://schemas.openxmlformats.org/officeDocument/2006/relationships" r:blip="">
+      <dgm:adjLst/>
+    </dgm:shape>
+    <dgm:presOf/>
+    <dgm:constrLst>
+      <dgm:constr type="w" for="ch" ptType="node" refType="w"/>
+      <dgm:constr type="w" for="ch" forName="sibTrans" refType="w" refFor="ch" refPtType="node" op="equ" fact="0.23"/>
+      <dgm:constr type="sp" refType="w" refFor="ch" refForName="sibTrans" op="equ"/>
+      <dgm:constr type="userB" for="des" forName="connectorText" refType="sp"/>
+      <dgm:constr type="primFontSz" for="ch" ptType="node" op="equ" val="65"/>
+      <dgm:constr type="h" for="ch" ptType="sibTrans" op="equ"/>
+      <dgm:constr type="primFontSz" for="des" forName="connectorText" op="equ" val="55"/>
+      <dgm:constr type="primFontSz" for="des" forName="connectorText" refType="primFontSz" refFor="ch" refPtType="node" op="lte" fact="0.8"/>
+    </dgm:constrLst>
+    <dgm:ruleLst/>
+    <dgm:forEach name="nodesForEach" axis="ch" ptType="node">
+      <dgm:layoutNode name="node">
+        <dgm:varLst>
+          <dgm:bulletEnabled val="1"/>
+        </dgm:varLst>
+        <dgm:alg type="tx"/>
+        <dgm:shape xmlns:r="http://schemas.openxmlformats.org/officeDocument/2006/relationships" type="rect" r:blip="">
+          <dgm:adjLst/>
+        </dgm:shape>
+        <dgm:presOf axis="desOrSelf" ptType="node"/>
+        <dgm:constrLst>
+          <dgm:constr type="h" refType="w" fact="0.6"/>
+        </dgm:constrLst>
+        <dgm:ruleLst>
+          <dgm:rule type="primFontSz" val="5" fact="NaN" max="NaN"/>
+        </dgm:ruleLst>
+      </dgm:layoutNode>
+      <dgm:forEach name="sibTransForEach" axis="followSib" ptType="sibTrans" cnt="1">
+        <dgm:layoutNode name="sibTrans">
+          <dgm:choose name="Name4">
+            <dgm:if name="Name5" axis="self" func="var" arg="dir" op="equ" val="norm">
+              <dgm:alg type="conn">
+                <dgm:param type="connRout" val="bend"/>
+                <dgm:param type="dim" val="1D"/>
+                <dgm:param type="begPts" val="midR bCtr"/>
+                <dgm:param type="endPts" val="midL tCtr"/>
+              </dgm:alg>
+            </dgm:if>
+            <dgm:else name="Name6">
+              <dgm:alg type="conn">
+                <dgm:param type="connRout" val="bend"/>
+                <dgm:param type="dim" val="1D"/>
+                <dgm:param type="begPts" val="midL bCtr"/>
+                <dgm:param type="endPts" val="midR tCtr"/>
+              </dgm:alg>
+            </dgm:else>
+          </dgm:choose>
+          <dgm:shape xmlns:r="http://schemas.openxmlformats.org/officeDocument/2006/relationships" type="conn" r:blip="" zOrderOff="-2">
+            <dgm:adjLst/>
+          </dgm:shape>
+          <dgm:presOf axis="self"/>
+          <dgm:constrLst>
+            <dgm:constr type="begPad" val="-0.05"/>
+            <dgm:constr type="endPad" val="0.9"/>
+            <dgm:constr type="userA" for="ch" refType="connDist"/>
+          </dgm:constrLst>
+          <dgm:ruleLst/>
+          <dgm:layoutNode name="connectorText">
+            <dgm:alg type="tx">
+              <dgm:param type="autoTxRot" val="upr"/>
+            </dgm:alg>
+            <dgm:shape xmlns:r="http://schemas.openxmlformats.org/officeDocument/2006/relationships" type="rect" r:blip="" hideGeom="1">
+              <dgm:adjLst/>
+            </dgm:shape>
+            <dgm:presOf axis="self"/>
+            <dgm:constrLst>
+              <dgm:constr type="userA"/>
+              <dgm:constr type="userB"/>
+              <dgm:constr type="w" refType="userA" fact="0.05"/>
+              <dgm:constr type="h" refType="userB" fact="0.01"/>
+              <dgm:constr type="lMarg" val="1"/>
+              <dgm:constr type="rMarg" val="1"/>
+              <dgm:constr type="tMarg"/>
+              <dgm:constr type="bMarg"/>
+            </dgm:constrLst>
+            <dgm:ruleLst>
+              <dgm:rule type="w" val="NaN" fact="0.6" max="NaN"/>
+              <dgm:rule type="h" val="NaN" fact="0.6" max="NaN"/>
+              <dgm:rule type="primFontSz" val="5" fact="NaN" max="NaN"/>
+            </dgm:ruleLst>
+          </dgm:layoutNode>
+        </dgm:layoutNode>
+      </dgm:forEach>
+    </dgm:forEach>
+  </dgm:layoutNode>
+</dgm:layoutDef>
+</file>
+
+<file path=ppt/diagrams/quickStyle1.xml><?xml version="1.0" encoding="utf-8"?>
+<dgm:styleDef xmlns:dgm="http://schemas.openxmlformats.org/drawingml/2006/diagram" xmlns:a="http://schemas.openxmlformats.org/drawingml/2006/main" uniqueId="urn:microsoft.com/office/officeart/2005/8/quickstyle/simple1">
+  <dgm:title val=""/>
+  <dgm:desc val=""/>
+  <dgm:catLst>
+    <dgm:cat type="simple" pri="10100"/>
+  </dgm:catLst>
+  <dgm:scene3d>
+    <a:camera prst="orthographicFront"/>
+    <a:lightRig rig="threePt" dir="t"/>
+  </dgm:scene3d>
+  <dgm:styleLbl name="node0">
+    <dgm:scene3d>
+      <a:camera prst="orthographicFront"/>
+      <a:lightRig rig="threePt" dir="t"/>
+    </dgm:scene3d>
+    <dgm:sp3d/>
+    <dgm:txPr/>
+    <dgm:style>
+      <a:lnRef idx="2">
+        <a:scrgbClr r="0" g="0" b="0"/>
+      </a:lnRef>
+      <a:fillRef idx="1">
+        <a:scrgbClr r="0" g="0" b="0"/>
+      </a:fillRef>
+      <a:effectRef idx="0">
+        <a:scrgbClr r="0" g="0" b="0"/>
+      </a:effectRef>
+      <a:fontRef idx="minor">
+        <a:schemeClr val="lt1"/>
+      </a:fontRef>
+    </dgm:style>
+  </dgm:styleLbl>
+  <dgm:styleLbl name="lnNode1">
+    <dgm:scene3d>
+      <a:camera prst="orthographicFront"/>
+      <a:lightRig rig="threePt" dir="t"/>
+    </dgm:scene3d>
+    <dgm:sp3d/>
+    <dgm:txPr/>
+    <dgm:style>
+      <a:lnRef idx="2">
+        <a:scrgbClr r="0" g="0" b="0"/>
+      </a:lnRef>
+      <a:fillRef idx="1">
+        <a:scrgbClr r="0" g="0" b="0"/>
+      </a:fillRef>
+      <a:effectRef idx="0">
+        <a:scrgbClr r="0" g="0" b="0"/>
+      </a:effectRef>
+      <a:fontRef idx="minor">
+        <a:schemeClr val="lt1"/>
+      </a:fontRef>
+    </dgm:style>
+  </dgm:styleLbl>
+  <dgm:styleLbl name="vennNode1">
+    <dgm:scene3d>
+      <a:camera prst="orthographicFront"/>
+      <a:lightRig rig="threePt" dir="t"/>
+    </dgm:scene3d>
+    <dgm:sp3d/>
+    <dgm:txPr/>
+    <dgm:style>
+      <a:lnRef idx="2">
+        <a:scrgbClr r="0" g="0" b="0"/>
+      </a:lnRef>
+      <a:fillRef idx="1">
+        <a:scrgbClr r="0" g="0" b="0"/>
+      </a:fillRef>
+      <a:effectRef idx="0">
+        <a:scrgbClr r="0" g="0" b="0"/>
+      </a:effectRef>
+      <a:fontRef idx="minor">
+        <a:schemeClr val="tx1"/>
+      </a:fontRef>
+    </dgm:style>
+  </dgm:styleLbl>
+  <dgm:styleLbl name="alignNode1">
+    <dgm:scene3d>
+      <a:camera prst="orthographicFront"/>
+      <a:lightRig rig="threePt" dir="t"/>
+    </dgm:scene3d>
+    <dgm:sp3d/>
+    <dgm:txPr/>
+    <dgm:style>
+      <a:lnRef idx="2">
+        <a:scrgbClr r="0" g="0" b="0"/>
+      </a:lnRef>
+      <a:fillRef idx="1">
+        <a:scrgbClr r="0" g="0" b="0"/>
+      </a:fillRef>
+      <a:effectRef idx="0">
+        <a:scrgbClr r="0" g="0" b="0"/>
+      </a:effectRef>
+      <a:fontRef idx="minor">
+        <a:schemeClr val="lt1"/>
+      </a:fontRef>
+    </dgm:style>
+  </dgm:styleLbl>
+  <dgm:styleLbl name="node1">
+    <dgm:scene3d>
+      <a:camera prst="orthographicFront"/>
+      <a:lightRig rig="threePt" dir="t"/>
+    </dgm:scene3d>
+    <dgm:sp3d/>
+    <dgm:txPr/>
+    <dgm:style>
+      <a:lnRef idx="2">
+        <a:scrgbClr r="0" g="0" b="0"/>
+      </a:lnRef>
+      <a:fillRef idx="1">
+        <a:scrgbClr r="0" g="0" b="0"/>
+      </a:fillRef>
+      <a:effectRef idx="0">
+        <a:scrgbClr r="0" g="0" b="0"/>
+      </a:effectRef>
+      <a:fontRef idx="minor">
+        <a:schemeClr val="lt1"/>
+      </a:fontRef>
+    </dgm:style>
+  </dgm:styleLbl>
+  <dgm:styleLbl name="node2">
+    <dgm:scene3d>
+      <a:camera prst="orthographicFront"/>
+      <a:lightRig rig="threePt" dir="t"/>
+    </dgm:scene3d>
+    <dgm:sp3d/>
+    <dgm:txPr/>
+    <dgm:style>
+      <a:lnRef idx="2">
+        <a:scrgbClr r="0" g="0" b="0"/>
+      </a:lnRef>
+      <a:fillRef idx="1">
+        <a:scrgbClr r="0" g="0" b="0"/>
+      </a:fillRef>
+      <a:effectRef idx="0">
+        <a:scrgbClr r="0" g="0" b="0"/>
+      </a:effectRef>
+      <a:fontRef idx="minor">
+        <a:schemeClr val="lt1"/>
+      </a:fontRef>
+    </dgm:style>
+  </dgm:styleLbl>
+  <dgm:styleLbl name="node3">
+    <dgm:scene3d>
+      <a:camera prst="orthographicFront"/>
+      <a:lightRig rig="threePt" dir="t"/>
+    </dgm:scene3d>
+    <dgm:sp3d/>
+    <dgm:txPr/>
+    <dgm:style>
+      <a:lnRef idx="2">
+        <a:scrgbClr r="0" g="0" b="0"/>
+      </a:lnRef>
+      <a:fillRef idx="1">
+        <a:scrgbClr r="0" g="0" b="0"/>
+      </a:fillRef>
+      <a:effectRef idx="0">
+        <a:scrgbClr r="0" g="0" b="0"/>
+      </a:effectRef>
+      <a:fontRef idx="minor">
+        <a:schemeClr val="lt1"/>
+      </a:fontRef>
+    </dgm:style>
+  </dgm:styleLbl>
+  <dgm:styleLbl name="node4">
+    <dgm:scene3d>
+      <a:camera prst="orthographicFront"/>
+      <a:lightRig rig="threePt" dir="t"/>
+    </dgm:scene3d>
+    <dgm:sp3d/>
+    <dgm:txPr/>
+    <dgm:style>
+      <a:lnRef idx="2">
+        <a:scrgbClr r="0" g="0" b="0"/>
+      </a:lnRef>
+      <a:fillRef idx="1">
+        <a:scrgbClr r="0" g="0" b="0"/>
+      </a:fillRef>
+      <a:effectRef idx="0">
+        <a:scrgbClr r="0" g="0" b="0"/>
+      </a:effectRef>
+      <a:fontRef idx="minor">
+        <a:schemeClr val="lt1"/>
+      </a:fontRef>
+    </dgm:style>
+  </dgm:styleLbl>
+  <dgm:styleLbl name="fgImgPlace1">
+    <dgm:scene3d>
+      <a:camera prst="orthographicFront"/>
+      <a:lightRig rig="threePt" dir="t"/>
+    </dgm:scene3d>
+    <dgm:sp3d/>
+    <dgm:txPr/>
+    <dgm:style>
+      <a:lnRef idx="2">
+        <a:scrgbClr r="0" g="0" b="0"/>
+      </a:lnRef>
+      <a:fillRef idx="1">
+        <a:scrgbClr r="0" g="0" b="0"/>
+      </a:fillRef>
+      <a:effectRef idx="0">
+        <a:scrgbClr r="0" g="0" b="0"/>
+      </a:effectRef>
+      <a:fontRef idx="minor"/>
+    </dgm:style>
+  </dgm:styleLbl>
+  <dgm:styleLbl name="alignImgPlace1">
+    <dgm:scene3d>
+      <a:camera prst="orthographicFront"/>
+      <a:lightRig rig="threePt" dir="t"/>
+    </dgm:scene3d>
+    <dgm:sp3d/>
+    <dgm:txPr/>
+    <dgm:style>
+      <a:lnRef idx="2">
+        <a:scrgbClr r="0" g="0" b="0"/>
+      </a:lnRef>
+      <a:fillRef idx="1">
+        <a:scrgbClr r="0" g="0" b="0"/>
+      </a:fillRef>
+      <a:effectRef idx="0">
+        <a:scrgbClr r="0" g="0" b="0"/>
+      </a:effectRef>
+      <a:fontRef idx="minor"/>
+    </dgm:style>
+  </dgm:styleLbl>
+  <dgm:styleLbl name="bgImgPlace1">
+    <dgm:scene3d>
+      <a:camera prst="orthographicFront"/>
+      <a:lightRig rig="threePt" dir="t"/>
+    </dgm:scene3d>
+    <dgm:sp3d/>
+    <dgm:txPr/>
+    <dgm:style>
+      <a:lnRef idx="2">
+        <a:scrgbClr r="0" g="0" b="0"/>
+      </a:lnRef>
+      <a:fillRef idx="1">
+        <a:scrgbClr r="0" g="0" b="0"/>
+      </a:fillRef>
+      <a:effectRef idx="0">
+        <a:scrgbClr r="0" g="0" b="0"/>
+      </a:effectRef>
+      <a:fontRef idx="minor"/>
+    </dgm:style>
+  </dgm:styleLbl>
+  <dgm:styleLbl name="sibTrans2D1">
+    <dgm:scene3d>
+      <a:camera prst="orthographicFront"/>
+      <a:lightRig rig="threePt" dir="t"/>
+    </dgm:scene3d>
+    <dgm:sp3d/>
+    <dgm:txPr/>
+    <dgm:style>
+      <a:lnRef idx="0">
+        <a:scrgbClr r="0" g="0" b="0"/>
+      </a:lnRef>
+      <a:fillRef idx="1">
+        <a:scrgbClr r="0" g="0" b="0"/>
+      </a:fillRef>
+      <a:effectRef idx="0">
+        <a:scrgbClr r="0" g="0" b="0"/>
+      </a:effectRef>
+      <a:fontRef idx="minor">
+        <a:schemeClr val="lt1"/>
+      </a:fontRef>
+    </dgm:style>
+  </dgm:styleLbl>
+  <dgm:styleLbl name="fgSibTrans2D1">
+    <dgm:scene3d>
+      <a:camera prst="orthographicFront"/>
+      <a:lightRig rig="threePt" dir="t"/>
+    </dgm:scene3d>
+    <dgm:sp3d/>
+    <dgm:txPr/>
+    <dgm:style>
+      <a:lnRef idx="0">
+        <a:scrgbClr r="0" g="0" b="0"/>
+      </a:lnRef>
+      <a:fillRef idx="1">
+        <a:scrgbClr r="0" g="0" b="0"/>
+      </a:fillRef>
+      <a:effectRef idx="0">
+        <a:scrgbClr r="0" g="0" b="0"/>
+      </a:effectRef>
+      <a:fontRef idx="minor">
+        <a:schemeClr val="lt1"/>
+      </a:fontRef>
+    </dgm:style>
+  </dgm:styleLbl>
+  <dgm:styleLbl name="bgSibTrans2D1">
+    <dgm:scene3d>
+      <a:camera prst="orthographicFront"/>
+      <a:lightRig rig="threePt" dir="t"/>
+    </dgm:scene3d>
+    <dgm:sp3d/>
+    <dgm:txPr/>
+    <dgm:style>
+      <a:lnRef idx="0">
+        <a:scrgbClr r="0" g="0" b="0"/>
+      </a:lnRef>
+      <a:fillRef idx="1">
+        <a:scrgbClr r="0" g="0" b="0"/>
+      </a:fillRef>
+      <a:effectRef idx="0">
+        <a:scrgbClr r="0" g="0" b="0"/>
+      </a:effectRef>
+      <a:fontRef idx="minor">
+        <a:schemeClr val="lt1"/>
+      </a:fontRef>
+    </dgm:style>
+  </dgm:styleLbl>
+  <dgm:styleLbl name="sibTrans1D1">
+    <dgm:scene3d>
+      <a:camera prst="orthographicFront"/>
+      <a:lightRig rig="threePt" dir="t"/>
+    </dgm:scene3d>
+    <dgm:sp3d/>
+    <dgm:txPr/>
+    <dgm:style>
+      <a:lnRef idx="1">
+        <a:scrgbClr r="0" g="0" b="0"/>
+      </a:lnRef>
+      <a:fillRef idx="0">
+        <a:scrgbClr r="0" g="0" b="0"/>
+      </a:fillRef>
+      <a:effectRef idx="0">
+        <a:scrgbClr r="0" g="0" b="0"/>
+      </a:effectRef>
+      <a:fontRef idx="minor"/>
+    </dgm:style>
+  </dgm:styleLbl>
+  <dgm:styleLbl name="callout">
+    <dgm:scene3d>
+      <a:camera prst="orthographicFront"/>
+      <a:lightRig rig="threePt" dir="t"/>
+    </dgm:scene3d>
+    <dgm:sp3d/>
+    <dgm:txPr/>
+    <dgm:style>
+      <a:lnRef idx="2">
+        <a:scrgbClr r="0" g="0" b="0"/>
+      </a:lnRef>
+      <a:fillRef idx="1">
+        <a:scrgbClr r="0" g="0" b="0"/>
+      </a:fillRef>
+      <a:effectRef idx="0">
+        <a:scrgbClr r="0" g="0" b="0"/>
+      </a:effectRef>
+      <a:fontRef idx="minor"/>
+    </dgm:style>
+  </dgm:styleLbl>
+  <dgm:styleLbl name="asst0">
+    <dgm:scene3d>
+      <a:camera prst="orthographicFront"/>
+      <a:lightRig rig="threePt" dir="t"/>
+    </dgm:scene3d>
+    <dgm:sp3d/>
+    <dgm:txPr/>
+    <dgm:style>
+      <a:lnRef idx="2">
+        <a:scrgbClr r="0" g="0" b="0"/>
+      </a:lnRef>
+      <a:fillRef idx="1">
+        <a:scrgbClr r="0" g="0" b="0"/>
+      </a:fillRef>
+      <a:effectRef idx="0">
+        <a:scrgbClr r="0" g="0" b="0"/>
+      </a:effectRef>
+      <a:fontRef idx="minor">
+        <a:schemeClr val="lt1"/>
+      </a:fontRef>
+    </dgm:style>
+  </dgm:styleLbl>
+  <dgm:styleLbl name="asst1">
+    <dgm:scene3d>
+      <a:camera prst="orthographicFront"/>
+      <a:lightRig rig="threePt" dir="t"/>
+    </dgm:scene3d>
+    <dgm:sp3d/>
+    <dgm:txPr/>
+    <dgm:style>
+      <a:lnRef idx="2">
+        <a:scrgbClr r="0" g="0" b="0"/>
+      </a:lnRef>
+      <a:fillRef idx="1">
+        <a:scrgbClr r="0" g="0" b="0"/>
+      </a:fillRef>
+      <a:effectRef idx="0">
+        <a:scrgbClr r="0" g="0" b="0"/>
+      </a:effectRef>
+      <a:fontRef idx="minor">
+        <a:schemeClr val="lt1"/>
+      </a:fontRef>
+    </dgm:style>
+  </dgm:styleLbl>
+  <dgm:styleLbl name="asst2">
+    <dgm:scene3d>
+      <a:camera prst="orthographicFront"/>
+      <a:lightRig rig="threePt" dir="t"/>
+    </dgm:scene3d>
+    <dgm:sp3d/>
+    <dgm:txPr/>
+    <dgm:style>
+      <a:lnRef idx="2">
+        <a:scrgbClr r="0" g="0" b="0"/>
+      </a:lnRef>
+      <a:fillRef idx="1">
+        <a:scrgbClr r="0" g="0" b="0"/>
+      </a:fillRef>
+      <a:effectRef idx="0">
+        <a:scrgbClr r="0" g="0" b="0"/>
+      </a:effectRef>
+      <a:fontRef idx="minor">
+        <a:schemeClr val="lt1"/>
+      </a:fontRef>
+    </dgm:style>
+  </dgm:styleLbl>
+  <dgm:styleLbl name="asst3">
+    <dgm:scene3d>
+      <a:camera prst="orthographicFront"/>
+      <a:lightRig rig="threePt" dir="t"/>
+    </dgm:scene3d>
+    <dgm:sp3d/>
+    <dgm:txPr/>
+    <dgm:style>
+      <a:lnRef idx="2">
+        <a:scrgbClr r="0" g="0" b="0"/>
+      </a:lnRef>
+      <a:fillRef idx="1">
+        <a:scrgbClr r="0" g="0" b="0"/>
+      </a:fillRef>
+      <a:effectRef idx="0">
+        <a:scrgbClr r="0" g="0" b="0"/>
+      </a:effectRef>
+      <a:fontRef idx="minor">
+        <a:schemeClr val="lt1"/>
+      </a:fontRef>
+    </dgm:style>
+  </dgm:styleLbl>
+  <dgm:styleLbl name="asst4">
+    <dgm:scene3d>
+      <a:camera prst="orthographicFront"/>
+      <a:lightRig rig="threePt" dir="t"/>
+    </dgm:scene3d>
+    <dgm:sp3d/>
+    <dgm:txPr/>
+    <dgm:style>
+      <a:lnRef idx="2">
+        <a:scrgbClr r="0" g="0" b="0"/>
+      </a:lnRef>
+      <a:fillRef idx="1">
+        <a:scrgbClr r="0" g="0" b="0"/>
+      </a:fillRef>
+      <a:effectRef idx="0">
+        <a:scrgbClr r="0" g="0" b="0"/>
+      </a:effectRef>
+      <a:fontRef idx="minor">
+        <a:schemeClr val="lt1"/>
+      </a:fontRef>
+    </dgm:style>
+  </dgm:styleLbl>
+  <dgm:styleLbl name="parChTrans2D1">
+    <dgm:scene3d>
+      <a:camera prst="orthographicFront"/>
+      <a:lightRig rig="threePt" dir="t"/>
+    </dgm:scene3d>
+    <dgm:sp3d/>
+    <dgm:txPr/>
+    <dgm:style>
+      <a:lnRef idx="2">
+        <a:scrgbClr r="0" g="0" b="0"/>
+      </a:lnRef>
+      <a:fillRef idx="1">
+        <a:scrgbClr r="0" g="0" b="0"/>
+      </a:fillRef>
+      <a:effectRef idx="0">
+        <a:scrgbClr r="0" g="0" b="0"/>
+      </a:effectRef>
+      <a:fontRef idx="minor">
+        <a:schemeClr val="lt1"/>
+      </a:fontRef>
+    </dgm:style>
+  </dgm:styleLbl>
+  <dgm:styleLbl name="parChTrans2D2">
+    <dgm:scene3d>
+      <a:camera prst="orthographicFront"/>
+      <a:lightRig rig="threePt" dir="t"/>
+    </dgm:scene3d>
+    <dgm:sp3d/>
+    <dgm:txPr/>
+    <dgm:style>
+      <a:lnRef idx="2">
+        <a:scrgbClr r="0" g="0" b="0"/>
+      </a:lnRef>
+      <a:fillRef idx="1">
+        <a:scrgbClr r="0" g="0" b="0"/>
+      </a:fillRef>
+      <a:effectRef idx="0">
+        <a:scrgbClr r="0" g="0" b="0"/>
+      </a:effectRef>
+      <a:fontRef idx="minor">
+        <a:schemeClr val="lt1"/>
+      </a:fontRef>
+    </dgm:style>
+  </dgm:styleLbl>
+  <dgm:styleLbl name="parChTrans2D3">
+    <dgm:scene3d>
+      <a:camera prst="orthographicFront"/>
+      <a:lightRig rig="threePt" dir="t"/>
+    </dgm:scene3d>
+    <dgm:sp3d/>
+    <dgm:txPr/>
+    <dgm:style>
+      <a:lnRef idx="2">
+        <a:scrgbClr r="0" g="0" b="0"/>
+      </a:lnRef>
+      <a:fillRef idx="1">
+        <a:scrgbClr r="0" g="0" b="0"/>
+      </a:fillRef>
+      <a:effectRef idx="0">
+        <a:scrgbClr r="0" g="0" b="0"/>
+      </a:effectRef>
+      <a:fontRef idx="minor">
+        <a:schemeClr val="lt1"/>
+      </a:fontRef>
+    </dgm:style>
+  </dgm:styleLbl>
+  <dgm:styleLbl name="parChTrans2D4">
+    <dgm:scene3d>
+      <a:camera prst="orthographicFront"/>
+      <a:lightRig rig="threePt" dir="t"/>
+    </dgm:scene3d>
+    <dgm:sp3d/>
+    <dgm:txPr/>
+    <dgm:style>
+      <a:lnRef idx="2">
+        <a:scrgbClr r="0" g="0" b="0"/>
+      </a:lnRef>
+      <a:fillRef idx="1">
+        <a:scrgbClr r="0" g="0" b="0"/>
+      </a:fillRef>
+      <a:effectRef idx="0">
+        <a:scrgbClr r="0" g="0" b="0"/>
+      </a:effectRef>
+      <a:fontRef idx="minor">
+        <a:schemeClr val="lt1"/>
+      </a:fontRef>
+    </dgm:style>
+  </dgm:styleLbl>
+  <dgm:styleLbl name="parChTrans1D1">
+    <dgm:scene3d>
+      <a:camera prst="orthographicFront"/>
+      <a:lightRig rig="threePt" dir="t"/>
+    </dgm:scene3d>
+    <dgm:sp3d/>
+    <dgm:txPr/>
+    <dgm:style>
+      <a:lnRef idx="2">
+        <a:scrgbClr r="0" g="0" b="0"/>
+      </a:lnRef>
+      <a:fillRef idx="0">
+        <a:scrgbClr r="0" g="0" b="0"/>
+      </a:fillRef>
+      <a:effectRef idx="0">
+        <a:scrgbClr r="0" g="0" b="0"/>
+      </a:effectRef>
+      <a:fontRef idx="minor"/>
+    </dgm:style>
+  </dgm:styleLbl>
+  <dgm:styleLbl name="parChTrans1D2">
+    <dgm:scene3d>
+      <a:camera prst="orthographicFront"/>
+      <a:lightRig rig="threePt" dir="t"/>
+    </dgm:scene3d>
+    <dgm:sp3d/>
+    <dgm:txPr/>
+    <dgm:style>
+      <a:lnRef idx="2">
+        <a:scrgbClr r="0" g="0" b="0"/>
+      </a:lnRef>
+      <a:fillRef idx="0">
+        <a:scrgbClr r="0" g="0" b="0"/>
+      </a:fillRef>
+      <a:effectRef idx="0">
+        <a:scrgbClr r="0" g="0" b="0"/>
+      </a:effectRef>
+      <a:fontRef idx="minor"/>
+    </dgm:style>
+  </dgm:styleLbl>
+  <dgm:styleLbl name="parChTrans1D3">
+    <dgm:scene3d>
+      <a:camera prst="orthographicFront"/>
+      <a:lightRig rig="threePt" dir="t"/>
+    </dgm:scene3d>
+    <dgm:sp3d/>
+    <dgm:txPr/>
+    <dgm:style>
+      <a:lnRef idx="2">
+        <a:scrgbClr r="0" g="0" b="0"/>
+      </a:lnRef>
+      <a:fillRef idx="0">
+        <a:scrgbClr r="0" g="0" b="0"/>
+      </a:fillRef>
+      <a:effectRef idx="0">
+        <a:scrgbClr r="0" g="0" b="0"/>
+      </a:effectRef>
+      <a:fontRef idx="minor"/>
+    </dgm:style>
+  </dgm:styleLbl>
+  <dgm:styleLbl name="parChTrans1D4">
+    <dgm:scene3d>
+      <a:camera prst="orthographicFront"/>
+      <a:lightRig rig="threePt" dir="t"/>
+    </dgm:scene3d>
+    <dgm:sp3d/>
+    <dgm:txPr/>
+    <dgm:style>
+      <a:lnRef idx="2">
+        <a:scrgbClr r="0" g="0" b="0"/>
+      </a:lnRef>
+      <a:fillRef idx="0">
+        <a:scrgbClr r="0" g="0" b="0"/>
+      </a:fillRef>
+      <a:effectRef idx="0">
+        <a:scrgbClr r="0" g="0" b="0"/>
+      </a:effectRef>
+      <a:fontRef idx="minor"/>
+    </dgm:style>
+  </dgm:styleLbl>
+  <dgm:styleLbl name="fgAcc1">
+    <dgm:scene3d>
+      <a:camera prst="orthographicFront"/>
+      <a:lightRig rig="threePt" dir="t"/>
+    </dgm:scene3d>
+    <dgm:sp3d/>
+    <dgm:txPr/>
+    <dgm:style>
+      <a:lnRef idx="2">
+        <a:scrgbClr r="0" g="0" b="0"/>
+      </a:lnRef>
+      <a:fillRef idx="1">
+        <a:scrgbClr r="0" g="0" b="0"/>
+      </a:fillRef>
+      <a:effectRef idx="0">
+        <a:scrgbClr r="0" g="0" b="0"/>
+      </a:effectRef>
+      <a:fontRef idx="minor"/>
+    </dgm:style>
+  </dgm:styleLbl>
+  <dgm:styleLbl name="conFgAcc1">
+    <dgm:scene3d>
+      <a:camera prst="orthographicFront"/>
+      <a:lightRig rig="threePt" dir="t"/>
+    </dgm:scene3d>
+    <dgm:sp3d/>
+    <dgm:txPr/>
+    <dgm:style>
+      <a:lnRef idx="2">
+        <a:scrgbClr r="0" g="0" b="0"/>
+      </a:lnRef>
+      <a:fillRef idx="1">
+        <a:scrgbClr r="0" g="0" b="0"/>
+      </a:fillRef>
+      <a:effectRef idx="0">
+        <a:scrgbClr r="0" g="0" b="0"/>
+      </a:effectRef>
+      <a:fontRef idx="minor"/>
+    </dgm:style>
+  </dgm:styleLbl>
+  <dgm:styleLbl name="alignAcc1">
+    <dgm:scene3d>
+      <a:camera prst="orthographicFront"/>
+      <a:lightRig rig="threePt" dir="t"/>
+    </dgm:scene3d>
+    <dgm:sp3d/>
+    <dgm:txPr/>
+    <dgm:style>
+      <a:lnRef idx="2">
+        <a:scrgbClr r="0" g="0" b="0"/>
+      </a:lnRef>
+      <a:fillRef idx="1">
+        <a:scrgbClr r="0" g="0" b="0"/>
+      </a:fillRef>
+      <a:effectRef idx="0">
+        <a:scrgbClr r="0" g="0" b="0"/>
+      </a:effectRef>
+      <a:fontRef idx="minor"/>
+    </dgm:style>
+  </dgm:styleLbl>
+  <dgm:styleLbl name="trAlignAcc1">
+    <dgm:scene3d>
+      <a:camera prst="orthographicFront"/>
+      <a:lightRig rig="threePt" dir="t"/>
+    </dgm:scene3d>
+    <dgm:sp3d/>
+    <dgm:txPr/>
+    <dgm:style>
+      <a:lnRef idx="1">
+        <a:scrgbClr r="0" g="0" b="0"/>
+      </a:lnRef>
+      <a:fillRef idx="1">
+        <a:scrgbClr r="0" g="0" b="0"/>
+      </a:fillRef>
+      <a:effectRef idx="0">
+        <a:scrgbClr r="0" g="0" b="0"/>
+      </a:effectRef>
+      <a:fontRef idx="minor"/>
+    </dgm:style>
+  </dgm:styleLbl>
+  <dgm:styleLbl name="bgAcc1">
+    <dgm:scene3d>
+      <a:camera prst="orthographicFront"/>
+      <a:lightRig rig="threePt" dir="t"/>
+    </dgm:scene3d>
+    <dgm:sp3d/>
+    <dgm:txPr/>
+    <dgm:style>
+      <a:lnRef idx="2">
+        <a:scrgbClr r="0" g="0" b="0"/>
+      </a:lnRef>
+      <a:fillRef idx="1">
+        <a:scrgbClr r="0" g="0" b="0"/>
+      </a:fillRef>
+      <a:effectRef idx="0">
+        <a:scrgbClr r="0" g="0" b="0"/>
+      </a:effectRef>
+      <a:fontRef idx="minor"/>
+    </dgm:style>
+  </dgm:styleLbl>
+  <dgm:styleLbl name="solidFgAcc1">
+    <dgm:scene3d>
+      <a:camera prst="orthographicFront"/>
+      <a:lightRig rig="threePt" dir="t"/>
+    </dgm:scene3d>
+    <dgm:sp3d/>
+    <dgm:txPr/>
+    <dgm:style>
+      <a:lnRef idx="2">
+        <a:scrgbClr r="0" g="0" b="0"/>
+      </a:lnRef>
+      <a:fillRef idx="1">
+        <a:scrgbClr r="0" g="0" b="0"/>
+      </a:fillRef>
+      <a:effectRef idx="0">
+        <a:scrgbClr r="0" g="0" b="0"/>
+      </a:effectRef>
+      <a:fontRef idx="minor"/>
+    </dgm:style>
+  </dgm:styleLbl>
+  <dgm:styleLbl name="solidAlignAcc1">
+    <dgm:scene3d>
+      <a:camera prst="orthographicFront"/>
+      <a:lightRig rig="threePt" dir="t"/>
+    </dgm:scene3d>
+    <dgm:sp3d/>
+    <dgm:txPr/>
+    <dgm:style>
+      <a:lnRef idx="2">
+        <a:scrgbClr r="0" g="0" b="0"/>
+      </a:lnRef>
+      <a:fillRef idx="1">
+        <a:scrgbClr r="0" g="0" b="0"/>
+      </a:fillRef>
+      <a:effectRef idx="0">
+        <a:scrgbClr r="0" g="0" b="0"/>
+      </a:effectRef>
+      <a:fontRef idx="minor"/>
+    </dgm:style>
+  </dgm:styleLbl>
+  <dgm:styleLbl name="solidBgAcc1">
+    <dgm:scene3d>
+      <a:camera prst="orthographicFront"/>
+      <a:lightRig rig="threePt" dir="t"/>
+    </dgm:scene3d>
+    <dgm:sp3d/>
+    <dgm:txPr/>
+    <dgm:style>
+      <a:lnRef idx="2">
+        <a:scrgbClr r="0" g="0" b="0"/>
+      </a:lnRef>
+      <a:fillRef idx="1">
+        <a:scrgbClr r="0" g="0" b="0"/>
+      </a:fillRef>
+      <a:effectRef idx="0">
+        <a:scrgbClr r="0" g="0" b="0"/>
+      </a:effectRef>
+      <a:fontRef idx="minor"/>
+    </dgm:style>
+  </dgm:styleLbl>
+  <dgm:styleLbl name="fgAccFollowNode1">
+    <dgm:scene3d>
+      <a:camera prst="orthographicFront"/>
+      <a:lightRig rig="threePt" dir="t"/>
+    </dgm:scene3d>
+    <dgm:sp3d/>
+    <dgm:txPr/>
+    <dgm:style>
+      <a:lnRef idx="2">
+        <a:scrgbClr r="0" g="0" b="0"/>
+      </a:lnRef>
+      <a:fillRef idx="1">
+        <a:scrgbClr r="0" g="0" b="0"/>
+      </a:fillRef>
+      <a:effectRef idx="0">
+        <a:scrgbClr r="0" g="0" b="0"/>
+      </a:effectRef>
+      <a:fontRef idx="minor"/>
+    </dgm:style>
+  </dgm:styleLbl>
+  <dgm:styleLbl name="alignAccFollowNode1">
+    <dgm:scene3d>
+      <a:camera prst="orthographicFront"/>
+      <a:lightRig rig="threePt" dir="t"/>
+    </dgm:scene3d>
+    <dgm:sp3d/>
+    <dgm:txPr/>
+    <dgm:style>
+      <a:lnRef idx="2">
+        <a:scrgbClr r="0" g="0" b="0"/>
+      </a:lnRef>
+      <a:fillRef idx="1">
+        <a:scrgbClr r="0" g="0" b="0"/>
+      </a:fillRef>
+      <a:effectRef idx="0">
+        <a:scrgbClr r="0" g="0" b="0"/>
+      </a:effectRef>
+      <a:fontRef idx="minor"/>
+    </dgm:style>
+  </dgm:styleLbl>
+  <dgm:styleLbl name="bgAccFollowNode1">
+    <dgm:scene3d>
+      <a:camera prst="orthographicFront"/>
+      <a:lightRig rig="threePt" dir="t"/>
+    </dgm:scene3d>
+    <dgm:sp3d/>
+    <dgm:txPr/>
+    <dgm:style>
+      <a:lnRef idx="2">
+        <a:scrgbClr r="0" g="0" b="0"/>
+      </a:lnRef>
+      <a:fillRef idx="1">
+        <a:scrgbClr r="0" g="0" b="0"/>
+      </a:fillRef>
+      <a:effectRef idx="0">
+        <a:scrgbClr r="0" g="0" b="0"/>
+      </a:effectRef>
+      <a:fontRef idx="minor"/>
+    </dgm:style>
+  </dgm:styleLbl>
+  <dgm:styleLbl name="fgAcc0">
+    <dgm:scene3d>
+      <a:camera prst="orthographicFront"/>
+      <a:lightRig rig="threePt" dir="t"/>
+    </dgm:scene3d>
+    <dgm:sp3d/>
+    <dgm:txPr/>
+    <dgm:style>
+      <a:lnRef idx="2">
+        <a:scrgbClr r="0" g="0" b="0"/>
+      </a:lnRef>
+      <a:fillRef idx="1">
+        <a:scrgbClr r="0" g="0" b="0"/>
+      </a:fillRef>
+      <a:effectRef idx="0">
+        <a:scrgbClr r="0" g="0" b="0"/>
+      </a:effectRef>
+      <a:fontRef idx="minor"/>
+    </dgm:style>
+  </dgm:styleLbl>
+  <dgm:styleLbl name="fgAcc2">
+    <dgm:scene3d>
+      <a:camera prst="orthographicFront"/>
+      <a:lightRig rig="threePt" dir="t"/>
+    </dgm:scene3d>
+    <dgm:sp3d/>
+    <dgm:txPr/>
+    <dgm:style>
+      <a:lnRef idx="2">
+        <a:scrgbClr r="0" g="0" b="0"/>
+      </a:lnRef>
+      <a:fillRef idx="1">
+        <a:scrgbClr r="0" g="0" b="0"/>
+      </a:fillRef>
+      <a:effectRef idx="0">
+        <a:scrgbClr r="0" g="0" b="0"/>
+      </a:effectRef>
+      <a:fontRef idx="minor"/>
+    </dgm:style>
+  </dgm:styleLbl>
+  <dgm:styleLbl name="fgAcc3">
+    <dgm:scene3d>
+      <a:camera prst="orthographicFront"/>
+      <a:lightRig rig="threePt" dir="t"/>
+    </dgm:scene3d>
+    <dgm:sp3d/>
+    <dgm:txPr/>
+    <dgm:style>
+      <a:lnRef idx="2">
+        <a:scrgbClr r="0" g="0" b="0"/>
+      </a:lnRef>
+      <a:fillRef idx="1">
+        <a:scrgbClr r="0" g="0" b="0"/>
+      </a:fillRef>
+      <a:effectRef idx="0">
+        <a:scrgbClr r="0" g="0" b="0"/>
+      </a:effectRef>
+      <a:fontRef idx="minor"/>
+    </dgm:style>
+  </dgm:styleLbl>
+  <dgm:styleLbl name="fgAcc4">
+    <dgm:scene3d>
+      <a:camera prst="orthographicFront"/>
+      <a:lightRig rig="threePt" dir="t"/>
+    </dgm:scene3d>
+    <dgm:sp3d/>
+    <dgm:txPr/>
+    <dgm:style>
+      <a:lnRef idx="2">
+        <a:scrgbClr r="0" g="0" b="0"/>
+      </a:lnRef>
+      <a:fillRef idx="1">
+        <a:scrgbClr r="0" g="0" b="0"/>
+      </a:fillRef>
+      <a:effectRef idx="0">
+        <a:scrgbClr r="0" g="0" b="0"/>
+      </a:effectRef>
+      <a:fontRef idx="minor"/>
+    </dgm:style>
+  </dgm:styleLbl>
+  <dgm:styleLbl name="bgShp">
+    <dgm:scene3d>
+      <a:camera prst="orthographicFront"/>
+      <a:lightRig rig="threePt" dir="t"/>
+    </dgm:scene3d>
+    <dgm:sp3d/>
+    <dgm:txPr/>
+    <dgm:style>
+      <a:lnRef idx="0">
+        <a:scrgbClr r="0" g="0" b="0"/>
+      </a:lnRef>
+      <a:fillRef idx="1">
+        <a:scrgbClr r="0" g="0" b="0"/>
+      </a:fillRef>
+      <a:effectRef idx="0">
+        <a:scrgbClr r="0" g="0" b="0"/>
+      </a:effectRef>
+      <a:fontRef idx="minor"/>
+    </dgm:style>
+  </dgm:styleLbl>
+  <dgm:styleLbl name="dkBgShp">
+    <dgm:scene3d>
+      <a:camera prst="orthographicFront"/>
+      <a:lightRig rig="threePt" dir="t"/>
+    </dgm:scene3d>
+    <dgm:sp3d/>
+    <dgm:txPr/>
+    <dgm:style>
+      <a:lnRef idx="0">
+        <a:scrgbClr r="0" g="0" b="0"/>
+      </a:lnRef>
+      <a:fillRef idx="1">
+        <a:scrgbClr r="0" g="0" b="0"/>
+      </a:fillRef>
+      <a:effectRef idx="0">
+        <a:scrgbClr r="0" g="0" b="0"/>
+      </a:effectRef>
+      <a:fontRef idx="minor"/>
+    </dgm:style>
+  </dgm:styleLbl>
+  <dgm:styleLbl name="trBgShp">
+    <dgm:scene3d>
+      <a:camera prst="orthographicFront"/>
+      <a:lightRig rig="threePt" dir="t"/>
+    </dgm:scene3d>
+    <dgm:sp3d/>
+    <dgm:txPr/>
+    <dgm:style>
+      <a:lnRef idx="0">
+        <a:scrgbClr r="0" g="0" b="0"/>
+      </a:lnRef>
+      <a:fillRef idx="1">
+        <a:scrgbClr r="0" g="0" b="0"/>
+      </a:fillRef>
+      <a:effectRef idx="0">
+        <a:scrgbClr r="0" g="0" b="0"/>
+      </a:effectRef>
+      <a:fontRef idx="minor"/>
+    </dgm:style>
+  </dgm:styleLbl>
+  <dgm:styleLbl name="fgShp">
+    <dgm:scene3d>
+      <a:camera prst="orthographicFront"/>
+      <a:lightRig rig="threePt" dir="t"/>
+    </dgm:scene3d>
+    <dgm:sp3d/>
+    <dgm:txPr/>
+    <dgm:style>
+      <a:lnRef idx="2">
+        <a:scrgbClr r="0" g="0" b="0"/>
+      </a:lnRef>
+      <a:fillRef idx="1">
+        <a:scrgbClr r="0" g="0" b="0"/>
+      </a:fillRef>
+      <a:effectRef idx="0">
+        <a:scrgbClr r="0" g="0" b="0"/>
+      </a:effectRef>
+      <a:fontRef idx="minor"/>
+    </dgm:style>
+  </dgm:styleLbl>
+  <dgm:styleLbl name="revTx">
+    <dgm:scene3d>
+      <a:camera prst="orthographicFront"/>
+      <a:lightRig rig="threePt" dir="t"/>
+    </dgm:scene3d>
+    <dgm:sp3d/>
+    <dgm:txPr/>
+    <dgm:style>
+      <a:lnRef idx="0">
+        <a:scrgbClr r="0" g="0" b="0"/>
+      </a:lnRef>
+      <a:fillRef idx="0">
+        <a:scrgbClr r="0" g="0" b="0"/>
+      </a:fillRef>
+      <a:effectRef idx="0">
+        <a:scrgbClr r="0" g="0" b="0"/>
+      </a:effectRef>
+      <a:fontRef idx="minor"/>
+    </dgm:style>
+  </dgm:styleLbl>
+</dgm:styleDef>
 </file>
 
 <file path=ppt/slideLayouts/slideLayout1.xml><?xml version="1.0" encoding="utf-8"?>
@@ -5808,7 +8840,7 @@
             </a:br>
             <a:r>
               <a:rPr lang="en-US" dirty="0"/>
-              <a:t>Project Update</a:t>
+              <a:t>Midterm Presentation</a:t>
             </a:r>
           </a:p>
         </p:txBody>
@@ -5850,7 +8882,7 @@
           <a:p>
             <a:r>
               <a:rPr lang="en-US" dirty="0"/>
-              <a:t>2 July 2019</a:t>
+              <a:t>18 July 2019</a:t>
             </a:r>
           </a:p>
         </p:txBody>
@@ -5859,6 +8891,228 @@
     <p:extLst>
       <p:ext uri="{BB962C8B-B14F-4D97-AF65-F5344CB8AC3E}">
         <p14:creationId xmlns:p14="http://schemas.microsoft.com/office/powerpoint/2010/main" val="1565010817"/>
+      </p:ext>
+    </p:extLst>
+  </p:cSld>
+  <p:clrMapOvr>
+    <a:masterClrMapping/>
+  </p:clrMapOvr>
+</p:sld>
+</file>
+
+<file path=ppt/slides/slide10.xml><?xml version="1.0" encoding="utf-8"?>
+<p:sld xmlns:a="http://schemas.openxmlformats.org/drawingml/2006/main" xmlns:r="http://schemas.openxmlformats.org/officeDocument/2006/relationships" xmlns:p="http://schemas.openxmlformats.org/presentationml/2006/main">
+  <p:cSld>
+    <p:spTree>
+      <p:nvGrpSpPr>
+        <p:cNvPr id="1" name=""/>
+        <p:cNvGrpSpPr/>
+        <p:nvPr/>
+      </p:nvGrpSpPr>
+      <p:grpSpPr>
+        <a:xfrm>
+          <a:off x="0" y="0"/>
+          <a:ext cx="0" cy="0"/>
+          <a:chOff x="0" y="0"/>
+          <a:chExt cx="0" cy="0"/>
+        </a:xfrm>
+      </p:grpSpPr>
+      <p:sp>
+        <p:nvSpPr>
+          <p:cNvPr id="2" name="Title 1">
+            <a:extLst>
+              <a:ext uri="{FF2B5EF4-FFF2-40B4-BE49-F238E27FC236}">
+                <a16:creationId xmlns:a16="http://schemas.microsoft.com/office/drawing/2014/main" id="{87369E6A-F411-124F-825B-3FE328D63CFA}"/>
+              </a:ext>
+            </a:extLst>
+          </p:cNvPr>
+          <p:cNvSpPr>
+            <a:spLocks noGrp="1"/>
+          </p:cNvSpPr>
+          <p:nvPr>
+            <p:ph type="title"/>
+          </p:nvPr>
+        </p:nvSpPr>
+        <p:spPr/>
+        <p:txBody>
+          <a:bodyPr/>
+          <a:lstStyle/>
+          <a:p>
+            <a:r>
+              <a:rPr lang="en-US" dirty="0"/>
+              <a:t>Next Steps</a:t>
+            </a:r>
+          </a:p>
+        </p:txBody>
+      </p:sp>
+      <p:sp>
+        <p:nvSpPr>
+          <p:cNvPr id="3" name="Content Placeholder 2">
+            <a:extLst>
+              <a:ext uri="{FF2B5EF4-FFF2-40B4-BE49-F238E27FC236}">
+                <a16:creationId xmlns:a16="http://schemas.microsoft.com/office/drawing/2014/main" id="{F1589AC1-BAF2-5740-ADA7-3933E048F234}"/>
+              </a:ext>
+            </a:extLst>
+          </p:cNvPr>
+          <p:cNvSpPr>
+            <a:spLocks noGrp="1"/>
+          </p:cNvSpPr>
+          <p:nvPr>
+            <p:ph idx="1"/>
+          </p:nvPr>
+        </p:nvSpPr>
+        <p:spPr>
+          <a:xfrm>
+            <a:off x="677334" y="1589089"/>
+            <a:ext cx="8596668" cy="5129211"/>
+          </a:xfrm>
+        </p:spPr>
+        <p:txBody>
+          <a:bodyPr/>
+          <a:lstStyle/>
+          <a:p>
+            <a:r>
+              <a:rPr lang="en-US" dirty="0"/>
+              <a:t>Design/build research environment in AWS</a:t>
+            </a:r>
+          </a:p>
+          <a:p>
+            <a:pPr lvl="1"/>
+            <a:r>
+              <a:rPr lang="en-US" dirty="0"/>
+              <a:t>Compute (EC2)</a:t>
+            </a:r>
+          </a:p>
+          <a:p>
+            <a:pPr lvl="1"/>
+            <a:r>
+              <a:rPr lang="en-US" dirty="0"/>
+              <a:t>Storage </a:t>
+            </a:r>
+          </a:p>
+          <a:p>
+            <a:pPr lvl="2"/>
+            <a:r>
+              <a:rPr lang="en-US" dirty="0"/>
+              <a:t>Documents/files (S3 buckets)</a:t>
+            </a:r>
+          </a:p>
+          <a:p>
+            <a:pPr lvl="2"/>
+            <a:r>
+              <a:rPr lang="en-US" dirty="0"/>
+              <a:t>Database (Amazon RDS) </a:t>
+            </a:r>
+          </a:p>
+          <a:p>
+            <a:r>
+              <a:rPr lang="en-US" dirty="0"/>
+              <a:t>Code data pipelines/APIs to acquire data and store in cloud RDS </a:t>
+            </a:r>
+          </a:p>
+          <a:p>
+            <a:r>
+              <a:rPr lang="en-US" dirty="0"/>
+              <a:t>Reconvene with Geospatial Statistics and Cloud Computing Professors</a:t>
+            </a:r>
+          </a:p>
+          <a:p>
+            <a:r>
+              <a:rPr lang="en-US" dirty="0"/>
+              <a:t>Develop spatial analyses, hypothesis tests, maps, etc. </a:t>
+            </a:r>
+          </a:p>
+          <a:p>
+            <a:r>
+              <a:rPr lang="en-US" dirty="0"/>
+              <a:t>Develop data product/deliverable</a:t>
+            </a:r>
+          </a:p>
+          <a:p>
+            <a:pPr lvl="1"/>
+            <a:r>
+              <a:rPr lang="en-US" dirty="0"/>
+              <a:t>Single-page web application </a:t>
+            </a:r>
+          </a:p>
+          <a:p>
+            <a:r>
+              <a:rPr lang="en-US" dirty="0"/>
+              <a:t>Refine data product/deliverable and prepare presentations </a:t>
+            </a:r>
+          </a:p>
+          <a:p>
+            <a:endParaRPr lang="en-US" dirty="0"/>
+          </a:p>
+        </p:txBody>
+      </p:sp>
+    </p:spTree>
+    <p:extLst>
+      <p:ext uri="{BB962C8B-B14F-4D97-AF65-F5344CB8AC3E}">
+        <p14:creationId xmlns:p14="http://schemas.microsoft.com/office/powerpoint/2010/main" val="14983977"/>
+      </p:ext>
+    </p:extLst>
+  </p:cSld>
+  <p:clrMapOvr>
+    <a:masterClrMapping/>
+  </p:clrMapOvr>
+</p:sld>
+</file>
+
+<file path=ppt/slides/slide11.xml><?xml version="1.0" encoding="utf-8"?>
+<p:sld xmlns:a="http://schemas.openxmlformats.org/drawingml/2006/main" xmlns:r="http://schemas.openxmlformats.org/officeDocument/2006/relationships" xmlns:p="http://schemas.openxmlformats.org/presentationml/2006/main">
+  <p:cSld>
+    <p:spTree>
+      <p:nvGrpSpPr>
+        <p:cNvPr id="1" name=""/>
+        <p:cNvGrpSpPr/>
+        <p:nvPr/>
+      </p:nvGrpSpPr>
+      <p:grpSpPr>
+        <a:xfrm>
+          <a:off x="0" y="0"/>
+          <a:ext cx="0" cy="0"/>
+          <a:chOff x="0" y="0"/>
+          <a:chExt cx="0" cy="0"/>
+        </a:xfrm>
+      </p:grpSpPr>
+      <p:sp>
+        <p:nvSpPr>
+          <p:cNvPr id="2" name="Title 1">
+            <a:extLst>
+              <a:ext uri="{FF2B5EF4-FFF2-40B4-BE49-F238E27FC236}">
+                <a16:creationId xmlns:a16="http://schemas.microsoft.com/office/drawing/2014/main" id="{DD26A074-AD58-C54F-B215-E0D43F7EA2FE}"/>
+              </a:ext>
+            </a:extLst>
+          </p:cNvPr>
+          <p:cNvSpPr>
+            <a:spLocks noGrp="1"/>
+          </p:cNvSpPr>
+          <p:nvPr>
+            <p:ph type="title"/>
+          </p:nvPr>
+        </p:nvSpPr>
+        <p:spPr>
+          <a:xfrm>
+            <a:off x="1274234" y="2768600"/>
+            <a:ext cx="8596668" cy="1320800"/>
+          </a:xfrm>
+        </p:spPr>
+        <p:txBody>
+          <a:bodyPr/>
+          <a:lstStyle/>
+          <a:p>
+            <a:r>
+              <a:rPr lang="en-US" dirty="0"/>
+              <a:t>Questions/Suggestions?</a:t>
+            </a:r>
+          </a:p>
+        </p:txBody>
+      </p:sp>
+    </p:spTree>
+    <p:extLst>
+      <p:ext uri="{BB962C8B-B14F-4D97-AF65-F5344CB8AC3E}">
+        <p14:creationId xmlns:p14="http://schemas.microsoft.com/office/powerpoint/2010/main" val="3739729150"/>
       </p:ext>
     </p:extLst>
   </p:cSld>
@@ -5936,19 +9190,37 @@
           <a:p>
             <a:r>
               <a:rPr lang="en-US" dirty="0"/>
-              <a:t>Revised Problem Statement</a:t>
+              <a:t>Problem Statement</a:t>
+            </a:r>
+          </a:p>
+          <a:p>
+            <a:r>
+              <a:rPr lang="en-US" dirty="0"/>
+              <a:t>Summary of Literature Review</a:t>
+            </a:r>
+          </a:p>
+          <a:p>
+            <a:r>
+              <a:rPr lang="en-US" dirty="0"/>
+              <a:t>Summary of Data Survey</a:t>
+            </a:r>
+          </a:p>
+          <a:p>
+            <a:r>
+              <a:rPr lang="en-US" dirty="0"/>
+              <a:t>Proposed Solution</a:t>
+            </a:r>
+          </a:p>
+          <a:p>
+            <a:r>
+              <a:rPr lang="en-US" dirty="0"/>
+              <a:t>High level Design</a:t>
             </a:r>
           </a:p>
           <a:p>
             <a:r>
               <a:rPr lang="en-US" dirty="0"/>
               <a:t>Current Progress</a:t>
-            </a:r>
-          </a:p>
-          <a:p>
-            <a:r>
-              <a:rPr lang="en-US" dirty="0"/>
-              <a:t>Challenges</a:t>
             </a:r>
           </a:p>
           <a:p>
@@ -6012,7 +9284,7 @@
           <a:p>
             <a:r>
               <a:rPr lang="en-US" dirty="0"/>
-              <a:t>Refined Problem Statement</a:t>
+              <a:t>Problem Statement</a:t>
             </a:r>
           </a:p>
         </p:txBody>
@@ -6040,7 +9312,13 @@
           <a:p>
             <a:r>
               <a:rPr lang="en-US" dirty="0"/>
-              <a:t>A National consolidated, consistent and current database of spatiotemporal and demographic data on missing persons can help law enforcement and advocacy groups identify trends in missing persons data, including but not limited to human trafficking or serial crime.  Local law enforcement and government agencies lack consistency in the data capture methods and availability of structured missing persons data, making spatial analysis difficult to conduct. </a:t>
+              <a:t>A consolidated, consistent and current database of spatiotemporal and demographic data on missing persons can help law enforcement and advocacy groups identify trends in missing persons data, including but not limited to human trafficking or serial crime. </a:t>
+            </a:r>
+          </a:p>
+          <a:p>
+            <a:r>
+              <a:rPr lang="en-US" dirty="0"/>
+              <a:t> Local law enforcement and government agencies lack consistency in the data capture methods and availability of structured missing persons data, making spatial analysis difficult to conduct. </a:t>
             </a:r>
           </a:p>
         </p:txBody>
@@ -6080,7 +9358,7 @@
           <p:cNvPr id="2" name="Title 1">
             <a:extLst>
               <a:ext uri="{FF2B5EF4-FFF2-40B4-BE49-F238E27FC236}">
-                <a16:creationId xmlns:a16="http://schemas.microsoft.com/office/drawing/2014/main" id="{3D7DD1E5-8CD2-7D46-BE66-952EFCE74899}"/>
+                <a16:creationId xmlns:a16="http://schemas.microsoft.com/office/drawing/2014/main" id="{C0146C7B-FB63-6441-987B-3BA54A5D82B6}"/>
               </a:ext>
             </a:extLst>
           </p:cNvPr>
@@ -6098,7 +9376,7 @@
           <a:p>
             <a:r>
               <a:rPr lang="en-US" dirty="0"/>
-              <a:t>Current Progress</a:t>
+              <a:t>Summary of Literature Review</a:t>
             </a:r>
           </a:p>
         </p:txBody>
@@ -6108,7 +9386,7 @@
           <p:cNvPr id="3" name="Content Placeholder 2">
             <a:extLst>
               <a:ext uri="{FF2B5EF4-FFF2-40B4-BE49-F238E27FC236}">
-                <a16:creationId xmlns:a16="http://schemas.microsoft.com/office/drawing/2014/main" id="{7B927D01-1001-334A-924A-928CF6C4CED4}"/>
+                <a16:creationId xmlns:a16="http://schemas.microsoft.com/office/drawing/2014/main" id="{0EAACEC1-3914-6F42-96B6-A07D465C72F3}"/>
               </a:ext>
             </a:extLst>
           </p:cNvPr>
@@ -6119,12 +9397,7 @@
             <p:ph idx="1"/>
           </p:nvPr>
         </p:nvSpPr>
-        <p:spPr>
-          <a:xfrm>
-            <a:off x="677334" y="1282699"/>
-            <a:ext cx="9088966" cy="5334001"/>
-          </a:xfrm>
-        </p:spPr>
+        <p:spPr/>
         <p:txBody>
           <a:bodyPr>
             <a:normAutofit lnSpcReduction="10000"/>
@@ -6133,173 +9406,81 @@
           <a:p>
             <a:r>
               <a:rPr lang="en-US" dirty="0"/>
-              <a:t>Project Planning/Research </a:t>
-            </a:r>
-          </a:p>
-          <a:p>
-            <a:pPr lvl="1"/>
+              <a:t>The National Missing and Unidentified Persons System (</a:t>
+            </a:r>
+            <a:r>
+              <a:rPr lang="en-US" dirty="0" err="1"/>
+              <a:t>NamUs</a:t>
+            </a:r>
             <a:r>
               <a:rPr lang="en-US" dirty="0"/>
-              <a:t>Literature Review on missing persons research and data-driven interventions</a:t>
-            </a:r>
-          </a:p>
-          <a:p>
-            <a:pPr lvl="2"/>
+              <a:t>) is the Department of Justice’s “national information clearinghouse and resource center for missing, unidentified, and unclaimed person cases across the United States”</a:t>
+            </a:r>
+          </a:p>
+          <a:p>
             <a:r>
               <a:rPr lang="en-US" dirty="0"/>
-              <a:t>Urban Indian Health </a:t>
-            </a:r>
-            <a:r>
-              <a:rPr lang="en-US"/>
-              <a:t>Institute (Seattle </a:t>
+              <a:t>According to a senior official at </a:t>
+            </a:r>
+            <a:r>
+              <a:rPr lang="en-US" dirty="0" err="1"/>
+              <a:t>NamUs</a:t>
             </a:r>
             <a:r>
               <a:rPr lang="en-US" dirty="0"/>
-              <a:t>Indian </a:t>
-            </a:r>
-            <a:r>
-              <a:rPr lang="en-US"/>
-              <a:t>Health Board)</a:t>
-            </a:r>
-            <a:endParaRPr lang="en-US" dirty="0"/>
-          </a:p>
-          <a:p>
-            <a:pPr lvl="1"/>
+              <a:t>, “[o]n average, 90,000 people are missing in the USA at any given time”</a:t>
+            </a:r>
+          </a:p>
+          <a:p>
             <a:r>
               <a:rPr lang="en-US" dirty="0"/>
-              <a:t>Identified potential data sources</a:t>
-            </a:r>
-          </a:p>
-          <a:p>
-            <a:pPr lvl="2"/>
-            <a:r>
-              <a:rPr lang="en-US" dirty="0" err="1">
+              <a:t>As of December 31, 2018, the FBI’s National Crime Information Center (NCIC) </a:t>
+            </a:r>
+            <a:r>
+              <a:rPr lang="en-US" dirty="0">
                 <a:hlinkClick r:id="rId2"/>
               </a:rPr>
+              <a:t>Missing Persons File </a:t>
+            </a:r>
+            <a:r>
+              <a:rPr lang="en-US" dirty="0"/>
+              <a:t>contained 85,459 active missing persons cases, of which 38,561 (45.1%) were juveniles* </a:t>
+            </a:r>
+          </a:p>
+          <a:p>
+            <a:r>
+              <a:rPr lang="en-US" dirty="0"/>
+              <a:t>Currently, there are only 16,276 open cases in </a:t>
+            </a:r>
+            <a:r>
+              <a:rPr lang="en-US" dirty="0" err="1"/>
               <a:t>NamUs</a:t>
             </a:r>
             <a:endParaRPr lang="en-US" dirty="0"/>
           </a:p>
           <a:p>
-            <a:pPr lvl="2"/>
-            <a:r>
-              <a:rPr lang="en-US" dirty="0">
-                <a:hlinkClick r:id="rId3"/>
-              </a:rPr>
-              <a:t>National Center for Missing &amp; Exploited Children</a:t>
-            </a:r>
             <a:endParaRPr lang="en-US" dirty="0"/>
           </a:p>
           <a:p>
-            <a:pPr lvl="2"/>
-            <a:r>
-              <a:rPr lang="en-US" dirty="0"/>
-              <a:t>Nine State/local law enforcement agencies </a:t>
-            </a:r>
-          </a:p>
-          <a:p>
-            <a:pPr lvl="2"/>
-            <a:r>
-              <a:rPr lang="en-US" dirty="0"/>
-              <a:t>Social Media (#</a:t>
-            </a:r>
-            <a:r>
-              <a:rPr lang="en-US" dirty="0" err="1"/>
-              <a:t>missingperson</a:t>
-            </a:r>
-            <a:r>
-              <a:rPr lang="en-US" dirty="0"/>
-              <a:t>)</a:t>
-            </a:r>
-          </a:p>
-          <a:p>
-            <a:pPr lvl="1"/>
-            <a:r>
-              <a:rPr lang="en-US" dirty="0"/>
-              <a:t>Researching web scraping technologies</a:t>
-            </a:r>
-          </a:p>
-          <a:p>
-            <a:pPr lvl="2"/>
-            <a:r>
-              <a:rPr lang="en-US" dirty="0">
-                <a:hlinkClick r:id="rId4"/>
-              </a:rPr>
-              <a:t>Beautiful Soup</a:t>
-            </a:r>
-            <a:endParaRPr lang="en-US" dirty="0"/>
-          </a:p>
-          <a:p>
-            <a:pPr lvl="2"/>
-            <a:r>
-              <a:rPr lang="en-US" dirty="0">
-                <a:hlinkClick r:id="rId5"/>
-              </a:rPr>
-              <a:t>Selenium</a:t>
-            </a:r>
-            <a:endParaRPr lang="en-US" dirty="0"/>
-          </a:p>
-          <a:p>
-            <a:pPr lvl="2"/>
-            <a:r>
-              <a:rPr lang="en-US" dirty="0">
-                <a:hlinkClick r:id="rId6"/>
-              </a:rPr>
-              <a:t>Requests</a:t>
-            </a:r>
-            <a:endParaRPr lang="en-US" dirty="0"/>
-          </a:p>
-          <a:p>
-            <a:pPr lvl="2"/>
-            <a:r>
-              <a:rPr lang="en-US" dirty="0">
-                <a:hlinkClick r:id="rId6"/>
-              </a:rPr>
-              <a:t>Flask</a:t>
-            </a:r>
-            <a:endParaRPr lang="en-US" dirty="0"/>
-          </a:p>
-          <a:p>
-            <a:pPr lvl="1"/>
-            <a:r>
-              <a:rPr lang="en-US" dirty="0"/>
-              <a:t>Consulting with Geospatial Statistics Professor on Spatial Analysis and Mapping techniques using R</a:t>
-            </a:r>
-          </a:p>
-          <a:p>
-            <a:pPr lvl="1"/>
-            <a:r>
-              <a:rPr lang="en-US" dirty="0"/>
-              <a:t>Updates to </a:t>
-            </a:r>
-            <a:r>
-              <a:rPr lang="en-US" dirty="0">
-                <a:hlinkClick r:id="rId7"/>
-              </a:rPr>
-              <a:t>Trello Board </a:t>
-            </a:r>
-            <a:r>
-              <a:rPr lang="en-US" dirty="0"/>
-              <a:t>&amp; Linked </a:t>
-            </a:r>
-            <a:r>
-              <a:rPr lang="en-US" dirty="0">
-                <a:hlinkClick r:id="rId8"/>
-              </a:rPr>
-              <a:t>GitHub Repo</a:t>
-            </a:r>
-            <a:endParaRPr lang="en-US" dirty="0"/>
-          </a:p>
-          <a:p>
-            <a:pPr lvl="1"/>
-            <a:endParaRPr lang="en-US" dirty="0"/>
+            <a:pPr marL="0" indent="0">
+              <a:buNone/>
+            </a:pPr>
+            <a:r>
+              <a:rPr lang="en-US" sz="1000" dirty="0"/>
+              <a:t>*</a:t>
+            </a:r>
+            <a:r>
+              <a:rPr lang="en-US" sz="1000" i="1" dirty="0"/>
+              <a:t>Juveniles are defined as under the age of 21. When using the criteria of under the age of 18, this figure is 29,758 (34.8%).</a:t>
+            </a:r>
+            <a:endParaRPr lang="en-US" sz="1000" dirty="0"/>
           </a:p>
         </p:txBody>
       </p:sp>
     </p:spTree>
     <p:extLst>
       <p:ext uri="{BB962C8B-B14F-4D97-AF65-F5344CB8AC3E}">
-        <p14:creationId xmlns:p14="http://schemas.microsoft.com/office/powerpoint/2010/main" val="1267808432"/>
+        <p14:creationId xmlns:p14="http://schemas.microsoft.com/office/powerpoint/2010/main" val="2609532185"/>
       </p:ext>
     </p:extLst>
   </p:cSld>
@@ -6331,7 +9512,7 @@
           <p:cNvPr id="2" name="Title 1">
             <a:extLst>
               <a:ext uri="{FF2B5EF4-FFF2-40B4-BE49-F238E27FC236}">
-                <a16:creationId xmlns:a16="http://schemas.microsoft.com/office/drawing/2014/main" id="{C59ACAFF-090B-6345-9FFD-482FB3D82FAA}"/>
+                <a16:creationId xmlns:a16="http://schemas.microsoft.com/office/drawing/2014/main" id="{1A065CD2-C6BC-864F-9A36-A33F2DD173EA}"/>
               </a:ext>
             </a:extLst>
           </p:cNvPr>
@@ -6349,7 +9530,7 @@
           <a:p>
             <a:r>
               <a:rPr lang="en-US" dirty="0"/>
-              <a:t>Challenges</a:t>
+              <a:t>Summary of Data Survey</a:t>
             </a:r>
           </a:p>
         </p:txBody>
@@ -6359,7 +9540,7 @@
           <p:cNvPr id="3" name="Content Placeholder 2">
             <a:extLst>
               <a:ext uri="{FF2B5EF4-FFF2-40B4-BE49-F238E27FC236}">
-                <a16:creationId xmlns:a16="http://schemas.microsoft.com/office/drawing/2014/main" id="{536229EB-A211-034A-8E5C-D42A3A1D21A3}"/>
+                <a16:creationId xmlns:a16="http://schemas.microsoft.com/office/drawing/2014/main" id="{38CAAF1D-AA57-5A44-9C4A-5A24A4EB4856}"/>
               </a:ext>
             </a:extLst>
           </p:cNvPr>
@@ -6370,35 +9551,14 @@
             <p:ph idx="1"/>
           </p:nvPr>
         </p:nvSpPr>
-        <p:spPr>
-          <a:xfrm>
-            <a:off x="677334" y="1333501"/>
-            <a:ext cx="8596668" cy="4707862"/>
-          </a:xfrm>
-        </p:spPr>
-        <p:txBody>
-          <a:bodyPr>
-            <a:normAutofit lnSpcReduction="10000"/>
-          </a:bodyPr>
+        <p:spPr/>
+        <p:txBody>
+          <a:bodyPr/>
           <a:lstStyle/>
           <a:p>
             <a:r>
               <a:rPr lang="en-US" dirty="0"/>
-              <a:t>Data Acquisition</a:t>
-            </a:r>
-          </a:p>
-          <a:p>
-            <a:pPr lvl="1"/>
-            <a:r>
-              <a:rPr lang="en-US" dirty="0"/>
-              <a:t>Deciding on data sources</a:t>
-            </a:r>
-          </a:p>
-          <a:p>
-            <a:pPr lvl="1"/>
-            <a:r>
-              <a:rPr lang="en-US" dirty="0"/>
-              <a:t>Existing “official” data sources are problematic</a:t>
+              <a:t>In researching available data in nine major cities, there were drastic inconsistencies in the availability of data. </a:t>
             </a:r>
           </a:p>
           <a:p>
@@ -6430,65 +9590,26 @@
             </a:r>
           </a:p>
           <a:p>
-            <a:pPr lvl="1"/>
             <a:r>
               <a:rPr lang="en-US" dirty="0"/>
-              <a:t>After reviewing some implementations using </a:t>
-            </a:r>
-            <a:r>
-              <a:rPr lang="en-US" dirty="0" err="1"/>
-              <a:t>DoJ’s</a:t>
-            </a:r>
+              <a:t>Most websites had some sort of search engine, however the data was often unstructured, with each requiring a custom web scraping API to extract the data.</a:t>
+            </a:r>
+          </a:p>
+          <a:p>
             <a:r>
               <a:rPr lang="en-US" dirty="0"/>
-              <a:t> website (</a:t>
-            </a:r>
-            <a:r>
-              <a:rPr lang="en-US" dirty="0" err="1"/>
-              <a:t>NamUs</a:t>
-            </a:r>
-            <a:r>
-              <a:rPr lang="en-US" dirty="0"/>
-              <a:t>), considering either supplementing or shifting focus from official data sources</a:t>
-            </a:r>
-          </a:p>
-          <a:p>
-            <a:pPr lvl="1"/>
-            <a:r>
-              <a:rPr lang="en-US" dirty="0"/>
-              <a:t>Deciding on web scraping method and learning how to implement it</a:t>
-            </a:r>
-          </a:p>
-          <a:p>
-            <a:pPr lvl="1"/>
-            <a:r>
-              <a:rPr lang="en-US" dirty="0"/>
-              <a:t>Constrained by what data source(s) are ultimately utilized</a:t>
+              <a:t>As each jurisdiction captures different data attributes, normalizing the data from multiple jurisdictions would be a laborious task. </a:t>
             </a:r>
           </a:p>
           <a:p>
             <a:endParaRPr lang="en-US" dirty="0"/>
-          </a:p>
-          <a:p>
-            <a:pPr marL="0" indent="0">
-              <a:buNone/>
-            </a:pPr>
-            <a:r>
-              <a:rPr lang="en-US" sz="1300" dirty="0"/>
-              <a:t>* “</a:t>
-            </a:r>
-            <a:r>
-              <a:rPr lang="en-US" sz="1300" i="1" dirty="0"/>
-              <a:t>Official” in this context refers to databases compiled by federal, state, &amp; local law enforcement agencies, as well as non profit organizations, NGOs, and advocacy groups</a:t>
-            </a:r>
-            <a:endParaRPr lang="en-US" sz="1300" dirty="0"/>
           </a:p>
         </p:txBody>
       </p:sp>
     </p:spTree>
     <p:extLst>
       <p:ext uri="{BB962C8B-B14F-4D97-AF65-F5344CB8AC3E}">
-        <p14:creationId xmlns:p14="http://schemas.microsoft.com/office/powerpoint/2010/main" val="1790884465"/>
+        <p14:creationId xmlns:p14="http://schemas.microsoft.com/office/powerpoint/2010/main" val="2807630642"/>
       </p:ext>
     </p:extLst>
   </p:cSld>
@@ -6520,7 +9641,7 @@
           <p:cNvPr id="2" name="Title 1">
             <a:extLst>
               <a:ext uri="{FF2B5EF4-FFF2-40B4-BE49-F238E27FC236}">
-                <a16:creationId xmlns:a16="http://schemas.microsoft.com/office/drawing/2014/main" id="{87369E6A-F411-124F-825B-3FE328D63CFA}"/>
+                <a16:creationId xmlns:a16="http://schemas.microsoft.com/office/drawing/2014/main" id="{914F1A41-899E-5742-AE29-4FEF93DB925F}"/>
               </a:ext>
             </a:extLst>
           </p:cNvPr>
@@ -6533,12 +9654,14 @@
         </p:nvSpPr>
         <p:spPr/>
         <p:txBody>
-          <a:bodyPr/>
+          <a:bodyPr>
+            <a:normAutofit/>
+          </a:bodyPr>
           <a:lstStyle/>
           <a:p>
             <a:r>
               <a:rPr lang="en-US" dirty="0"/>
-              <a:t>Next Steps</a:t>
+              <a:t>Proposed Solution</a:t>
             </a:r>
           </a:p>
         </p:txBody>
@@ -6548,7 +9671,7 @@
           <p:cNvPr id="3" name="Content Placeholder 2">
             <a:extLst>
               <a:ext uri="{FF2B5EF4-FFF2-40B4-BE49-F238E27FC236}">
-                <a16:creationId xmlns:a16="http://schemas.microsoft.com/office/drawing/2014/main" id="{F1589AC1-BAF2-5740-ADA7-3933E048F234}"/>
+                <a16:creationId xmlns:a16="http://schemas.microsoft.com/office/drawing/2014/main" id="{65F6A5EE-F9B8-3044-B32A-E41E45F376A4}"/>
               </a:ext>
             </a:extLst>
           </p:cNvPr>
@@ -6561,8 +9684,8 @@
         </p:nvSpPr>
         <p:spPr>
           <a:xfrm>
-            <a:off x="677334" y="1589089"/>
-            <a:ext cx="8596668" cy="5129211"/>
+            <a:off x="677334" y="2160589"/>
+            <a:ext cx="8596668" cy="3880773"/>
           </a:xfrm>
         </p:spPr>
         <p:txBody>
@@ -6571,84 +9694,65 @@
           <a:p>
             <a:r>
               <a:rPr lang="en-US" dirty="0"/>
-              <a:t>Narrow down data source(s), scope/region(s) of research</a:t>
-            </a:r>
-          </a:p>
-          <a:p>
+              <a:t>Develop a Searchable, GIS-enabled application based on </a:t>
+            </a:r>
+            <a:r>
+              <a:rPr lang="en-US" dirty="0" err="1"/>
+              <a:t>NamUS</a:t>
+            </a:r>
             <a:r>
               <a:rPr lang="en-US" dirty="0"/>
-              <a:t>Decide on web scraping framework</a:t>
-            </a:r>
-          </a:p>
-          <a:p>
+              <a:t> data as a Proof of Concept for setting national Data Governance Practices for Missing Persons data</a:t>
+            </a:r>
+          </a:p>
+          <a:p>
+            <a:pPr lvl="1"/>
             <a:r>
               <a:rPr lang="en-US" dirty="0"/>
-              <a:t>Design/build research environment in AWS</a:t>
+              <a:t>While NCIC data is only publicly available in aggregate, </a:t>
+            </a:r>
+            <a:r>
+              <a:rPr lang="en-US" dirty="0" err="1"/>
+              <a:t>NamUs</a:t>
+            </a:r>
+            <a:r>
+              <a:rPr lang="en-US" dirty="0"/>
+              <a:t> is publicly available, highly structured and finely granular</a:t>
             </a:r>
           </a:p>
           <a:p>
             <a:pPr lvl="1"/>
             <a:r>
               <a:rPr lang="en-US" dirty="0"/>
-              <a:t>Compute (EC2)</a:t>
-            </a:r>
-          </a:p>
-          <a:p>
-            <a:pPr lvl="1"/>
+              <a:t>Consists of twenty features to include:</a:t>
+            </a:r>
+          </a:p>
+          <a:p>
+            <a:pPr lvl="2"/>
             <a:r>
               <a:rPr lang="en-US" dirty="0"/>
-              <a:t>Storage </a:t>
+              <a:t>Identifying information</a:t>
             </a:r>
           </a:p>
           <a:p>
             <a:pPr lvl="2"/>
             <a:r>
               <a:rPr lang="en-US" dirty="0"/>
-              <a:t>Documents/files (S3 buckets)</a:t>
+              <a:t>Demographic data</a:t>
             </a:r>
           </a:p>
           <a:p>
             <a:pPr lvl="2"/>
             <a:r>
               <a:rPr lang="en-US" dirty="0"/>
-              <a:t>Database (Amazon RDS) </a:t>
-            </a:r>
-          </a:p>
-          <a:p>
+              <a:t>Granular spatial data (of last contact)</a:t>
+            </a:r>
+          </a:p>
+          <a:p>
+            <a:pPr lvl="2"/>
             <a:r>
               <a:rPr lang="en-US" dirty="0"/>
-              <a:t>Code data pipelines/APIs to acquire data and store in cloud RDS </a:t>
-            </a:r>
-          </a:p>
-          <a:p>
-            <a:r>
-              <a:rPr lang="en-US" dirty="0"/>
-              <a:t>Reconvene with Geospatial Statistics Professor</a:t>
-            </a:r>
-          </a:p>
-          <a:p>
-            <a:r>
-              <a:rPr lang="en-US" dirty="0"/>
-              <a:t>Develop spatial analyses, hypothesis tests, maps, etc. </a:t>
-            </a:r>
-          </a:p>
-          <a:p>
-            <a:r>
-              <a:rPr lang="en-US" dirty="0"/>
-              <a:t>Develop data product/deliverable</a:t>
-            </a:r>
-          </a:p>
-          <a:p>
-            <a:pPr lvl="1"/>
-            <a:r>
-              <a:rPr lang="en-US" dirty="0"/>
-              <a:t>Single-page web application </a:t>
-            </a:r>
-          </a:p>
-          <a:p>
-            <a:r>
-              <a:rPr lang="en-US" dirty="0"/>
-              <a:t>Refine data product/deliverable and prepare presentations </a:t>
+              <a:t>Date</a:t>
             </a:r>
           </a:p>
           <a:p>
@@ -6659,7 +9763,7 @@
     </p:spTree>
     <p:extLst>
       <p:ext uri="{BB962C8B-B14F-4D97-AF65-F5344CB8AC3E}">
-        <p14:creationId xmlns:p14="http://schemas.microsoft.com/office/powerpoint/2010/main" val="14983977"/>
+        <p14:creationId xmlns:p14="http://schemas.microsoft.com/office/powerpoint/2010/main" val="2038693468"/>
       </p:ext>
     </p:extLst>
   </p:cSld>
@@ -6691,7 +9795,7 @@
           <p:cNvPr id="2" name="Title 1">
             <a:extLst>
               <a:ext uri="{FF2B5EF4-FFF2-40B4-BE49-F238E27FC236}">
-                <a16:creationId xmlns:a16="http://schemas.microsoft.com/office/drawing/2014/main" id="{DD26A074-AD58-C54F-B215-E0D43F7EA2FE}"/>
+                <a16:creationId xmlns:a16="http://schemas.microsoft.com/office/drawing/2014/main" id="{C85EE585-F5A3-FF44-B26B-E882B4D007FF}"/>
               </a:ext>
             </a:extLst>
           </p:cNvPr>
@@ -6702,10 +9806,38 @@
             <p:ph type="title"/>
           </p:nvPr>
         </p:nvSpPr>
+        <p:spPr/>
+        <p:txBody>
+          <a:bodyPr/>
+          <a:lstStyle/>
+          <a:p>
+            <a:r>
+              <a:rPr lang="en-US" dirty="0"/>
+              <a:t>Data Overview</a:t>
+            </a:r>
+          </a:p>
+        </p:txBody>
+      </p:sp>
+      <p:sp>
+        <p:nvSpPr>
+          <p:cNvPr id="3" name="Content Placeholder 2">
+            <a:extLst>
+              <a:ext uri="{FF2B5EF4-FFF2-40B4-BE49-F238E27FC236}">
+                <a16:creationId xmlns:a16="http://schemas.microsoft.com/office/drawing/2014/main" id="{7D4B4A7E-B679-5248-838A-19BB56B732EF}"/>
+              </a:ext>
+            </a:extLst>
+          </p:cNvPr>
+          <p:cNvSpPr>
+            <a:spLocks noGrp="1"/>
+          </p:cNvSpPr>
+          <p:nvPr>
+            <p:ph idx="1"/>
+          </p:nvPr>
+        </p:nvSpPr>
         <p:spPr>
           <a:xfrm>
-            <a:off x="1274234" y="2768600"/>
-            <a:ext cx="8596668" cy="1320800"/>
+            <a:off x="677334" y="1333501"/>
+            <a:ext cx="8596668" cy="5151440"/>
           </a:xfrm>
         </p:spPr>
         <p:txBody>
@@ -6714,15 +9846,871 @@
           <a:p>
             <a:r>
               <a:rPr lang="en-US" dirty="0"/>
-              <a:t>Questions/Suggestions?</a:t>
-            </a:r>
-          </a:p>
-        </p:txBody>
-      </p:sp>
+              <a:t>While </a:t>
+            </a:r>
+            <a:r>
+              <a:rPr lang="en-US" dirty="0" err="1"/>
+              <a:t>NamUs</a:t>
+            </a:r>
+            <a:r>
+              <a:rPr lang="en-US" dirty="0"/>
+              <a:t> does not have an API with all endpoints completely exposed, </a:t>
+            </a:r>
+            <a:r>
+              <a:rPr lang="en-US" dirty="0" err="1">
+                <a:hlinkClick r:id="rId2"/>
+              </a:rPr>
+              <a:t>OpenDataSoft</a:t>
+            </a:r>
+            <a:r>
+              <a:rPr lang="en-US" dirty="0"/>
+              <a:t> developed an API which scrapes a snapshot from the </a:t>
+            </a:r>
+            <a:r>
+              <a:rPr lang="en-US" dirty="0" err="1">
+                <a:hlinkClick r:id="rId3"/>
+              </a:rPr>
+              <a:t>NamUs</a:t>
+            </a:r>
+            <a:r>
+              <a:rPr lang="en-US" dirty="0">
+                <a:hlinkClick r:id="rId3"/>
+              </a:rPr>
+              <a:t> Dashboard</a:t>
+            </a:r>
+            <a:endParaRPr lang="en-US" dirty="0"/>
+          </a:p>
+          <a:p>
+            <a:r>
+              <a:rPr lang="en-US" dirty="0"/>
+              <a:t>  10,000 records with 20 features, </a:t>
+            </a:r>
+          </a:p>
+        </p:txBody>
+      </p:sp>
+      <p:graphicFrame>
+        <p:nvGraphicFramePr>
+          <p:cNvPr id="4" name="Table 3">
+            <a:extLst>
+              <a:ext uri="{FF2B5EF4-FFF2-40B4-BE49-F238E27FC236}">
+                <a16:creationId xmlns:a16="http://schemas.microsoft.com/office/drawing/2014/main" id="{7628133E-172E-4847-AB9E-F47CCF6C564B}"/>
+              </a:ext>
+            </a:extLst>
+          </p:cNvPr>
+          <p:cNvGraphicFramePr>
+            <a:graphicFrameLocks noGrp="1"/>
+          </p:cNvGraphicFramePr>
+          <p:nvPr>
+            <p:extLst>
+              <p:ext uri="{D42A27DB-BD31-4B8C-83A1-F6EECF244321}">
+                <p14:modId xmlns:p14="http://schemas.microsoft.com/office/powerpoint/2010/main" val="1655227716"/>
+              </p:ext>
+            </p:extLst>
+          </p:nvPr>
+        </p:nvGraphicFramePr>
+        <p:xfrm>
+          <a:off x="1686855" y="2950200"/>
+          <a:ext cx="2462286" cy="3534740"/>
+        </p:xfrm>
+        <a:graphic>
+          <a:graphicData uri="http://schemas.openxmlformats.org/drawingml/2006/table">
+            <a:tbl>
+              <a:tblPr>
+                <a:tableStyleId>{5C22544A-7EE6-4342-B048-85BDC9FD1C3A}</a:tableStyleId>
+              </a:tblPr>
+              <a:tblGrid>
+                <a:gridCol w="2462286">
+                  <a:extLst>
+                    <a:ext uri="{9D8B030D-6E8A-4147-A177-3AD203B41FA5}">
+                      <a16:colId xmlns:a16="http://schemas.microsoft.com/office/drawing/2014/main" val="1299929824"/>
+                    </a:ext>
+                  </a:extLst>
+                </a:gridCol>
+              </a:tblGrid>
+              <a:tr h="161687">
+                <a:tc>
+                  <a:txBody>
+                    <a:bodyPr/>
+                    <a:lstStyle/>
+                    <a:p>
+                      <a:pPr algn="l" fontAlgn="b"/>
+                      <a:r>
+                        <a:rPr lang="en-US" sz="1100" u="none" strike="noStrike">
+                          <a:effectLst/>
+                        </a:rPr>
+                        <a:t>City Of Last Contact</a:t>
+                      </a:r>
+                      <a:endParaRPr lang="en-US" sz="1100" b="1" i="0" u="none" strike="noStrike">
+                        <a:solidFill>
+                          <a:srgbClr val="000000"/>
+                        </a:solidFill>
+                        <a:effectLst/>
+                        <a:latin typeface="Arial" panose="020B0604020202020204" pitchFamily="34" charset="0"/>
+                      </a:endParaRPr>
+                    </a:p>
+                  </a:txBody>
+                  <a:tcPr marL="9097" marR="9097" marT="9097" marB="0" anchor="b"/>
+                </a:tc>
+                <a:extLst>
+                  <a:ext uri="{0D108BD9-81ED-4DB2-BD59-A6C34878D82A}">
+                    <a16:rowId xmlns:a16="http://schemas.microsoft.com/office/drawing/2014/main" val="3041220787"/>
+                  </a:ext>
+                </a:extLst>
+              </a:tr>
+              <a:tr h="161687">
+                <a:tc>
+                  <a:txBody>
+                    <a:bodyPr/>
+                    <a:lstStyle/>
+                    <a:p>
+                      <a:pPr algn="l" fontAlgn="b"/>
+                      <a:r>
+                        <a:rPr lang="en-US" sz="1100" u="none" strike="noStrike">
+                          <a:effectLst/>
+                        </a:rPr>
+                        <a:t>Computed Missing Max Age</a:t>
+                      </a:r>
+                      <a:endParaRPr lang="en-US" sz="1100" b="1" i="0" u="none" strike="noStrike">
+                        <a:solidFill>
+                          <a:srgbClr val="000000"/>
+                        </a:solidFill>
+                        <a:effectLst/>
+                        <a:latin typeface="Arial" panose="020B0604020202020204" pitchFamily="34" charset="0"/>
+                      </a:endParaRPr>
+                    </a:p>
+                  </a:txBody>
+                  <a:tcPr marL="9097" marR="9097" marT="9097" marB="0" anchor="b"/>
+                </a:tc>
+                <a:extLst>
+                  <a:ext uri="{0D108BD9-81ED-4DB2-BD59-A6C34878D82A}">
+                    <a16:rowId xmlns:a16="http://schemas.microsoft.com/office/drawing/2014/main" val="2222759126"/>
+                  </a:ext>
+                </a:extLst>
+              </a:tr>
+              <a:tr h="161687">
+                <a:tc>
+                  <a:txBody>
+                    <a:bodyPr/>
+                    <a:lstStyle/>
+                    <a:p>
+                      <a:pPr algn="l" fontAlgn="b"/>
+                      <a:r>
+                        <a:rPr lang="en-US" sz="1100" u="none" strike="noStrike">
+                          <a:effectLst/>
+                        </a:rPr>
+                        <a:t>Computed Missing Min Age</a:t>
+                      </a:r>
+                      <a:endParaRPr lang="en-US" sz="1100" b="1" i="0" u="none" strike="noStrike">
+                        <a:solidFill>
+                          <a:srgbClr val="000000"/>
+                        </a:solidFill>
+                        <a:effectLst/>
+                        <a:latin typeface="Arial" panose="020B0604020202020204" pitchFamily="34" charset="0"/>
+                      </a:endParaRPr>
+                    </a:p>
+                  </a:txBody>
+                  <a:tcPr marL="9097" marR="9097" marT="9097" marB="0" anchor="b"/>
+                </a:tc>
+                <a:extLst>
+                  <a:ext uri="{0D108BD9-81ED-4DB2-BD59-A6C34878D82A}">
+                    <a16:rowId xmlns:a16="http://schemas.microsoft.com/office/drawing/2014/main" val="3753590809"/>
+                  </a:ext>
+                </a:extLst>
+              </a:tr>
+              <a:tr h="161687">
+                <a:tc>
+                  <a:txBody>
+                    <a:bodyPr/>
+                    <a:lstStyle/>
+                    <a:p>
+                      <a:pPr algn="l" fontAlgn="b"/>
+                      <a:r>
+                        <a:rPr lang="en-US" sz="1100" u="none" strike="noStrike">
+                          <a:effectLst/>
+                        </a:rPr>
+                        <a:t>County Of Last Contact</a:t>
+                      </a:r>
+                      <a:endParaRPr lang="en-US" sz="1100" b="1" i="0" u="none" strike="noStrike">
+                        <a:solidFill>
+                          <a:srgbClr val="000000"/>
+                        </a:solidFill>
+                        <a:effectLst/>
+                        <a:latin typeface="Arial" panose="020B0604020202020204" pitchFamily="34" charset="0"/>
+                      </a:endParaRPr>
+                    </a:p>
+                  </a:txBody>
+                  <a:tcPr marL="9097" marR="9097" marT="9097" marB="0" anchor="b"/>
+                </a:tc>
+                <a:extLst>
+                  <a:ext uri="{0D108BD9-81ED-4DB2-BD59-A6C34878D82A}">
+                    <a16:rowId xmlns:a16="http://schemas.microsoft.com/office/drawing/2014/main" val="797422851"/>
+                  </a:ext>
+                </a:extLst>
+              </a:tr>
+              <a:tr h="161687">
+                <a:tc>
+                  <a:txBody>
+                    <a:bodyPr/>
+                    <a:lstStyle/>
+                    <a:p>
+                      <a:pPr algn="l" fontAlgn="b"/>
+                      <a:r>
+                        <a:rPr lang="en-US" sz="1100" u="none" strike="noStrike">
+                          <a:effectLst/>
+                        </a:rPr>
+                        <a:t>Current Age From</a:t>
+                      </a:r>
+                      <a:endParaRPr lang="en-US" sz="1100" b="1" i="0" u="none" strike="noStrike">
+                        <a:solidFill>
+                          <a:srgbClr val="000000"/>
+                        </a:solidFill>
+                        <a:effectLst/>
+                        <a:latin typeface="Arial" panose="020B0604020202020204" pitchFamily="34" charset="0"/>
+                      </a:endParaRPr>
+                    </a:p>
+                  </a:txBody>
+                  <a:tcPr marL="9097" marR="9097" marT="9097" marB="0" anchor="b"/>
+                </a:tc>
+                <a:extLst>
+                  <a:ext uri="{0D108BD9-81ED-4DB2-BD59-A6C34878D82A}">
+                    <a16:rowId xmlns:a16="http://schemas.microsoft.com/office/drawing/2014/main" val="1476400153"/>
+                  </a:ext>
+                </a:extLst>
+              </a:tr>
+              <a:tr h="161687">
+                <a:tc>
+                  <a:txBody>
+                    <a:bodyPr/>
+                    <a:lstStyle/>
+                    <a:p>
+                      <a:pPr algn="l" fontAlgn="b"/>
+                      <a:r>
+                        <a:rPr lang="en-US" sz="1100" u="none" strike="noStrike">
+                          <a:effectLst/>
+                        </a:rPr>
+                        <a:t>Current Age To</a:t>
+                      </a:r>
+                      <a:endParaRPr lang="en-US" sz="1100" b="1" i="0" u="none" strike="noStrike">
+                        <a:solidFill>
+                          <a:srgbClr val="000000"/>
+                        </a:solidFill>
+                        <a:effectLst/>
+                        <a:latin typeface="Arial" panose="020B0604020202020204" pitchFamily="34" charset="0"/>
+                      </a:endParaRPr>
+                    </a:p>
+                  </a:txBody>
+                  <a:tcPr marL="9097" marR="9097" marT="9097" marB="0" anchor="b"/>
+                </a:tc>
+                <a:extLst>
+                  <a:ext uri="{0D108BD9-81ED-4DB2-BD59-A6C34878D82A}">
+                    <a16:rowId xmlns:a16="http://schemas.microsoft.com/office/drawing/2014/main" val="1308495439"/>
+                  </a:ext>
+                </a:extLst>
+              </a:tr>
+              <a:tr h="161687">
+                <a:tc>
+                  <a:txBody>
+                    <a:bodyPr/>
+                    <a:lstStyle/>
+                    <a:p>
+                      <a:pPr algn="l" fontAlgn="b"/>
+                      <a:r>
+                        <a:rPr lang="en-US" sz="1100" u="none" strike="noStrike">
+                          <a:effectLst/>
+                        </a:rPr>
+                        <a:t>Date Of Last Contact</a:t>
+                      </a:r>
+                      <a:endParaRPr lang="en-US" sz="1100" b="1" i="0" u="none" strike="noStrike">
+                        <a:solidFill>
+                          <a:srgbClr val="000000"/>
+                        </a:solidFill>
+                        <a:effectLst/>
+                        <a:latin typeface="Arial" panose="020B0604020202020204" pitchFamily="34" charset="0"/>
+                      </a:endParaRPr>
+                    </a:p>
+                  </a:txBody>
+                  <a:tcPr marL="9097" marR="9097" marT="9097" marB="0" anchor="b"/>
+                </a:tc>
+                <a:extLst>
+                  <a:ext uri="{0D108BD9-81ED-4DB2-BD59-A6C34878D82A}">
+                    <a16:rowId xmlns:a16="http://schemas.microsoft.com/office/drawing/2014/main" val="568769320"/>
+                  </a:ext>
+                </a:extLst>
+              </a:tr>
+              <a:tr h="161687">
+                <a:tc>
+                  <a:txBody>
+                    <a:bodyPr/>
+                    <a:lstStyle/>
+                    <a:p>
+                      <a:pPr algn="l" fontAlgn="b"/>
+                      <a:r>
+                        <a:rPr lang="en-US" sz="1100" u="none" strike="noStrike" dirty="0">
+                          <a:effectLst/>
+                        </a:rPr>
+                        <a:t>First Name</a:t>
+                      </a:r>
+                      <a:endParaRPr lang="en-US" sz="1100" b="1" i="0" u="none" strike="noStrike" dirty="0">
+                        <a:solidFill>
+                          <a:srgbClr val="000000"/>
+                        </a:solidFill>
+                        <a:effectLst/>
+                        <a:latin typeface="Arial" panose="020B0604020202020204" pitchFamily="34" charset="0"/>
+                      </a:endParaRPr>
+                    </a:p>
+                  </a:txBody>
+                  <a:tcPr marL="9097" marR="9097" marT="9097" marB="0" anchor="b"/>
+                </a:tc>
+                <a:extLst>
+                  <a:ext uri="{0D108BD9-81ED-4DB2-BD59-A6C34878D82A}">
+                    <a16:rowId xmlns:a16="http://schemas.microsoft.com/office/drawing/2014/main" val="243306369"/>
+                  </a:ext>
+                </a:extLst>
+              </a:tr>
+              <a:tr h="161687">
+                <a:tc>
+                  <a:txBody>
+                    <a:bodyPr/>
+                    <a:lstStyle/>
+                    <a:p>
+                      <a:pPr algn="l" fontAlgn="b"/>
+                      <a:r>
+                        <a:rPr lang="en-US" sz="1100" u="none" strike="noStrike">
+                          <a:effectLst/>
+                        </a:rPr>
+                        <a:t>Gender</a:t>
+                      </a:r>
+                      <a:endParaRPr lang="en-US" sz="1100" b="1" i="0" u="none" strike="noStrike">
+                        <a:solidFill>
+                          <a:srgbClr val="000000"/>
+                        </a:solidFill>
+                        <a:effectLst/>
+                        <a:latin typeface="Arial" panose="020B0604020202020204" pitchFamily="34" charset="0"/>
+                      </a:endParaRPr>
+                    </a:p>
+                  </a:txBody>
+                  <a:tcPr marL="9097" marR="9097" marT="9097" marB="0" anchor="b"/>
+                </a:tc>
+                <a:extLst>
+                  <a:ext uri="{0D108BD9-81ED-4DB2-BD59-A6C34878D82A}">
+                    <a16:rowId xmlns:a16="http://schemas.microsoft.com/office/drawing/2014/main" val="1298674022"/>
+                  </a:ext>
+                </a:extLst>
+              </a:tr>
+              <a:tr h="161687">
+                <a:tc>
+                  <a:txBody>
+                    <a:bodyPr/>
+                    <a:lstStyle/>
+                    <a:p>
+                      <a:pPr algn="l" fontAlgn="b"/>
+                      <a:r>
+                        <a:rPr lang="en-US" sz="1100" u="none" strike="noStrike">
+                          <a:effectLst/>
+                        </a:rPr>
+                        <a:t>Geo Shape</a:t>
+                      </a:r>
+                      <a:endParaRPr lang="en-US" sz="1100" b="1" i="0" u="none" strike="noStrike">
+                        <a:solidFill>
+                          <a:srgbClr val="000000"/>
+                        </a:solidFill>
+                        <a:effectLst/>
+                        <a:latin typeface="Arial" panose="020B0604020202020204" pitchFamily="34" charset="0"/>
+                      </a:endParaRPr>
+                    </a:p>
+                  </a:txBody>
+                  <a:tcPr marL="9097" marR="9097" marT="9097" marB="0" anchor="b"/>
+                </a:tc>
+                <a:extLst>
+                  <a:ext uri="{0D108BD9-81ED-4DB2-BD59-A6C34878D82A}">
+                    <a16:rowId xmlns:a16="http://schemas.microsoft.com/office/drawing/2014/main" val="1317443650"/>
+                  </a:ext>
+                </a:extLst>
+              </a:tr>
+              <a:tr h="161687">
+                <a:tc>
+                  <a:txBody>
+                    <a:bodyPr/>
+                    <a:lstStyle/>
+                    <a:p>
+                      <a:pPr algn="l" fontAlgn="b"/>
+                      <a:r>
+                        <a:rPr lang="en-US" sz="1100" u="none" strike="noStrike">
+                          <a:effectLst/>
+                        </a:rPr>
+                        <a:t>geo_point_2d</a:t>
+                      </a:r>
+                      <a:endParaRPr lang="en-US" sz="1100" b="1" i="0" u="none" strike="noStrike">
+                        <a:solidFill>
+                          <a:srgbClr val="000000"/>
+                        </a:solidFill>
+                        <a:effectLst/>
+                        <a:latin typeface="Arial" panose="020B0604020202020204" pitchFamily="34" charset="0"/>
+                      </a:endParaRPr>
+                    </a:p>
+                  </a:txBody>
+                  <a:tcPr marL="9097" marR="9097" marT="9097" marB="0" anchor="b"/>
+                </a:tc>
+                <a:extLst>
+                  <a:ext uri="{0D108BD9-81ED-4DB2-BD59-A6C34878D82A}">
+                    <a16:rowId xmlns:a16="http://schemas.microsoft.com/office/drawing/2014/main" val="2545900671"/>
+                  </a:ext>
+                </a:extLst>
+              </a:tr>
+              <a:tr h="161687">
+                <a:tc>
+                  <a:txBody>
+                    <a:bodyPr/>
+                    <a:lstStyle/>
+                    <a:p>
+                      <a:pPr algn="l" fontAlgn="b"/>
+                      <a:r>
+                        <a:rPr lang="en-US" sz="1100" u="none" strike="noStrike">
+                          <a:effectLst/>
+                        </a:rPr>
+                        <a:t>id Formatted</a:t>
+                      </a:r>
+                      <a:endParaRPr lang="en-US" sz="1100" b="1" i="0" u="none" strike="noStrike">
+                        <a:solidFill>
+                          <a:srgbClr val="000000"/>
+                        </a:solidFill>
+                        <a:effectLst/>
+                        <a:latin typeface="Arial" panose="020B0604020202020204" pitchFamily="34" charset="0"/>
+                      </a:endParaRPr>
+                    </a:p>
+                  </a:txBody>
+                  <a:tcPr marL="9097" marR="9097" marT="9097" marB="0" anchor="b"/>
+                </a:tc>
+                <a:extLst>
+                  <a:ext uri="{0D108BD9-81ED-4DB2-BD59-A6C34878D82A}">
+                    <a16:rowId xmlns:a16="http://schemas.microsoft.com/office/drawing/2014/main" val="2781533566"/>
+                  </a:ext>
+                </a:extLst>
+              </a:tr>
+              <a:tr h="161687">
+                <a:tc>
+                  <a:txBody>
+                    <a:bodyPr/>
+                    <a:lstStyle/>
+                    <a:p>
+                      <a:pPr algn="l" fontAlgn="b"/>
+                      <a:r>
+                        <a:rPr lang="en-US" sz="1100" u="none" strike="noStrike">
+                          <a:effectLst/>
+                        </a:rPr>
+                        <a:t>image</a:t>
+                      </a:r>
+                      <a:endParaRPr lang="en-US" sz="1100" b="1" i="0" u="none" strike="noStrike">
+                        <a:solidFill>
+                          <a:srgbClr val="000000"/>
+                        </a:solidFill>
+                        <a:effectLst/>
+                        <a:latin typeface="Arial" panose="020B0604020202020204" pitchFamily="34" charset="0"/>
+                      </a:endParaRPr>
+                    </a:p>
+                  </a:txBody>
+                  <a:tcPr marL="9097" marR="9097" marT="9097" marB="0" anchor="b"/>
+                </a:tc>
+                <a:extLst>
+                  <a:ext uri="{0D108BD9-81ED-4DB2-BD59-A6C34878D82A}">
+                    <a16:rowId xmlns:a16="http://schemas.microsoft.com/office/drawing/2014/main" val="3711036468"/>
+                  </a:ext>
+                </a:extLst>
+              </a:tr>
+              <a:tr h="161687">
+                <a:tc>
+                  <a:txBody>
+                    <a:bodyPr/>
+                    <a:lstStyle/>
+                    <a:p>
+                      <a:pPr algn="l" fontAlgn="b"/>
+                      <a:r>
+                        <a:rPr lang="en-US" sz="1100" u="none" strike="noStrike">
+                          <a:effectLst/>
+                        </a:rPr>
+                        <a:t>Last Name</a:t>
+                      </a:r>
+                      <a:endParaRPr lang="en-US" sz="1100" b="1" i="0" u="none" strike="noStrike">
+                        <a:solidFill>
+                          <a:srgbClr val="000000"/>
+                        </a:solidFill>
+                        <a:effectLst/>
+                        <a:latin typeface="Arial" panose="020B0604020202020204" pitchFamily="34" charset="0"/>
+                      </a:endParaRPr>
+                    </a:p>
+                  </a:txBody>
+                  <a:tcPr marL="9097" marR="9097" marT="9097" marB="0" anchor="b"/>
+                </a:tc>
+                <a:extLst>
+                  <a:ext uri="{0D108BD9-81ED-4DB2-BD59-A6C34878D82A}">
+                    <a16:rowId xmlns:a16="http://schemas.microsoft.com/office/drawing/2014/main" val="4057723224"/>
+                  </a:ext>
+                </a:extLst>
+              </a:tr>
+              <a:tr h="161687">
+                <a:tc>
+                  <a:txBody>
+                    <a:bodyPr/>
+                    <a:lstStyle/>
+                    <a:p>
+                      <a:pPr algn="l" fontAlgn="b"/>
+                      <a:r>
+                        <a:rPr lang="en-US" sz="1100" u="none" strike="noStrike">
+                          <a:effectLst/>
+                        </a:rPr>
+                        <a:t>link</a:t>
+                      </a:r>
+                      <a:endParaRPr lang="en-US" sz="1100" b="1" i="0" u="none" strike="noStrike">
+                        <a:solidFill>
+                          <a:srgbClr val="000000"/>
+                        </a:solidFill>
+                        <a:effectLst/>
+                        <a:latin typeface="Arial" panose="020B0604020202020204" pitchFamily="34" charset="0"/>
+                      </a:endParaRPr>
+                    </a:p>
+                  </a:txBody>
+                  <a:tcPr marL="9097" marR="9097" marT="9097" marB="0" anchor="b"/>
+                </a:tc>
+                <a:extLst>
+                  <a:ext uri="{0D108BD9-81ED-4DB2-BD59-A6C34878D82A}">
+                    <a16:rowId xmlns:a16="http://schemas.microsoft.com/office/drawing/2014/main" val="3620843376"/>
+                  </a:ext>
+                </a:extLst>
+              </a:tr>
+              <a:tr h="161687">
+                <a:tc>
+                  <a:txBody>
+                    <a:bodyPr/>
+                    <a:lstStyle/>
+                    <a:p>
+                      <a:pPr algn="l" fontAlgn="b"/>
+                      <a:r>
+                        <a:rPr lang="en-US" sz="1100" u="none" strike="noStrike">
+                          <a:effectLst/>
+                        </a:rPr>
+                        <a:t>Middle Name</a:t>
+                      </a:r>
+                      <a:endParaRPr lang="en-US" sz="1100" b="1" i="0" u="none" strike="noStrike">
+                        <a:solidFill>
+                          <a:srgbClr val="000000"/>
+                        </a:solidFill>
+                        <a:effectLst/>
+                        <a:latin typeface="Arial" panose="020B0604020202020204" pitchFamily="34" charset="0"/>
+                      </a:endParaRPr>
+                    </a:p>
+                  </a:txBody>
+                  <a:tcPr marL="9097" marR="9097" marT="9097" marB="0" anchor="b"/>
+                </a:tc>
+                <a:extLst>
+                  <a:ext uri="{0D108BD9-81ED-4DB2-BD59-A6C34878D82A}">
+                    <a16:rowId xmlns:a16="http://schemas.microsoft.com/office/drawing/2014/main" val="2899729453"/>
+                  </a:ext>
+                </a:extLst>
+              </a:tr>
+              <a:tr h="161687">
+                <a:tc>
+                  <a:txBody>
+                    <a:bodyPr/>
+                    <a:lstStyle/>
+                    <a:p>
+                      <a:pPr algn="l" fontAlgn="b"/>
+                      <a:r>
+                        <a:rPr lang="en-US" sz="1100" u="none" strike="noStrike">
+                          <a:effectLst/>
+                        </a:rPr>
+                        <a:t>Modified Date Time</a:t>
+                      </a:r>
+                      <a:endParaRPr lang="en-US" sz="1100" b="1" i="0" u="none" strike="noStrike">
+                        <a:solidFill>
+                          <a:srgbClr val="000000"/>
+                        </a:solidFill>
+                        <a:effectLst/>
+                        <a:latin typeface="Arial" panose="020B0604020202020204" pitchFamily="34" charset="0"/>
+                      </a:endParaRPr>
+                    </a:p>
+                  </a:txBody>
+                  <a:tcPr marL="9097" marR="9097" marT="9097" marB="0" anchor="b"/>
+                </a:tc>
+                <a:extLst>
+                  <a:ext uri="{0D108BD9-81ED-4DB2-BD59-A6C34878D82A}">
+                    <a16:rowId xmlns:a16="http://schemas.microsoft.com/office/drawing/2014/main" val="3730308734"/>
+                  </a:ext>
+                </a:extLst>
+              </a:tr>
+              <a:tr h="161687">
+                <a:tc>
+                  <a:txBody>
+                    <a:bodyPr/>
+                    <a:lstStyle/>
+                    <a:p>
+                      <a:pPr algn="l" fontAlgn="b"/>
+                      <a:r>
+                        <a:rPr lang="en-US" sz="1100" u="none" strike="noStrike">
+                          <a:effectLst/>
+                        </a:rPr>
+                        <a:t>namus2Number (Unique Idenifier)</a:t>
+                      </a:r>
+                      <a:endParaRPr lang="en-US" sz="1100" b="1" i="0" u="none" strike="noStrike">
+                        <a:solidFill>
+                          <a:srgbClr val="000000"/>
+                        </a:solidFill>
+                        <a:effectLst/>
+                        <a:latin typeface="Arial" panose="020B0604020202020204" pitchFamily="34" charset="0"/>
+                      </a:endParaRPr>
+                    </a:p>
+                  </a:txBody>
+                  <a:tcPr marL="9097" marR="9097" marT="9097" marB="0" anchor="b"/>
+                </a:tc>
+                <a:extLst>
+                  <a:ext uri="{0D108BD9-81ED-4DB2-BD59-A6C34878D82A}">
+                    <a16:rowId xmlns:a16="http://schemas.microsoft.com/office/drawing/2014/main" val="297261691"/>
+                  </a:ext>
+                </a:extLst>
+              </a:tr>
+              <a:tr h="161687">
+                <a:tc>
+                  <a:txBody>
+                    <a:bodyPr/>
+                    <a:lstStyle/>
+                    <a:p>
+                      <a:pPr algn="l" fontAlgn="b"/>
+                      <a:r>
+                        <a:rPr lang="en-US" sz="1100" u="none" strike="noStrike">
+                          <a:effectLst/>
+                        </a:rPr>
+                        <a:t>Race / Ethnicity</a:t>
+                      </a:r>
+                      <a:endParaRPr lang="en-US" sz="1100" b="1" i="0" u="none" strike="noStrike">
+                        <a:solidFill>
+                          <a:srgbClr val="000000"/>
+                        </a:solidFill>
+                        <a:effectLst/>
+                        <a:latin typeface="Arial" panose="020B0604020202020204" pitchFamily="34" charset="0"/>
+                      </a:endParaRPr>
+                    </a:p>
+                  </a:txBody>
+                  <a:tcPr marL="9097" marR="9097" marT="9097" marB="0" anchor="b"/>
+                </a:tc>
+                <a:extLst>
+                  <a:ext uri="{0D108BD9-81ED-4DB2-BD59-A6C34878D82A}">
+                    <a16:rowId xmlns:a16="http://schemas.microsoft.com/office/drawing/2014/main" val="3018090752"/>
+                  </a:ext>
+                </a:extLst>
+              </a:tr>
+              <a:tr h="161687">
+                <a:tc>
+                  <a:txBody>
+                    <a:bodyPr/>
+                    <a:lstStyle/>
+                    <a:p>
+                      <a:pPr algn="l" fontAlgn="b"/>
+                      <a:r>
+                        <a:rPr lang="en-US" sz="1100" u="none" strike="noStrike" dirty="0">
+                          <a:effectLst/>
+                        </a:rPr>
+                        <a:t>State Of Last Contact</a:t>
+                      </a:r>
+                      <a:endParaRPr lang="en-US" sz="1100" b="1" i="0" u="none" strike="noStrike" dirty="0">
+                        <a:solidFill>
+                          <a:srgbClr val="000000"/>
+                        </a:solidFill>
+                        <a:effectLst/>
+                        <a:latin typeface="Arial" panose="020B0604020202020204" pitchFamily="34" charset="0"/>
+                      </a:endParaRPr>
+                    </a:p>
+                  </a:txBody>
+                  <a:tcPr marL="9097" marR="9097" marT="9097" marB="0" anchor="b"/>
+                </a:tc>
+                <a:extLst>
+                  <a:ext uri="{0D108BD9-81ED-4DB2-BD59-A6C34878D82A}">
+                    <a16:rowId xmlns:a16="http://schemas.microsoft.com/office/drawing/2014/main" val="3335883285"/>
+                  </a:ext>
+                </a:extLst>
+              </a:tr>
+            </a:tbl>
+          </a:graphicData>
+        </a:graphic>
+      </p:graphicFrame>
     </p:spTree>
     <p:extLst>
       <p:ext uri="{BB962C8B-B14F-4D97-AF65-F5344CB8AC3E}">
-        <p14:creationId xmlns:p14="http://schemas.microsoft.com/office/powerpoint/2010/main" val="3739729150"/>
+        <p14:creationId xmlns:p14="http://schemas.microsoft.com/office/powerpoint/2010/main" val="1733879460"/>
+      </p:ext>
+    </p:extLst>
+  </p:cSld>
+  <p:clrMapOvr>
+    <a:masterClrMapping/>
+  </p:clrMapOvr>
+</p:sld>
+</file>
+
+<file path=ppt/slides/slide8.xml><?xml version="1.0" encoding="utf-8"?>
+<p:sld xmlns:a="http://schemas.openxmlformats.org/drawingml/2006/main" xmlns:r="http://schemas.openxmlformats.org/officeDocument/2006/relationships" xmlns:p="http://schemas.openxmlformats.org/presentationml/2006/main">
+  <p:cSld>
+    <p:spTree>
+      <p:nvGrpSpPr>
+        <p:cNvPr id="1" name=""/>
+        <p:cNvGrpSpPr/>
+        <p:nvPr/>
+      </p:nvGrpSpPr>
+      <p:grpSpPr>
+        <a:xfrm>
+          <a:off x="0" y="0"/>
+          <a:ext cx="0" cy="0"/>
+          <a:chOff x="0" y="0"/>
+          <a:chExt cx="0" cy="0"/>
+        </a:xfrm>
+      </p:grpSpPr>
+      <p:sp>
+        <p:nvSpPr>
+          <p:cNvPr id="2" name="Title 1">
+            <a:extLst>
+              <a:ext uri="{FF2B5EF4-FFF2-40B4-BE49-F238E27FC236}">
+                <a16:creationId xmlns:a16="http://schemas.microsoft.com/office/drawing/2014/main" id="{56528311-D1F5-9D47-B200-86982329E692}"/>
+              </a:ext>
+            </a:extLst>
+          </p:cNvPr>
+          <p:cNvSpPr>
+            <a:spLocks noGrp="1"/>
+          </p:cNvSpPr>
+          <p:nvPr>
+            <p:ph type="title"/>
+          </p:nvPr>
+        </p:nvSpPr>
+        <p:spPr/>
+        <p:txBody>
+          <a:bodyPr/>
+          <a:lstStyle/>
+          <a:p>
+            <a:r>
+              <a:rPr lang="en-US" dirty="0"/>
+              <a:t>High-Level Deliverable Design</a:t>
+            </a:r>
+          </a:p>
+        </p:txBody>
+      </p:sp>
+      <p:graphicFrame>
+        <p:nvGraphicFramePr>
+          <p:cNvPr id="4" name="Content Placeholder 3">
+            <a:extLst>
+              <a:ext uri="{FF2B5EF4-FFF2-40B4-BE49-F238E27FC236}">
+                <a16:creationId xmlns:a16="http://schemas.microsoft.com/office/drawing/2014/main" id="{D6406317-91CF-6446-BD09-26F7E76E80D9}"/>
+              </a:ext>
+            </a:extLst>
+          </p:cNvPr>
+          <p:cNvGraphicFramePr>
+            <a:graphicFrameLocks noGrp="1"/>
+          </p:cNvGraphicFramePr>
+          <p:nvPr>
+            <p:ph idx="1"/>
+            <p:extLst>
+              <p:ext uri="{D42A27DB-BD31-4B8C-83A1-F6EECF244321}">
+                <p14:modId xmlns:p14="http://schemas.microsoft.com/office/powerpoint/2010/main" val="2207464792"/>
+              </p:ext>
+            </p:extLst>
+          </p:nvPr>
+        </p:nvGraphicFramePr>
+        <p:xfrm>
+          <a:off x="677863" y="2160588"/>
+          <a:ext cx="8596312" cy="3881437"/>
+        </p:xfrm>
+        <a:graphic>
+          <a:graphicData uri="http://schemas.openxmlformats.org/drawingml/2006/diagram">
+            <dgm:relIds xmlns:dgm="http://schemas.openxmlformats.org/drawingml/2006/diagram" xmlns:r="http://schemas.openxmlformats.org/officeDocument/2006/relationships" r:dm="rId2" r:lo="rId3" r:qs="rId4" r:cs="rId5"/>
+          </a:graphicData>
+        </a:graphic>
+      </p:graphicFrame>
+    </p:spTree>
+    <p:extLst>
+      <p:ext uri="{BB962C8B-B14F-4D97-AF65-F5344CB8AC3E}">
+        <p14:creationId xmlns:p14="http://schemas.microsoft.com/office/powerpoint/2010/main" val="794849299"/>
+      </p:ext>
+    </p:extLst>
+  </p:cSld>
+  <p:clrMapOvr>
+    <a:masterClrMapping/>
+  </p:clrMapOvr>
+</p:sld>
+</file>
+
+<file path=ppt/slides/slide9.xml><?xml version="1.0" encoding="utf-8"?>
+<p:sld xmlns:a="http://schemas.openxmlformats.org/drawingml/2006/main" xmlns:r="http://schemas.openxmlformats.org/officeDocument/2006/relationships" xmlns:p="http://schemas.openxmlformats.org/presentationml/2006/main">
+  <p:cSld>
+    <p:spTree>
+      <p:nvGrpSpPr>
+        <p:cNvPr id="1" name=""/>
+        <p:cNvGrpSpPr/>
+        <p:nvPr/>
+      </p:nvGrpSpPr>
+      <p:grpSpPr>
+        <a:xfrm>
+          <a:off x="0" y="0"/>
+          <a:ext cx="0" cy="0"/>
+          <a:chOff x="0" y="0"/>
+          <a:chExt cx="0" cy="0"/>
+        </a:xfrm>
+      </p:grpSpPr>
+      <p:sp>
+        <p:nvSpPr>
+          <p:cNvPr id="2" name="Title 1">
+            <a:extLst>
+              <a:ext uri="{FF2B5EF4-FFF2-40B4-BE49-F238E27FC236}">
+                <a16:creationId xmlns:a16="http://schemas.microsoft.com/office/drawing/2014/main" id="{3D7DD1E5-8CD2-7D46-BE66-952EFCE74899}"/>
+              </a:ext>
+            </a:extLst>
+          </p:cNvPr>
+          <p:cNvSpPr>
+            <a:spLocks noGrp="1"/>
+          </p:cNvSpPr>
+          <p:nvPr>
+            <p:ph type="title"/>
+          </p:nvPr>
+        </p:nvSpPr>
+        <p:spPr/>
+        <p:txBody>
+          <a:bodyPr/>
+          <a:lstStyle/>
+          <a:p>
+            <a:r>
+              <a:rPr lang="en-US" dirty="0"/>
+              <a:t>Current Progress</a:t>
+            </a:r>
+          </a:p>
+        </p:txBody>
+      </p:sp>
+      <p:pic>
+        <p:nvPicPr>
+          <p:cNvPr id="5" name="Content Placeholder 4">
+            <a:extLst>
+              <a:ext uri="{FF2B5EF4-FFF2-40B4-BE49-F238E27FC236}">
+                <a16:creationId xmlns:a16="http://schemas.microsoft.com/office/drawing/2014/main" id="{5BA8BB6B-CE91-C44F-B9A3-F09246AD169B}"/>
+              </a:ext>
+            </a:extLst>
+          </p:cNvPr>
+          <p:cNvPicPr>
+            <a:picLocks noGrp="1" noChangeAspect="1"/>
+          </p:cNvPicPr>
+          <p:nvPr>
+            <p:ph idx="1"/>
+          </p:nvPr>
+        </p:nvPicPr>
+        <p:blipFill>
+          <a:blip r:embed="rId2"/>
+          <a:stretch>
+            <a:fillRect/>
+          </a:stretch>
+        </p:blipFill>
+        <p:spPr>
+          <a:xfrm>
+            <a:off x="677863" y="1490940"/>
+            <a:ext cx="9088437" cy="4917519"/>
+          </a:xfrm>
+        </p:spPr>
+      </p:pic>
+    </p:spTree>
+    <p:extLst>
+      <p:ext uri="{BB962C8B-B14F-4D97-AF65-F5344CB8AC3E}">
+        <p14:creationId xmlns:p14="http://schemas.microsoft.com/office/powerpoint/2010/main" val="1267808432"/>
       </p:ext>
     </p:extLst>
   </p:cSld>
